--- a/OS_presentation.pptx
+++ b/OS_presentation.pptx
@@ -12,6 +12,11 @@
     <p:sldId id="259" r:id="rId6"/>
     <p:sldId id="261" r:id="rId7"/>
     <p:sldId id="262" r:id="rId8"/>
+    <p:sldId id="263" r:id="rId9"/>
+    <p:sldId id="264" r:id="rId10"/>
+    <p:sldId id="265" r:id="rId11"/>
+    <p:sldId id="266" r:id="rId12"/>
+    <p:sldId id="267" r:id="rId13"/>
   </p:sldIdLst>
   <p:sldSz cx="12192000" cy="6858000"/>
   <p:notesSz cx="6858000" cy="9144000"/>
@@ -122,12 +127,8377 @@
             <p14:sldId id="259"/>
             <p14:sldId id="261"/>
             <p14:sldId id="262"/>
+            <p14:sldId id="263"/>
+            <p14:sldId id="264"/>
+            <p14:sldId id="265"/>
+            <p14:sldId id="266"/>
+            <p14:sldId id="267"/>
           </p14:sldIdLst>
         </p14:section>
       </p14:sectionLst>
     </p:ext>
+    <p:ext uri="{EFAFB233-063F-42B5-8137-9DF3F51BA10A}">
+      <p15:sldGuideLst xmlns:p15="http://schemas.microsoft.com/office/powerpoint/2012/main"/>
+    </p:ext>
   </p:extLst>
 </p:presentation>
+</file>
+
+<file path=ppt/charts/chart1.xml><?xml version="1.0" encoding="utf-8"?>
+<c:chartSpace xmlns:c="http://schemas.openxmlformats.org/drawingml/2006/chart" xmlns:a="http://schemas.openxmlformats.org/drawingml/2006/main" xmlns:r="http://schemas.openxmlformats.org/officeDocument/2006/relationships">
+  <c:date1904 val="0"/>
+  <c:lang val="en-US"/>
+  <c:roundedCorners val="0"/>
+  <mc:AlternateContent xmlns:mc="http://schemas.openxmlformats.org/markup-compatibility/2006">
+    <mc:Choice xmlns:c14="http://schemas.microsoft.com/office/drawing/2007/8/2/chart" Requires="c14">
+      <c14:style val="102"/>
+    </mc:Choice>
+    <mc:Fallback>
+      <c:style val="2"/>
+    </mc:Fallback>
+  </mc:AlternateContent>
+  <c:chart>
+    <c:title>
+      <c:tx>
+        <c:rich>
+          <a:bodyPr rot="0" spcFirstLastPara="1" vertOverflow="ellipsis" vert="horz" wrap="square" anchor="ctr" anchorCtr="1"/>
+          <a:lstStyle/>
+          <a:p>
+            <a:pPr>
+              <a:defRPr sz="1400" b="0" i="0" u="none" strike="noStrike" kern="1200" spc="0" baseline="0">
+                <a:solidFill>
+                  <a:schemeClr val="tx1">
+                    <a:lumMod val="65000"/>
+                    <a:lumOff val="35000"/>
+                  </a:schemeClr>
+                </a:solidFill>
+                <a:latin typeface="+mn-lt"/>
+                <a:ea typeface="+mn-ea"/>
+                <a:cs typeface="+mn-cs"/>
+              </a:defRPr>
+            </a:pPr>
+            <a:r>
+              <a:rPr lang="en-US"/>
+              <a:t>Average</a:t>
+            </a:r>
+            <a:r>
+              <a:rPr lang="en-US" baseline="0"/>
+              <a:t> Throughput of Algorithms per Time Quantum[s]</a:t>
+            </a:r>
+            <a:endParaRPr lang="en-US"/>
+          </a:p>
+        </c:rich>
+      </c:tx>
+      <c:layout/>
+      <c:overlay val="0"/>
+      <c:spPr>
+        <a:noFill/>
+        <a:ln>
+          <a:noFill/>
+        </a:ln>
+        <a:effectLst/>
+      </c:spPr>
+      <c:txPr>
+        <a:bodyPr rot="0" spcFirstLastPara="1" vertOverflow="ellipsis" vert="horz" wrap="square" anchor="ctr" anchorCtr="1"/>
+        <a:lstStyle/>
+        <a:p>
+          <a:pPr>
+            <a:defRPr sz="1400" b="0" i="0" u="none" strike="noStrike" kern="1200" spc="0" baseline="0">
+              <a:solidFill>
+                <a:schemeClr val="tx1">
+                  <a:lumMod val="65000"/>
+                  <a:lumOff val="35000"/>
+                </a:schemeClr>
+              </a:solidFill>
+              <a:latin typeface="+mn-lt"/>
+              <a:ea typeface="+mn-ea"/>
+              <a:cs typeface="+mn-cs"/>
+            </a:defRPr>
+          </a:pPr>
+          <a:endParaRPr lang="en-US"/>
+        </a:p>
+      </c:txPr>
+    </c:title>
+    <c:autoTitleDeleted val="0"/>
+    <c:plotArea>
+      <c:layout/>
+      <c:lineChart>
+        <c:grouping val="stacked"/>
+        <c:varyColors val="0"/>
+        <c:ser>
+          <c:idx val="0"/>
+          <c:order val="0"/>
+          <c:tx>
+            <c:strRef>
+              <c:f>Sheet1!$A$2</c:f>
+              <c:strCache>
+                <c:ptCount val="1"/>
+                <c:pt idx="0">
+                  <c:v>100, 200</c:v>
+                </c:pt>
+              </c:strCache>
+            </c:strRef>
+          </c:tx>
+          <c:spPr>
+            <a:ln w="28575" cap="rnd">
+              <a:solidFill>
+                <a:schemeClr val="accent1"/>
+              </a:solidFill>
+              <a:round/>
+            </a:ln>
+            <a:effectLst/>
+          </c:spPr>
+          <c:marker>
+            <c:symbol val="circle"/>
+            <c:size val="5"/>
+            <c:spPr>
+              <a:solidFill>
+                <a:schemeClr val="accent1"/>
+              </a:solidFill>
+              <a:ln w="9525">
+                <a:solidFill>
+                  <a:schemeClr val="accent1"/>
+                </a:solidFill>
+              </a:ln>
+              <a:effectLst/>
+            </c:spPr>
+          </c:marker>
+          <c:cat>
+            <c:strRef>
+              <c:f>Sheet1!$B$1:$J$1</c:f>
+              <c:strCache>
+                <c:ptCount val="9"/>
+                <c:pt idx="0">
+                  <c:v>SHORTEST-PROCESS-NEXT</c:v>
+                </c:pt>
+                <c:pt idx="1">
+                  <c:v>SHORTEST-REMAINING-TIME</c:v>
+                </c:pt>
+                <c:pt idx="2">
+                  <c:v>HIGHEST-RESPONSE-RATIO-NEXT</c:v>
+                </c:pt>
+                <c:pt idx="3">
+                  <c:v>ROUND ROBIN WITH LOW QUANTUM</c:v>
+                </c:pt>
+                <c:pt idx="4">
+                  <c:v>ROUND ROBIN WITH HIGH QUANTUM</c:v>
+                </c:pt>
+                <c:pt idx="5">
+                  <c:v>PRIORITY</c:v>
+                </c:pt>
+                <c:pt idx="6">
+                  <c:v>FEEDBACK WITH QUANTUM = 1</c:v>
+                </c:pt>
+                <c:pt idx="7">
+                  <c:v>FEEDBACK WITH QUANTUM = 2^i</c:v>
+                </c:pt>
+                <c:pt idx="8">
+                  <c:v>FIRST-COME-FIRST-SERVE</c:v>
+                </c:pt>
+              </c:strCache>
+            </c:strRef>
+          </c:cat>
+          <c:val>
+            <c:numRef>
+              <c:f>Sheet1!$B$2:$J$2</c:f>
+              <c:numCache>
+                <c:formatCode>General</c:formatCode>
+                <c:ptCount val="9"/>
+                <c:pt idx="0">
+                  <c:v>2.8567027277044986E-11</c:v>
+                </c:pt>
+                <c:pt idx="1">
+                  <c:v>1.1638418520277587E-11</c:v>
+                </c:pt>
+                <c:pt idx="2">
+                  <c:v>1.5341551685820457E-11</c:v>
+                </c:pt>
+                <c:pt idx="3">
+                  <c:v>1.69286087567674E-11</c:v>
+                </c:pt>
+                <c:pt idx="4">
+                  <c:v>1.2696456567575549E-11</c:v>
+                </c:pt>
+                <c:pt idx="5">
+                  <c:v>1.3225475591224531E-11</c:v>
+                </c:pt>
+                <c:pt idx="6">
+                  <c:v>1.1109399496628606E-11</c:v>
+                </c:pt>
+                <c:pt idx="7">
+                  <c:v>1.1109399496628606E-11</c:v>
+                </c:pt>
+                <c:pt idx="8">
+                  <c:v>1.4389317443252291E-10</c:v>
+                </c:pt>
+              </c:numCache>
+            </c:numRef>
+          </c:val>
+          <c:smooth val="0"/>
+        </c:ser>
+        <c:ser>
+          <c:idx val="1"/>
+          <c:order val="1"/>
+          <c:tx>
+            <c:strRef>
+              <c:f>Sheet1!$A$3</c:f>
+              <c:strCache>
+                <c:ptCount val="1"/>
+                <c:pt idx="0">
+                  <c:v>250, 450</c:v>
+                </c:pt>
+              </c:strCache>
+            </c:strRef>
+          </c:tx>
+          <c:spPr>
+            <a:ln w="28575" cap="rnd">
+              <a:solidFill>
+                <a:schemeClr val="accent2"/>
+              </a:solidFill>
+              <a:round/>
+            </a:ln>
+            <a:effectLst/>
+          </c:spPr>
+          <c:marker>
+            <c:symbol val="circle"/>
+            <c:size val="5"/>
+            <c:spPr>
+              <a:solidFill>
+                <a:schemeClr val="accent2"/>
+              </a:solidFill>
+              <a:ln w="9525">
+                <a:solidFill>
+                  <a:schemeClr val="accent2"/>
+                </a:solidFill>
+              </a:ln>
+              <a:effectLst/>
+            </c:spPr>
+          </c:marker>
+          <c:cat>
+            <c:strRef>
+              <c:f>Sheet1!$B$1:$J$1</c:f>
+              <c:strCache>
+                <c:ptCount val="9"/>
+                <c:pt idx="0">
+                  <c:v>SHORTEST-PROCESS-NEXT</c:v>
+                </c:pt>
+                <c:pt idx="1">
+                  <c:v>SHORTEST-REMAINING-TIME</c:v>
+                </c:pt>
+                <c:pt idx="2">
+                  <c:v>HIGHEST-RESPONSE-RATIO-NEXT</c:v>
+                </c:pt>
+                <c:pt idx="3">
+                  <c:v>ROUND ROBIN WITH LOW QUANTUM</c:v>
+                </c:pt>
+                <c:pt idx="4">
+                  <c:v>ROUND ROBIN WITH HIGH QUANTUM</c:v>
+                </c:pt>
+                <c:pt idx="5">
+                  <c:v>PRIORITY</c:v>
+                </c:pt>
+                <c:pt idx="6">
+                  <c:v>FEEDBACK WITH QUANTUM = 1</c:v>
+                </c:pt>
+                <c:pt idx="7">
+                  <c:v>FEEDBACK WITH QUANTUM = 2^i</c:v>
+                </c:pt>
+                <c:pt idx="8">
+                  <c:v>FIRST-COME-FIRST-SERVE</c:v>
+                </c:pt>
+              </c:strCache>
+            </c:strRef>
+          </c:cat>
+          <c:val>
+            <c:numRef>
+              <c:f>Sheet1!$B$3:$J$3</c:f>
+              <c:numCache>
+                <c:formatCode>General</c:formatCode>
+                <c:ptCount val="9"/>
+                <c:pt idx="0">
+                  <c:v>2.8597088406812032E-11</c:v>
+                </c:pt>
+                <c:pt idx="1">
+                  <c:v>1.1650665647219716E-11</c:v>
+                </c:pt>
+                <c:pt idx="2">
+                  <c:v>1.5357695625880536E-11</c:v>
+                </c:pt>
+                <c:pt idx="3">
+                  <c:v>1.6946422759592318E-11</c:v>
+                </c:pt>
+                <c:pt idx="4">
+                  <c:v>1.2709817069694237E-11</c:v>
+                </c:pt>
+                <c:pt idx="5">
+                  <c:v>1.3239392780931496E-11</c:v>
+                </c:pt>
+                <c:pt idx="6">
+                  <c:v>1.1121089935982457E-11</c:v>
+                </c:pt>
+                <c:pt idx="7">
+                  <c:v>1.1121089935982457E-11</c:v>
+                </c:pt>
+                <c:pt idx="8">
+                  <c:v>1.4404459345653469E-10</c:v>
+                </c:pt>
+              </c:numCache>
+            </c:numRef>
+          </c:val>
+          <c:smooth val="0"/>
+        </c:ser>
+        <c:ser>
+          <c:idx val="2"/>
+          <c:order val="2"/>
+          <c:tx>
+            <c:strRef>
+              <c:f>Sheet1!$A$4</c:f>
+              <c:strCache>
+                <c:ptCount val="1"/>
+                <c:pt idx="0">
+                  <c:v>450, 650</c:v>
+                </c:pt>
+              </c:strCache>
+            </c:strRef>
+          </c:tx>
+          <c:spPr>
+            <a:ln w="28575" cap="rnd">
+              <a:solidFill>
+                <a:schemeClr val="accent3"/>
+              </a:solidFill>
+              <a:round/>
+            </a:ln>
+            <a:effectLst/>
+          </c:spPr>
+          <c:marker>
+            <c:symbol val="circle"/>
+            <c:size val="5"/>
+            <c:spPr>
+              <a:solidFill>
+                <a:schemeClr val="accent3"/>
+              </a:solidFill>
+              <a:ln w="9525">
+                <a:solidFill>
+                  <a:schemeClr val="accent3"/>
+                </a:solidFill>
+              </a:ln>
+              <a:effectLst/>
+            </c:spPr>
+          </c:marker>
+          <c:cat>
+            <c:strRef>
+              <c:f>Sheet1!$B$1:$J$1</c:f>
+              <c:strCache>
+                <c:ptCount val="9"/>
+                <c:pt idx="0">
+                  <c:v>SHORTEST-PROCESS-NEXT</c:v>
+                </c:pt>
+                <c:pt idx="1">
+                  <c:v>SHORTEST-REMAINING-TIME</c:v>
+                </c:pt>
+                <c:pt idx="2">
+                  <c:v>HIGHEST-RESPONSE-RATIO-NEXT</c:v>
+                </c:pt>
+                <c:pt idx="3">
+                  <c:v>ROUND ROBIN WITH LOW QUANTUM</c:v>
+                </c:pt>
+                <c:pt idx="4">
+                  <c:v>ROUND ROBIN WITH HIGH QUANTUM</c:v>
+                </c:pt>
+                <c:pt idx="5">
+                  <c:v>PRIORITY</c:v>
+                </c:pt>
+                <c:pt idx="6">
+                  <c:v>FEEDBACK WITH QUANTUM = 1</c:v>
+                </c:pt>
+                <c:pt idx="7">
+                  <c:v>FEEDBACK WITH QUANTUM = 2^i</c:v>
+                </c:pt>
+                <c:pt idx="8">
+                  <c:v>FIRST-COME-FIRST-SERVE</c:v>
+                </c:pt>
+              </c:strCache>
+            </c:strRef>
+          </c:cat>
+          <c:val>
+            <c:numRef>
+              <c:f>Sheet1!$B$4:$J$4</c:f>
+              <c:numCache>
+                <c:formatCode>General</c:formatCode>
+                <c:ptCount val="9"/>
+                <c:pt idx="0">
+                  <c:v>2.8604763255606803E-11</c:v>
+                </c:pt>
+                <c:pt idx="1">
+                  <c:v>1.165379243746944E-11</c:v>
+                </c:pt>
+                <c:pt idx="2">
+                  <c:v>1.536181730393699E-11</c:v>
+                </c:pt>
+                <c:pt idx="3">
+                  <c:v>1.6950970818137365E-11</c:v>
+                </c:pt>
+                <c:pt idx="4">
+                  <c:v>1.2713228113603025E-11</c:v>
+                </c:pt>
+                <c:pt idx="5">
+                  <c:v>1.3242945951669816E-11</c:v>
+                </c:pt>
+                <c:pt idx="6">
+                  <c:v>1.1124074599402647E-11</c:v>
+                </c:pt>
+                <c:pt idx="7">
+                  <c:v>1.1124074599402647E-11</c:v>
+                </c:pt>
+                <c:pt idx="8">
+                  <c:v>1.440832519541676E-10</c:v>
+                </c:pt>
+              </c:numCache>
+            </c:numRef>
+          </c:val>
+          <c:smooth val="0"/>
+        </c:ser>
+        <c:dLbls>
+          <c:showLegendKey val="0"/>
+          <c:showVal val="0"/>
+          <c:showCatName val="0"/>
+          <c:showSerName val="0"/>
+          <c:showPercent val="0"/>
+          <c:showBubbleSize val="0"/>
+        </c:dLbls>
+        <c:marker val="1"/>
+        <c:smooth val="0"/>
+        <c:axId val="304545136"/>
+        <c:axId val="304549840"/>
+        <c:extLst>
+          <c:ext xmlns:c15="http://schemas.microsoft.com/office/drawing/2012/chart" uri="{02D57815-91ED-43cb-92C2-25804820EDAC}">
+            <c15:filteredLineSeries>
+              <c15:ser>
+                <c:idx val="3"/>
+                <c:order val="3"/>
+                <c:tx>
+                  <c:strRef>
+                    <c:extLst>
+                      <c:ext uri="{02D57815-91ED-43cb-92C2-25804820EDAC}">
+                        <c15:formulaRef>
+                          <c15:sqref>Sheet1!$B$1</c15:sqref>
+                        </c15:formulaRef>
+                      </c:ext>
+                    </c:extLst>
+                    <c:strCache>
+                      <c:ptCount val="1"/>
+                      <c:pt idx="0">
+                        <c:v>SHORTEST-PROCESS-NEXT</c:v>
+                      </c:pt>
+                    </c:strCache>
+                  </c:strRef>
+                </c:tx>
+                <c:spPr>
+                  <a:ln w="28575" cap="rnd">
+                    <a:solidFill>
+                      <a:schemeClr val="accent4"/>
+                    </a:solidFill>
+                    <a:round/>
+                  </a:ln>
+                  <a:effectLst/>
+                </c:spPr>
+                <c:marker>
+                  <c:symbol val="circle"/>
+                  <c:size val="5"/>
+                  <c:spPr>
+                    <a:solidFill>
+                      <a:schemeClr val="accent4"/>
+                    </a:solidFill>
+                    <a:ln w="9525">
+                      <a:solidFill>
+                        <a:schemeClr val="accent4"/>
+                      </a:solidFill>
+                    </a:ln>
+                    <a:effectLst/>
+                  </c:spPr>
+                </c:marker>
+                <c:cat>
+                  <c:strRef>
+                    <c:extLst>
+                      <c:ext uri="{02D57815-91ED-43cb-92C2-25804820EDAC}">
+                        <c15:formulaRef>
+                          <c15:sqref>Sheet1!$B$1:$J$1</c15:sqref>
+                        </c15:formulaRef>
+                      </c:ext>
+                    </c:extLst>
+                    <c:strCache>
+                      <c:ptCount val="9"/>
+                      <c:pt idx="0">
+                        <c:v>SHORTEST-PROCESS-NEXT</c:v>
+                      </c:pt>
+                      <c:pt idx="1">
+                        <c:v>SHORTEST-REMAINING-TIME</c:v>
+                      </c:pt>
+                      <c:pt idx="2">
+                        <c:v>HIGHEST-RESPONSE-RATIO-NEXT</c:v>
+                      </c:pt>
+                      <c:pt idx="3">
+                        <c:v>ROUND ROBIN WITH LOW QUANTUM</c:v>
+                      </c:pt>
+                      <c:pt idx="4">
+                        <c:v>ROUND ROBIN WITH HIGH QUANTUM</c:v>
+                      </c:pt>
+                      <c:pt idx="5">
+                        <c:v>PRIORITY</c:v>
+                      </c:pt>
+                      <c:pt idx="6">
+                        <c:v>FEEDBACK WITH QUANTUM = 1</c:v>
+                      </c:pt>
+                      <c:pt idx="7">
+                        <c:v>FEEDBACK WITH QUANTUM = 2^i</c:v>
+                      </c:pt>
+                      <c:pt idx="8">
+                        <c:v>FIRST-COME-FIRST-SERVE</c:v>
+                      </c:pt>
+                    </c:strCache>
+                  </c:strRef>
+                </c:cat>
+                <c:val>
+                  <c:numRef>
+                    <c:extLst>
+                      <c:ext uri="{02D57815-91ED-43cb-92C2-25804820EDAC}">
+                        <c15:formulaRef>
+                          <c15:sqref>Sheet1!$C$1:$J$1</c15:sqref>
+                        </c15:formulaRef>
+                      </c:ext>
+                    </c:extLst>
+                    <c:numCache>
+                      <c:formatCode>General</c:formatCode>
+                      <c:ptCount val="8"/>
+                      <c:pt idx="0">
+                        <c:v>0</c:v>
+                      </c:pt>
+                      <c:pt idx="1">
+                        <c:v>0</c:v>
+                      </c:pt>
+                      <c:pt idx="2">
+                        <c:v>0</c:v>
+                      </c:pt>
+                      <c:pt idx="3">
+                        <c:v>0</c:v>
+                      </c:pt>
+                      <c:pt idx="4">
+                        <c:v>0</c:v>
+                      </c:pt>
+                      <c:pt idx="5">
+                        <c:v>0</c:v>
+                      </c:pt>
+                      <c:pt idx="6">
+                        <c:v>0</c:v>
+                      </c:pt>
+                      <c:pt idx="7">
+                        <c:v>0</c:v>
+                      </c:pt>
+                    </c:numCache>
+                  </c:numRef>
+                </c:val>
+                <c:smooth val="0"/>
+              </c15:ser>
+            </c15:filteredLineSeries>
+          </c:ext>
+        </c:extLst>
+      </c:lineChart>
+      <c:catAx>
+        <c:axId val="304545136"/>
+        <c:scaling>
+          <c:orientation val="minMax"/>
+        </c:scaling>
+        <c:delete val="0"/>
+        <c:axPos val="b"/>
+        <c:title>
+          <c:tx>
+            <c:rich>
+              <a:bodyPr rot="0" spcFirstLastPara="1" vertOverflow="ellipsis" vert="horz" wrap="square" anchor="ctr" anchorCtr="1"/>
+              <a:lstStyle/>
+              <a:p>
+                <a:pPr>
+                  <a:defRPr sz="1000" b="0" i="0" u="none" strike="noStrike" kern="1200" baseline="0">
+                    <a:solidFill>
+                      <a:schemeClr val="tx1">
+                        <a:lumMod val="65000"/>
+                        <a:lumOff val="35000"/>
+                      </a:schemeClr>
+                    </a:solidFill>
+                    <a:latin typeface="+mn-lt"/>
+                    <a:ea typeface="+mn-ea"/>
+                    <a:cs typeface="+mn-cs"/>
+                  </a:defRPr>
+                </a:pPr>
+                <a:r>
+                  <a:rPr lang="en-US"/>
+                  <a:t>Algorithms</a:t>
+                </a:r>
+              </a:p>
+            </c:rich>
+          </c:tx>
+          <c:layout/>
+          <c:overlay val="0"/>
+          <c:spPr>
+            <a:noFill/>
+            <a:ln>
+              <a:noFill/>
+            </a:ln>
+            <a:effectLst/>
+          </c:spPr>
+          <c:txPr>
+            <a:bodyPr rot="0" spcFirstLastPara="1" vertOverflow="ellipsis" vert="horz" wrap="square" anchor="ctr" anchorCtr="1"/>
+            <a:lstStyle/>
+            <a:p>
+              <a:pPr>
+                <a:defRPr sz="1000" b="0" i="0" u="none" strike="noStrike" kern="1200" baseline="0">
+                  <a:solidFill>
+                    <a:schemeClr val="tx1">
+                      <a:lumMod val="65000"/>
+                      <a:lumOff val="35000"/>
+                    </a:schemeClr>
+                  </a:solidFill>
+                  <a:latin typeface="+mn-lt"/>
+                  <a:ea typeface="+mn-ea"/>
+                  <a:cs typeface="+mn-cs"/>
+                </a:defRPr>
+              </a:pPr>
+              <a:endParaRPr lang="en-US"/>
+            </a:p>
+          </c:txPr>
+        </c:title>
+        <c:numFmt formatCode="General" sourceLinked="1"/>
+        <c:majorTickMark val="none"/>
+        <c:minorTickMark val="none"/>
+        <c:tickLblPos val="nextTo"/>
+        <c:spPr>
+          <a:noFill/>
+          <a:ln w="9525" cap="flat" cmpd="sng" algn="ctr">
+            <a:solidFill>
+              <a:schemeClr val="tx1">
+                <a:lumMod val="15000"/>
+                <a:lumOff val="85000"/>
+              </a:schemeClr>
+            </a:solidFill>
+            <a:round/>
+          </a:ln>
+          <a:effectLst/>
+        </c:spPr>
+        <c:txPr>
+          <a:bodyPr rot="-60000000" spcFirstLastPara="1" vertOverflow="ellipsis" vert="horz" wrap="square" anchor="ctr" anchorCtr="1"/>
+          <a:lstStyle/>
+          <a:p>
+            <a:pPr>
+              <a:defRPr sz="900" b="0" i="0" u="none" strike="noStrike" kern="1200" baseline="0">
+                <a:solidFill>
+                  <a:schemeClr val="tx1">
+                    <a:lumMod val="65000"/>
+                    <a:lumOff val="35000"/>
+                  </a:schemeClr>
+                </a:solidFill>
+                <a:latin typeface="+mn-lt"/>
+                <a:ea typeface="+mn-ea"/>
+                <a:cs typeface="+mn-cs"/>
+              </a:defRPr>
+            </a:pPr>
+            <a:endParaRPr lang="en-US"/>
+          </a:p>
+        </c:txPr>
+        <c:crossAx val="304549840"/>
+        <c:crosses val="autoZero"/>
+        <c:auto val="1"/>
+        <c:lblAlgn val="ctr"/>
+        <c:lblOffset val="100"/>
+        <c:noMultiLvlLbl val="0"/>
+      </c:catAx>
+      <c:valAx>
+        <c:axId val="304549840"/>
+        <c:scaling>
+          <c:orientation val="minMax"/>
+        </c:scaling>
+        <c:delete val="0"/>
+        <c:axPos val="l"/>
+        <c:majorGridlines>
+          <c:spPr>
+            <a:ln w="9525" cap="flat" cmpd="sng" algn="ctr">
+              <a:solidFill>
+                <a:schemeClr val="tx1">
+                  <a:lumMod val="15000"/>
+                  <a:lumOff val="85000"/>
+                </a:schemeClr>
+              </a:solidFill>
+              <a:round/>
+            </a:ln>
+            <a:effectLst/>
+          </c:spPr>
+        </c:majorGridlines>
+        <c:title>
+          <c:tx>
+            <c:rich>
+              <a:bodyPr rot="-5400000" spcFirstLastPara="1" vertOverflow="ellipsis" vert="horz" wrap="square" anchor="ctr" anchorCtr="1"/>
+              <a:lstStyle/>
+              <a:p>
+                <a:pPr>
+                  <a:defRPr sz="1000" b="0" i="0" u="none" strike="noStrike" kern="1200" baseline="0">
+                    <a:solidFill>
+                      <a:schemeClr val="tx1">
+                        <a:lumMod val="65000"/>
+                        <a:lumOff val="35000"/>
+                      </a:schemeClr>
+                    </a:solidFill>
+                    <a:latin typeface="+mn-lt"/>
+                    <a:ea typeface="+mn-ea"/>
+                    <a:cs typeface="+mn-cs"/>
+                  </a:defRPr>
+                </a:pPr>
+                <a:r>
+                  <a:rPr lang="en-US"/>
+                  <a:t>Average</a:t>
+                </a:r>
+                <a:r>
+                  <a:rPr lang="en-US" baseline="0"/>
+                  <a:t> Throughput</a:t>
+                </a:r>
+                <a:endParaRPr lang="en-US"/>
+              </a:p>
+            </c:rich>
+          </c:tx>
+          <c:layout/>
+          <c:overlay val="0"/>
+          <c:spPr>
+            <a:noFill/>
+            <a:ln>
+              <a:noFill/>
+            </a:ln>
+            <a:effectLst/>
+          </c:spPr>
+          <c:txPr>
+            <a:bodyPr rot="-5400000" spcFirstLastPara="1" vertOverflow="ellipsis" vert="horz" wrap="square" anchor="ctr" anchorCtr="1"/>
+            <a:lstStyle/>
+            <a:p>
+              <a:pPr>
+                <a:defRPr sz="1000" b="0" i="0" u="none" strike="noStrike" kern="1200" baseline="0">
+                  <a:solidFill>
+                    <a:schemeClr val="tx1">
+                      <a:lumMod val="65000"/>
+                      <a:lumOff val="35000"/>
+                    </a:schemeClr>
+                  </a:solidFill>
+                  <a:latin typeface="+mn-lt"/>
+                  <a:ea typeface="+mn-ea"/>
+                  <a:cs typeface="+mn-cs"/>
+                </a:defRPr>
+              </a:pPr>
+              <a:endParaRPr lang="en-US"/>
+            </a:p>
+          </c:txPr>
+        </c:title>
+        <c:numFmt formatCode="General" sourceLinked="1"/>
+        <c:majorTickMark val="none"/>
+        <c:minorTickMark val="none"/>
+        <c:tickLblPos val="nextTo"/>
+        <c:spPr>
+          <a:noFill/>
+          <a:ln>
+            <a:noFill/>
+          </a:ln>
+          <a:effectLst/>
+        </c:spPr>
+        <c:txPr>
+          <a:bodyPr rot="-60000000" spcFirstLastPara="1" vertOverflow="ellipsis" vert="horz" wrap="square" anchor="ctr" anchorCtr="1"/>
+          <a:lstStyle/>
+          <a:p>
+            <a:pPr>
+              <a:defRPr sz="900" b="0" i="0" u="none" strike="noStrike" kern="1200" baseline="0">
+                <a:solidFill>
+                  <a:schemeClr val="tx1">
+                    <a:lumMod val="65000"/>
+                    <a:lumOff val="35000"/>
+                  </a:schemeClr>
+                </a:solidFill>
+                <a:latin typeface="+mn-lt"/>
+                <a:ea typeface="+mn-ea"/>
+                <a:cs typeface="+mn-cs"/>
+              </a:defRPr>
+            </a:pPr>
+            <a:endParaRPr lang="en-US"/>
+          </a:p>
+        </c:txPr>
+        <c:crossAx val="304545136"/>
+        <c:crosses val="autoZero"/>
+        <c:crossBetween val="between"/>
+      </c:valAx>
+      <c:spPr>
+        <a:noFill/>
+        <a:ln>
+          <a:noFill/>
+        </a:ln>
+        <a:effectLst/>
+      </c:spPr>
+    </c:plotArea>
+    <c:legend>
+      <c:legendPos val="b"/>
+      <c:layout/>
+      <c:overlay val="0"/>
+      <c:spPr>
+        <a:noFill/>
+        <a:ln>
+          <a:noFill/>
+        </a:ln>
+        <a:effectLst/>
+      </c:spPr>
+      <c:txPr>
+        <a:bodyPr rot="0" spcFirstLastPara="1" vertOverflow="ellipsis" vert="horz" wrap="square" anchor="ctr" anchorCtr="1"/>
+        <a:lstStyle/>
+        <a:p>
+          <a:pPr>
+            <a:defRPr sz="900" b="0" i="0" u="none" strike="noStrike" kern="1200" baseline="0">
+              <a:solidFill>
+                <a:schemeClr val="tx1">
+                  <a:lumMod val="65000"/>
+                  <a:lumOff val="35000"/>
+                </a:schemeClr>
+              </a:solidFill>
+              <a:latin typeface="+mn-lt"/>
+              <a:ea typeface="+mn-ea"/>
+              <a:cs typeface="+mn-cs"/>
+            </a:defRPr>
+          </a:pPr>
+          <a:endParaRPr lang="en-US"/>
+        </a:p>
+      </c:txPr>
+    </c:legend>
+    <c:plotVisOnly val="1"/>
+    <c:dispBlanksAs val="zero"/>
+    <c:showDLblsOverMax val="0"/>
+  </c:chart>
+  <c:spPr>
+    <a:noFill/>
+    <a:ln>
+      <a:noFill/>
+    </a:ln>
+    <a:effectLst/>
+  </c:spPr>
+  <c:txPr>
+    <a:bodyPr/>
+    <a:lstStyle/>
+    <a:p>
+      <a:pPr>
+        <a:defRPr/>
+      </a:pPr>
+      <a:endParaRPr lang="en-US"/>
+    </a:p>
+  </c:txPr>
+  <c:externalData r:id="rId3">
+    <c:autoUpdate val="0"/>
+  </c:externalData>
+</c:chartSpace>
+</file>
+
+<file path=ppt/charts/chart2.xml><?xml version="1.0" encoding="utf-8"?>
+<c:chartSpace xmlns:c="http://schemas.openxmlformats.org/drawingml/2006/chart" xmlns:a="http://schemas.openxmlformats.org/drawingml/2006/main" xmlns:r="http://schemas.openxmlformats.org/officeDocument/2006/relationships">
+  <c:date1904 val="0"/>
+  <c:lang val="en-US"/>
+  <c:roundedCorners val="0"/>
+  <mc:AlternateContent xmlns:mc="http://schemas.openxmlformats.org/markup-compatibility/2006">
+    <mc:Choice xmlns:c14="http://schemas.microsoft.com/office/drawing/2007/8/2/chart" Requires="c14">
+      <c14:style val="102"/>
+    </mc:Choice>
+    <mc:Fallback>
+      <c:style val="2"/>
+    </mc:Fallback>
+  </mc:AlternateContent>
+  <c:chart>
+    <c:title>
+      <c:tx>
+        <c:rich>
+          <a:bodyPr rot="0" spcFirstLastPara="1" vertOverflow="ellipsis" vert="horz" wrap="square" anchor="ctr" anchorCtr="1"/>
+          <a:lstStyle/>
+          <a:p>
+            <a:pPr>
+              <a:defRPr sz="1400" b="0" i="0" u="none" strike="noStrike" kern="1200" spc="0" baseline="0">
+                <a:solidFill>
+                  <a:schemeClr val="tx1">
+                    <a:lumMod val="65000"/>
+                    <a:lumOff val="35000"/>
+                  </a:schemeClr>
+                </a:solidFill>
+                <a:latin typeface="+mn-lt"/>
+                <a:ea typeface="+mn-ea"/>
+                <a:cs typeface="+mn-cs"/>
+              </a:defRPr>
+            </a:pPr>
+            <a:r>
+              <a:rPr lang="en-US"/>
+              <a:t>Average Turnaround Time per Time Quantum[s]</a:t>
+            </a:r>
+          </a:p>
+        </c:rich>
+      </c:tx>
+      <c:layout/>
+      <c:overlay val="0"/>
+      <c:spPr>
+        <a:noFill/>
+        <a:ln>
+          <a:noFill/>
+        </a:ln>
+        <a:effectLst/>
+      </c:spPr>
+      <c:txPr>
+        <a:bodyPr rot="0" spcFirstLastPara="1" vertOverflow="ellipsis" vert="horz" wrap="square" anchor="ctr" anchorCtr="1"/>
+        <a:lstStyle/>
+        <a:p>
+          <a:pPr>
+            <a:defRPr sz="1400" b="0" i="0" u="none" strike="noStrike" kern="1200" spc="0" baseline="0">
+              <a:solidFill>
+                <a:schemeClr val="tx1">
+                  <a:lumMod val="65000"/>
+                  <a:lumOff val="35000"/>
+                </a:schemeClr>
+              </a:solidFill>
+              <a:latin typeface="+mn-lt"/>
+              <a:ea typeface="+mn-ea"/>
+              <a:cs typeface="+mn-cs"/>
+            </a:defRPr>
+          </a:pPr>
+          <a:endParaRPr lang="en-US"/>
+        </a:p>
+      </c:txPr>
+    </c:title>
+    <c:autoTitleDeleted val="0"/>
+    <c:plotArea>
+      <c:layout/>
+      <c:lineChart>
+        <c:grouping val="standard"/>
+        <c:varyColors val="0"/>
+        <c:ser>
+          <c:idx val="0"/>
+          <c:order val="0"/>
+          <c:tx>
+            <c:strRef>
+              <c:f>Sheet1!$B$1</c:f>
+              <c:strCache>
+                <c:ptCount val="1"/>
+                <c:pt idx="0">
+                  <c:v>Average Turnaround Time</c:v>
+                </c:pt>
+              </c:strCache>
+            </c:strRef>
+          </c:tx>
+          <c:spPr>
+            <a:ln w="28575" cap="rnd">
+              <a:solidFill>
+                <a:schemeClr val="accent1"/>
+              </a:solidFill>
+              <a:round/>
+            </a:ln>
+            <a:effectLst/>
+          </c:spPr>
+          <c:marker>
+            <c:symbol val="circle"/>
+            <c:size val="5"/>
+            <c:spPr>
+              <a:solidFill>
+                <a:schemeClr val="accent1"/>
+              </a:solidFill>
+              <a:ln w="9525">
+                <a:solidFill>
+                  <a:schemeClr val="accent1"/>
+                </a:solidFill>
+              </a:ln>
+              <a:effectLst/>
+            </c:spPr>
+          </c:marker>
+          <c:cat>
+            <c:strRef>
+              <c:f>Sheet1!$A$2:$A$11</c:f>
+              <c:strCache>
+                <c:ptCount val="10"/>
+                <c:pt idx="0">
+                  <c:v>20, 220</c:v>
+                </c:pt>
+                <c:pt idx="1">
+                  <c:v>40, 240</c:v>
+                </c:pt>
+                <c:pt idx="2">
+                  <c:v>60, 260</c:v>
+                </c:pt>
+                <c:pt idx="3">
+                  <c:v>80, 280</c:v>
+                </c:pt>
+                <c:pt idx="4">
+                  <c:v>100, 300</c:v>
+                </c:pt>
+                <c:pt idx="5">
+                  <c:v>120, 320</c:v>
+                </c:pt>
+                <c:pt idx="6">
+                  <c:v>140, 340</c:v>
+                </c:pt>
+                <c:pt idx="7">
+                  <c:v>160, 360</c:v>
+                </c:pt>
+                <c:pt idx="8">
+                  <c:v>180, 380</c:v>
+                </c:pt>
+                <c:pt idx="9">
+                  <c:v>200, 400</c:v>
+                </c:pt>
+              </c:strCache>
+            </c:strRef>
+          </c:cat>
+          <c:val>
+            <c:numRef>
+              <c:f>Sheet1!$B$2:$B$11</c:f>
+              <c:numCache>
+                <c:formatCode>0.00</c:formatCode>
+                <c:ptCount val="10"/>
+                <c:pt idx="0">
+                  <c:v>927737</c:v>
+                </c:pt>
+                <c:pt idx="1">
+                  <c:v>926321</c:v>
+                </c:pt>
+                <c:pt idx="2">
+                  <c:v>925643</c:v>
+                </c:pt>
+                <c:pt idx="3">
+                  <c:v>925431</c:v>
+                </c:pt>
+                <c:pt idx="4">
+                  <c:v>925375</c:v>
+                </c:pt>
+                <c:pt idx="5">
+                  <c:v>925169</c:v>
+                </c:pt>
+                <c:pt idx="6">
+                  <c:v>925122</c:v>
+                </c:pt>
+                <c:pt idx="7">
+                  <c:v>925172</c:v>
+                </c:pt>
+                <c:pt idx="8">
+                  <c:v>924971</c:v>
+                </c:pt>
+                <c:pt idx="9">
+                  <c:v>925041</c:v>
+                </c:pt>
+              </c:numCache>
+            </c:numRef>
+          </c:val>
+          <c:smooth val="0"/>
+        </c:ser>
+        <c:dLbls>
+          <c:showLegendKey val="0"/>
+          <c:showVal val="0"/>
+          <c:showCatName val="0"/>
+          <c:showSerName val="0"/>
+          <c:showPercent val="0"/>
+          <c:showBubbleSize val="0"/>
+        </c:dLbls>
+        <c:marker val="1"/>
+        <c:smooth val="0"/>
+        <c:axId val="380500336"/>
+        <c:axId val="380506608"/>
+      </c:lineChart>
+      <c:catAx>
+        <c:axId val="380500336"/>
+        <c:scaling>
+          <c:orientation val="minMax"/>
+        </c:scaling>
+        <c:delete val="0"/>
+        <c:axPos val="b"/>
+        <c:title>
+          <c:tx>
+            <c:rich>
+              <a:bodyPr rot="0" spcFirstLastPara="1" vertOverflow="ellipsis" vert="horz" wrap="square" anchor="ctr" anchorCtr="1"/>
+              <a:lstStyle/>
+              <a:p>
+                <a:pPr>
+                  <a:defRPr sz="1000" b="0" i="0" u="none" strike="noStrike" kern="1200" baseline="0">
+                    <a:solidFill>
+                      <a:schemeClr val="tx1">
+                        <a:lumMod val="65000"/>
+                        <a:lumOff val="35000"/>
+                      </a:schemeClr>
+                    </a:solidFill>
+                    <a:latin typeface="+mn-lt"/>
+                    <a:ea typeface="+mn-ea"/>
+                    <a:cs typeface="+mn-cs"/>
+                  </a:defRPr>
+                </a:pPr>
+                <a:r>
+                  <a:rPr lang="en-US"/>
+                  <a:t>Time</a:t>
+                </a:r>
+                <a:r>
+                  <a:rPr lang="en-US" baseline="0"/>
+                  <a:t> Quantum</a:t>
+                </a:r>
+                <a:endParaRPr lang="en-US"/>
+              </a:p>
+            </c:rich>
+          </c:tx>
+          <c:layout/>
+          <c:overlay val="0"/>
+          <c:spPr>
+            <a:noFill/>
+            <a:ln>
+              <a:noFill/>
+            </a:ln>
+            <a:effectLst/>
+          </c:spPr>
+          <c:txPr>
+            <a:bodyPr rot="0" spcFirstLastPara="1" vertOverflow="ellipsis" vert="horz" wrap="square" anchor="ctr" anchorCtr="1"/>
+            <a:lstStyle/>
+            <a:p>
+              <a:pPr>
+                <a:defRPr sz="1000" b="0" i="0" u="none" strike="noStrike" kern="1200" baseline="0">
+                  <a:solidFill>
+                    <a:schemeClr val="tx1">
+                      <a:lumMod val="65000"/>
+                      <a:lumOff val="35000"/>
+                    </a:schemeClr>
+                  </a:solidFill>
+                  <a:latin typeface="+mn-lt"/>
+                  <a:ea typeface="+mn-ea"/>
+                  <a:cs typeface="+mn-cs"/>
+                </a:defRPr>
+              </a:pPr>
+              <a:endParaRPr lang="en-US"/>
+            </a:p>
+          </c:txPr>
+        </c:title>
+        <c:numFmt formatCode="General" sourceLinked="1"/>
+        <c:majorTickMark val="none"/>
+        <c:minorTickMark val="none"/>
+        <c:tickLblPos val="nextTo"/>
+        <c:spPr>
+          <a:noFill/>
+          <a:ln w="9525" cap="flat" cmpd="sng" algn="ctr">
+            <a:solidFill>
+              <a:schemeClr val="tx1">
+                <a:lumMod val="15000"/>
+                <a:lumOff val="85000"/>
+              </a:schemeClr>
+            </a:solidFill>
+            <a:round/>
+          </a:ln>
+          <a:effectLst/>
+        </c:spPr>
+        <c:txPr>
+          <a:bodyPr rot="-60000000" spcFirstLastPara="1" vertOverflow="ellipsis" vert="horz" wrap="square" anchor="ctr" anchorCtr="1"/>
+          <a:lstStyle/>
+          <a:p>
+            <a:pPr>
+              <a:defRPr sz="900" b="0" i="0" u="none" strike="noStrike" kern="1200" baseline="0">
+                <a:solidFill>
+                  <a:schemeClr val="tx1">
+                    <a:lumMod val="65000"/>
+                    <a:lumOff val="35000"/>
+                  </a:schemeClr>
+                </a:solidFill>
+                <a:latin typeface="+mn-lt"/>
+                <a:ea typeface="+mn-ea"/>
+                <a:cs typeface="+mn-cs"/>
+              </a:defRPr>
+            </a:pPr>
+            <a:endParaRPr lang="en-US"/>
+          </a:p>
+        </c:txPr>
+        <c:crossAx val="380506608"/>
+        <c:crosses val="autoZero"/>
+        <c:auto val="1"/>
+        <c:lblAlgn val="ctr"/>
+        <c:lblOffset val="100"/>
+        <c:noMultiLvlLbl val="0"/>
+      </c:catAx>
+      <c:valAx>
+        <c:axId val="380506608"/>
+        <c:scaling>
+          <c:orientation val="minMax"/>
+        </c:scaling>
+        <c:delete val="0"/>
+        <c:axPos val="l"/>
+        <c:majorGridlines>
+          <c:spPr>
+            <a:ln w="9525" cap="flat" cmpd="sng" algn="ctr">
+              <a:solidFill>
+                <a:schemeClr val="tx1">
+                  <a:lumMod val="15000"/>
+                  <a:lumOff val="85000"/>
+                </a:schemeClr>
+              </a:solidFill>
+              <a:round/>
+            </a:ln>
+            <a:effectLst/>
+          </c:spPr>
+        </c:majorGridlines>
+        <c:title>
+          <c:tx>
+            <c:rich>
+              <a:bodyPr rot="-5400000" spcFirstLastPara="1" vertOverflow="ellipsis" vert="horz" wrap="square" anchor="ctr" anchorCtr="1"/>
+              <a:lstStyle/>
+              <a:p>
+                <a:pPr>
+                  <a:defRPr sz="1000" b="0" i="0" u="none" strike="noStrike" kern="1200" baseline="0">
+                    <a:solidFill>
+                      <a:schemeClr val="tx1">
+                        <a:lumMod val="65000"/>
+                        <a:lumOff val="35000"/>
+                      </a:schemeClr>
+                    </a:solidFill>
+                    <a:latin typeface="+mn-lt"/>
+                    <a:ea typeface="+mn-ea"/>
+                    <a:cs typeface="+mn-cs"/>
+                  </a:defRPr>
+                </a:pPr>
+                <a:r>
+                  <a:rPr lang="en-US"/>
+                  <a:t>Turnaround Time</a:t>
+                </a:r>
+              </a:p>
+            </c:rich>
+          </c:tx>
+          <c:layout/>
+          <c:overlay val="0"/>
+          <c:spPr>
+            <a:noFill/>
+            <a:ln>
+              <a:noFill/>
+            </a:ln>
+            <a:effectLst/>
+          </c:spPr>
+          <c:txPr>
+            <a:bodyPr rot="-5400000" spcFirstLastPara="1" vertOverflow="ellipsis" vert="horz" wrap="square" anchor="ctr" anchorCtr="1"/>
+            <a:lstStyle/>
+            <a:p>
+              <a:pPr>
+                <a:defRPr sz="1000" b="0" i="0" u="none" strike="noStrike" kern="1200" baseline="0">
+                  <a:solidFill>
+                    <a:schemeClr val="tx1">
+                      <a:lumMod val="65000"/>
+                      <a:lumOff val="35000"/>
+                    </a:schemeClr>
+                  </a:solidFill>
+                  <a:latin typeface="+mn-lt"/>
+                  <a:ea typeface="+mn-ea"/>
+                  <a:cs typeface="+mn-cs"/>
+                </a:defRPr>
+              </a:pPr>
+              <a:endParaRPr lang="en-US"/>
+            </a:p>
+          </c:txPr>
+        </c:title>
+        <c:numFmt formatCode="0.00" sourceLinked="1"/>
+        <c:majorTickMark val="none"/>
+        <c:minorTickMark val="none"/>
+        <c:tickLblPos val="nextTo"/>
+        <c:spPr>
+          <a:noFill/>
+          <a:ln>
+            <a:noFill/>
+          </a:ln>
+          <a:effectLst/>
+        </c:spPr>
+        <c:txPr>
+          <a:bodyPr rot="-60000000" spcFirstLastPara="1" vertOverflow="ellipsis" vert="horz" wrap="square" anchor="ctr" anchorCtr="1"/>
+          <a:lstStyle/>
+          <a:p>
+            <a:pPr>
+              <a:defRPr sz="900" b="0" i="0" u="none" strike="noStrike" kern="1200" baseline="0">
+                <a:solidFill>
+                  <a:schemeClr val="tx1">
+                    <a:lumMod val="65000"/>
+                    <a:lumOff val="35000"/>
+                  </a:schemeClr>
+                </a:solidFill>
+                <a:latin typeface="+mn-lt"/>
+                <a:ea typeface="+mn-ea"/>
+                <a:cs typeface="+mn-cs"/>
+              </a:defRPr>
+            </a:pPr>
+            <a:endParaRPr lang="en-US"/>
+          </a:p>
+        </c:txPr>
+        <c:crossAx val="380500336"/>
+        <c:crosses val="autoZero"/>
+        <c:crossBetween val="between"/>
+      </c:valAx>
+      <c:spPr>
+        <a:noFill/>
+        <a:ln>
+          <a:noFill/>
+        </a:ln>
+        <a:effectLst/>
+      </c:spPr>
+    </c:plotArea>
+    <c:plotVisOnly val="1"/>
+    <c:dispBlanksAs val="gap"/>
+    <c:showDLblsOverMax val="0"/>
+  </c:chart>
+  <c:spPr>
+    <a:noFill/>
+    <a:ln>
+      <a:noFill/>
+    </a:ln>
+    <a:effectLst/>
+  </c:spPr>
+  <c:txPr>
+    <a:bodyPr/>
+    <a:lstStyle/>
+    <a:p>
+      <a:pPr>
+        <a:defRPr/>
+      </a:pPr>
+      <a:endParaRPr lang="en-US"/>
+    </a:p>
+  </c:txPr>
+  <c:externalData r:id="rId3">
+    <c:autoUpdate val="0"/>
+  </c:externalData>
+</c:chartSpace>
+</file>
+
+<file path=ppt/charts/chart3.xml><?xml version="1.0" encoding="utf-8"?>
+<c:chartSpace xmlns:c="http://schemas.openxmlformats.org/drawingml/2006/chart" xmlns:a="http://schemas.openxmlformats.org/drawingml/2006/main" xmlns:r="http://schemas.openxmlformats.org/officeDocument/2006/relationships">
+  <c:date1904 val="0"/>
+  <c:lang val="en-US"/>
+  <c:roundedCorners val="0"/>
+  <mc:AlternateContent xmlns:mc="http://schemas.openxmlformats.org/markup-compatibility/2006">
+    <mc:Choice xmlns:c14="http://schemas.microsoft.com/office/drawing/2007/8/2/chart" Requires="c14">
+      <c14:style val="102"/>
+    </mc:Choice>
+    <mc:Fallback>
+      <c:style val="2"/>
+    </mc:Fallback>
+  </mc:AlternateContent>
+  <c:chart>
+    <c:title>
+      <c:layout/>
+      <c:overlay val="0"/>
+      <c:spPr>
+        <a:noFill/>
+        <a:ln>
+          <a:noFill/>
+        </a:ln>
+        <a:effectLst/>
+      </c:spPr>
+      <c:txPr>
+        <a:bodyPr rot="0" spcFirstLastPara="1" vertOverflow="ellipsis" vert="horz" wrap="square" anchor="ctr" anchorCtr="1"/>
+        <a:lstStyle/>
+        <a:p>
+          <a:pPr>
+            <a:defRPr sz="1400" b="0" i="0" u="none" strike="noStrike" kern="1200" spc="0" baseline="0">
+              <a:solidFill>
+                <a:schemeClr val="tx1">
+                  <a:lumMod val="65000"/>
+                  <a:lumOff val="35000"/>
+                </a:schemeClr>
+              </a:solidFill>
+              <a:latin typeface="+mn-lt"/>
+              <a:ea typeface="+mn-ea"/>
+              <a:cs typeface="+mn-cs"/>
+            </a:defRPr>
+          </a:pPr>
+          <a:endParaRPr lang="en-US"/>
+        </a:p>
+      </c:txPr>
+    </c:title>
+    <c:autoTitleDeleted val="0"/>
+    <c:plotArea>
+      <c:layout/>
+      <c:lineChart>
+        <c:grouping val="standard"/>
+        <c:varyColors val="0"/>
+        <c:ser>
+          <c:idx val="0"/>
+          <c:order val="0"/>
+          <c:tx>
+            <c:strRef>
+              <c:f>Sheet1!$C$1</c:f>
+              <c:strCache>
+                <c:ptCount val="1"/>
+                <c:pt idx="0">
+                  <c:v>Average Response Time</c:v>
+                </c:pt>
+              </c:strCache>
+            </c:strRef>
+          </c:tx>
+          <c:spPr>
+            <a:ln w="28575" cap="rnd">
+              <a:solidFill>
+                <a:schemeClr val="accent1"/>
+              </a:solidFill>
+              <a:round/>
+            </a:ln>
+            <a:effectLst/>
+          </c:spPr>
+          <c:marker>
+            <c:symbol val="circle"/>
+            <c:size val="5"/>
+            <c:spPr>
+              <a:solidFill>
+                <a:schemeClr val="accent1"/>
+              </a:solidFill>
+              <a:ln w="9525">
+                <a:solidFill>
+                  <a:schemeClr val="accent1"/>
+                </a:solidFill>
+              </a:ln>
+              <a:effectLst/>
+            </c:spPr>
+          </c:marker>
+          <c:cat>
+            <c:strRef>
+              <c:f>Sheet1!$A$2:$A$11</c:f>
+              <c:strCache>
+                <c:ptCount val="10"/>
+                <c:pt idx="0">
+                  <c:v>20, 220</c:v>
+                </c:pt>
+                <c:pt idx="1">
+                  <c:v>40, 240</c:v>
+                </c:pt>
+                <c:pt idx="2">
+                  <c:v>60, 260</c:v>
+                </c:pt>
+                <c:pt idx="3">
+                  <c:v>80, 280</c:v>
+                </c:pt>
+                <c:pt idx="4">
+                  <c:v>100, 300</c:v>
+                </c:pt>
+                <c:pt idx="5">
+                  <c:v>120, 320</c:v>
+                </c:pt>
+                <c:pt idx="6">
+                  <c:v>140, 340</c:v>
+                </c:pt>
+                <c:pt idx="7">
+                  <c:v>160, 360</c:v>
+                </c:pt>
+                <c:pt idx="8">
+                  <c:v>180, 380</c:v>
+                </c:pt>
+                <c:pt idx="9">
+                  <c:v>200, 400</c:v>
+                </c:pt>
+              </c:strCache>
+            </c:strRef>
+          </c:cat>
+          <c:val>
+            <c:numRef>
+              <c:f>Sheet1!$C$2:$C$11</c:f>
+              <c:numCache>
+                <c:formatCode>0.00</c:formatCode>
+                <c:ptCount val="10"/>
+                <c:pt idx="0">
+                  <c:v>61838</c:v>
+                </c:pt>
+                <c:pt idx="1">
+                  <c:v>61838</c:v>
+                </c:pt>
+                <c:pt idx="2">
+                  <c:v>61838</c:v>
+                </c:pt>
+                <c:pt idx="3">
+                  <c:v>61838</c:v>
+                </c:pt>
+                <c:pt idx="4">
+                  <c:v>61838</c:v>
+                </c:pt>
+                <c:pt idx="5">
+                  <c:v>61838</c:v>
+                </c:pt>
+                <c:pt idx="6">
+                  <c:v>61838</c:v>
+                </c:pt>
+                <c:pt idx="7">
+                  <c:v>61838</c:v>
+                </c:pt>
+                <c:pt idx="8">
+                  <c:v>61838</c:v>
+                </c:pt>
+                <c:pt idx="9">
+                  <c:v>61838</c:v>
+                </c:pt>
+              </c:numCache>
+            </c:numRef>
+          </c:val>
+          <c:smooth val="0"/>
+        </c:ser>
+        <c:dLbls>
+          <c:showLegendKey val="0"/>
+          <c:showVal val="0"/>
+          <c:showCatName val="0"/>
+          <c:showSerName val="0"/>
+          <c:showPercent val="0"/>
+          <c:showBubbleSize val="0"/>
+        </c:dLbls>
+        <c:marker val="1"/>
+        <c:smooth val="0"/>
+        <c:axId val="304543568"/>
+        <c:axId val="304545528"/>
+      </c:lineChart>
+      <c:catAx>
+        <c:axId val="304543568"/>
+        <c:scaling>
+          <c:orientation val="minMax"/>
+        </c:scaling>
+        <c:delete val="0"/>
+        <c:axPos val="b"/>
+        <c:title>
+          <c:tx>
+            <c:rich>
+              <a:bodyPr rot="0" spcFirstLastPara="1" vertOverflow="ellipsis" vert="horz" wrap="square" anchor="ctr" anchorCtr="1"/>
+              <a:lstStyle/>
+              <a:p>
+                <a:pPr>
+                  <a:defRPr sz="1000" b="0" i="0" u="none" strike="noStrike" kern="1200" baseline="0">
+                    <a:solidFill>
+                      <a:schemeClr val="tx1">
+                        <a:lumMod val="65000"/>
+                        <a:lumOff val="35000"/>
+                      </a:schemeClr>
+                    </a:solidFill>
+                    <a:latin typeface="+mn-lt"/>
+                    <a:ea typeface="+mn-ea"/>
+                    <a:cs typeface="+mn-cs"/>
+                  </a:defRPr>
+                </a:pPr>
+                <a:r>
+                  <a:rPr lang="en-US"/>
+                  <a:t>Time Quantum[s]</a:t>
+                </a:r>
+              </a:p>
+            </c:rich>
+          </c:tx>
+          <c:layout/>
+          <c:overlay val="0"/>
+          <c:spPr>
+            <a:noFill/>
+            <a:ln>
+              <a:noFill/>
+            </a:ln>
+            <a:effectLst/>
+          </c:spPr>
+          <c:txPr>
+            <a:bodyPr rot="0" spcFirstLastPara="1" vertOverflow="ellipsis" vert="horz" wrap="square" anchor="ctr" anchorCtr="1"/>
+            <a:lstStyle/>
+            <a:p>
+              <a:pPr>
+                <a:defRPr sz="1000" b="0" i="0" u="none" strike="noStrike" kern="1200" baseline="0">
+                  <a:solidFill>
+                    <a:schemeClr val="tx1">
+                      <a:lumMod val="65000"/>
+                      <a:lumOff val="35000"/>
+                    </a:schemeClr>
+                  </a:solidFill>
+                  <a:latin typeface="+mn-lt"/>
+                  <a:ea typeface="+mn-ea"/>
+                  <a:cs typeface="+mn-cs"/>
+                </a:defRPr>
+              </a:pPr>
+              <a:endParaRPr lang="en-US"/>
+            </a:p>
+          </c:txPr>
+        </c:title>
+        <c:numFmt formatCode="General" sourceLinked="1"/>
+        <c:majorTickMark val="none"/>
+        <c:minorTickMark val="none"/>
+        <c:tickLblPos val="nextTo"/>
+        <c:spPr>
+          <a:noFill/>
+          <a:ln w="9525" cap="flat" cmpd="sng" algn="ctr">
+            <a:solidFill>
+              <a:schemeClr val="tx1">
+                <a:lumMod val="15000"/>
+                <a:lumOff val="85000"/>
+              </a:schemeClr>
+            </a:solidFill>
+            <a:round/>
+          </a:ln>
+          <a:effectLst/>
+        </c:spPr>
+        <c:txPr>
+          <a:bodyPr rot="-60000000" spcFirstLastPara="1" vertOverflow="ellipsis" vert="horz" wrap="square" anchor="ctr" anchorCtr="1"/>
+          <a:lstStyle/>
+          <a:p>
+            <a:pPr>
+              <a:defRPr sz="900" b="0" i="0" u="none" strike="noStrike" kern="1200" baseline="0">
+                <a:solidFill>
+                  <a:schemeClr val="tx1">
+                    <a:lumMod val="65000"/>
+                    <a:lumOff val="35000"/>
+                  </a:schemeClr>
+                </a:solidFill>
+                <a:latin typeface="+mn-lt"/>
+                <a:ea typeface="+mn-ea"/>
+                <a:cs typeface="+mn-cs"/>
+              </a:defRPr>
+            </a:pPr>
+            <a:endParaRPr lang="en-US"/>
+          </a:p>
+        </c:txPr>
+        <c:crossAx val="304545528"/>
+        <c:crosses val="autoZero"/>
+        <c:auto val="1"/>
+        <c:lblAlgn val="ctr"/>
+        <c:lblOffset val="100"/>
+        <c:noMultiLvlLbl val="0"/>
+      </c:catAx>
+      <c:valAx>
+        <c:axId val="304545528"/>
+        <c:scaling>
+          <c:orientation val="minMax"/>
+        </c:scaling>
+        <c:delete val="0"/>
+        <c:axPos val="l"/>
+        <c:majorGridlines>
+          <c:spPr>
+            <a:ln w="9525" cap="flat" cmpd="sng" algn="ctr">
+              <a:solidFill>
+                <a:schemeClr val="tx1">
+                  <a:lumMod val="15000"/>
+                  <a:lumOff val="85000"/>
+                </a:schemeClr>
+              </a:solidFill>
+              <a:round/>
+            </a:ln>
+            <a:effectLst/>
+          </c:spPr>
+        </c:majorGridlines>
+        <c:title>
+          <c:tx>
+            <c:rich>
+              <a:bodyPr rot="-5400000" spcFirstLastPara="1" vertOverflow="ellipsis" vert="horz" wrap="square" anchor="ctr" anchorCtr="1"/>
+              <a:lstStyle/>
+              <a:p>
+                <a:pPr>
+                  <a:defRPr sz="1000" b="0" i="0" u="none" strike="noStrike" kern="1200" baseline="0">
+                    <a:solidFill>
+                      <a:schemeClr val="tx1">
+                        <a:lumMod val="65000"/>
+                        <a:lumOff val="35000"/>
+                      </a:schemeClr>
+                    </a:solidFill>
+                    <a:latin typeface="+mn-lt"/>
+                    <a:ea typeface="+mn-ea"/>
+                    <a:cs typeface="+mn-cs"/>
+                  </a:defRPr>
+                </a:pPr>
+                <a:r>
+                  <a:rPr lang="en-US"/>
+                  <a:t>Average</a:t>
+                </a:r>
+                <a:r>
+                  <a:rPr lang="en-US" baseline="0"/>
+                  <a:t> Response Time per</a:t>
+                </a:r>
+                <a:endParaRPr lang="en-US"/>
+              </a:p>
+            </c:rich>
+          </c:tx>
+          <c:layout/>
+          <c:overlay val="0"/>
+          <c:spPr>
+            <a:noFill/>
+            <a:ln>
+              <a:noFill/>
+            </a:ln>
+            <a:effectLst/>
+          </c:spPr>
+          <c:txPr>
+            <a:bodyPr rot="-5400000" spcFirstLastPara="1" vertOverflow="ellipsis" vert="horz" wrap="square" anchor="ctr" anchorCtr="1"/>
+            <a:lstStyle/>
+            <a:p>
+              <a:pPr>
+                <a:defRPr sz="1000" b="0" i="0" u="none" strike="noStrike" kern="1200" baseline="0">
+                  <a:solidFill>
+                    <a:schemeClr val="tx1">
+                      <a:lumMod val="65000"/>
+                      <a:lumOff val="35000"/>
+                    </a:schemeClr>
+                  </a:solidFill>
+                  <a:latin typeface="+mn-lt"/>
+                  <a:ea typeface="+mn-ea"/>
+                  <a:cs typeface="+mn-cs"/>
+                </a:defRPr>
+              </a:pPr>
+              <a:endParaRPr lang="en-US"/>
+            </a:p>
+          </c:txPr>
+        </c:title>
+        <c:numFmt formatCode="0.00" sourceLinked="1"/>
+        <c:majorTickMark val="none"/>
+        <c:minorTickMark val="none"/>
+        <c:tickLblPos val="nextTo"/>
+        <c:spPr>
+          <a:noFill/>
+          <a:ln>
+            <a:noFill/>
+          </a:ln>
+          <a:effectLst/>
+        </c:spPr>
+        <c:txPr>
+          <a:bodyPr rot="-60000000" spcFirstLastPara="1" vertOverflow="ellipsis" vert="horz" wrap="square" anchor="ctr" anchorCtr="1"/>
+          <a:lstStyle/>
+          <a:p>
+            <a:pPr>
+              <a:defRPr sz="900" b="0" i="0" u="none" strike="noStrike" kern="1200" baseline="0">
+                <a:solidFill>
+                  <a:schemeClr val="tx1">
+                    <a:lumMod val="65000"/>
+                    <a:lumOff val="35000"/>
+                  </a:schemeClr>
+                </a:solidFill>
+                <a:latin typeface="+mn-lt"/>
+                <a:ea typeface="+mn-ea"/>
+                <a:cs typeface="+mn-cs"/>
+              </a:defRPr>
+            </a:pPr>
+            <a:endParaRPr lang="en-US"/>
+          </a:p>
+        </c:txPr>
+        <c:crossAx val="304543568"/>
+        <c:crosses val="autoZero"/>
+        <c:crossBetween val="between"/>
+      </c:valAx>
+      <c:spPr>
+        <a:noFill/>
+        <a:ln>
+          <a:noFill/>
+        </a:ln>
+        <a:effectLst/>
+      </c:spPr>
+    </c:plotArea>
+    <c:plotVisOnly val="1"/>
+    <c:dispBlanksAs val="gap"/>
+    <c:showDLblsOverMax val="0"/>
+  </c:chart>
+  <c:spPr>
+    <a:noFill/>
+    <a:ln>
+      <a:noFill/>
+    </a:ln>
+    <a:effectLst/>
+  </c:spPr>
+  <c:txPr>
+    <a:bodyPr/>
+    <a:lstStyle/>
+    <a:p>
+      <a:pPr>
+        <a:defRPr/>
+      </a:pPr>
+      <a:endParaRPr lang="en-US"/>
+    </a:p>
+  </c:txPr>
+  <c:externalData r:id="rId3">
+    <c:autoUpdate val="0"/>
+  </c:externalData>
+</c:chartSpace>
+</file>
+
+<file path=ppt/charts/chart4.xml><?xml version="1.0" encoding="utf-8"?>
+<c:chartSpace xmlns:c="http://schemas.openxmlformats.org/drawingml/2006/chart" xmlns:a="http://schemas.openxmlformats.org/drawingml/2006/main" xmlns:r="http://schemas.openxmlformats.org/officeDocument/2006/relationships">
+  <c:date1904 val="0"/>
+  <c:lang val="en-US"/>
+  <c:roundedCorners val="0"/>
+  <mc:AlternateContent xmlns:mc="http://schemas.openxmlformats.org/markup-compatibility/2006">
+    <mc:Choice xmlns:c14="http://schemas.microsoft.com/office/drawing/2007/8/2/chart" Requires="c14">
+      <c14:style val="102"/>
+    </mc:Choice>
+    <mc:Fallback>
+      <c:style val="2"/>
+    </mc:Fallback>
+  </mc:AlternateContent>
+  <c:chart>
+    <c:title>
+      <c:layout/>
+      <c:overlay val="0"/>
+      <c:spPr>
+        <a:noFill/>
+        <a:ln>
+          <a:noFill/>
+        </a:ln>
+        <a:effectLst/>
+      </c:spPr>
+      <c:txPr>
+        <a:bodyPr rot="0" spcFirstLastPara="1" vertOverflow="ellipsis" vert="horz" wrap="square" anchor="ctr" anchorCtr="1"/>
+        <a:lstStyle/>
+        <a:p>
+          <a:pPr>
+            <a:defRPr sz="1400" b="0" i="0" u="none" strike="noStrike" kern="1200" spc="0" baseline="0">
+              <a:solidFill>
+                <a:schemeClr val="tx1">
+                  <a:lumMod val="65000"/>
+                  <a:lumOff val="35000"/>
+                </a:schemeClr>
+              </a:solidFill>
+              <a:latin typeface="+mn-lt"/>
+              <a:ea typeface="+mn-ea"/>
+              <a:cs typeface="+mn-cs"/>
+            </a:defRPr>
+          </a:pPr>
+          <a:endParaRPr lang="en-US"/>
+        </a:p>
+      </c:txPr>
+    </c:title>
+    <c:autoTitleDeleted val="0"/>
+    <c:plotArea>
+      <c:layout/>
+      <c:lineChart>
+        <c:grouping val="standard"/>
+        <c:varyColors val="0"/>
+        <c:ser>
+          <c:idx val="0"/>
+          <c:order val="0"/>
+          <c:tx>
+            <c:strRef>
+              <c:f>Sheet1!$D$1</c:f>
+              <c:strCache>
+                <c:ptCount val="1"/>
+                <c:pt idx="0">
+                  <c:v>Average Wait Time</c:v>
+                </c:pt>
+              </c:strCache>
+            </c:strRef>
+          </c:tx>
+          <c:spPr>
+            <a:ln w="28575" cap="rnd">
+              <a:solidFill>
+                <a:schemeClr val="accent1"/>
+              </a:solidFill>
+              <a:round/>
+            </a:ln>
+            <a:effectLst/>
+          </c:spPr>
+          <c:marker>
+            <c:symbol val="circle"/>
+            <c:size val="5"/>
+            <c:spPr>
+              <a:solidFill>
+                <a:schemeClr val="accent1"/>
+              </a:solidFill>
+              <a:ln w="9525">
+                <a:solidFill>
+                  <a:schemeClr val="accent1"/>
+                </a:solidFill>
+              </a:ln>
+              <a:effectLst/>
+            </c:spPr>
+          </c:marker>
+          <c:cat>
+            <c:strRef>
+              <c:f>Sheet1!$A$2:$A$11</c:f>
+              <c:strCache>
+                <c:ptCount val="10"/>
+                <c:pt idx="0">
+                  <c:v>20, 220</c:v>
+                </c:pt>
+                <c:pt idx="1">
+                  <c:v>40, 240</c:v>
+                </c:pt>
+                <c:pt idx="2">
+                  <c:v>60, 260</c:v>
+                </c:pt>
+                <c:pt idx="3">
+                  <c:v>80, 280</c:v>
+                </c:pt>
+                <c:pt idx="4">
+                  <c:v>100, 300</c:v>
+                </c:pt>
+                <c:pt idx="5">
+                  <c:v>120, 320</c:v>
+                </c:pt>
+                <c:pt idx="6">
+                  <c:v>140, 340</c:v>
+                </c:pt>
+                <c:pt idx="7">
+                  <c:v>160, 360</c:v>
+                </c:pt>
+                <c:pt idx="8">
+                  <c:v>180, 380</c:v>
+                </c:pt>
+                <c:pt idx="9">
+                  <c:v>200, 400</c:v>
+                </c:pt>
+              </c:strCache>
+            </c:strRef>
+          </c:cat>
+          <c:val>
+            <c:numRef>
+              <c:f>Sheet1!$D$2:$D$11</c:f>
+              <c:numCache>
+                <c:formatCode>0.00</c:formatCode>
+                <c:ptCount val="10"/>
+                <c:pt idx="0">
+                  <c:v>130324</c:v>
+                </c:pt>
+                <c:pt idx="1">
+                  <c:v>130048</c:v>
+                </c:pt>
+                <c:pt idx="2">
+                  <c:v>129687</c:v>
+                </c:pt>
+                <c:pt idx="3">
+                  <c:v>129733</c:v>
+                </c:pt>
+                <c:pt idx="4">
+                  <c:v>129892</c:v>
+                </c:pt>
+                <c:pt idx="5">
+                  <c:v>129686</c:v>
+                </c:pt>
+                <c:pt idx="6">
+                  <c:v>129860</c:v>
+                </c:pt>
+                <c:pt idx="7">
+                  <c:v>129885</c:v>
+                </c:pt>
+                <c:pt idx="8">
+                  <c:v>129649</c:v>
+                </c:pt>
+                <c:pt idx="9">
+                  <c:v>129618</c:v>
+                </c:pt>
+              </c:numCache>
+            </c:numRef>
+          </c:val>
+          <c:smooth val="0"/>
+        </c:ser>
+        <c:dLbls>
+          <c:showLegendKey val="0"/>
+          <c:showVal val="0"/>
+          <c:showCatName val="0"/>
+          <c:showSerName val="0"/>
+          <c:showPercent val="0"/>
+          <c:showBubbleSize val="0"/>
+        </c:dLbls>
+        <c:marker val="1"/>
+        <c:smooth val="0"/>
+        <c:axId val="380522680"/>
+        <c:axId val="380524248"/>
+      </c:lineChart>
+      <c:catAx>
+        <c:axId val="380522680"/>
+        <c:scaling>
+          <c:orientation val="minMax"/>
+        </c:scaling>
+        <c:delete val="0"/>
+        <c:axPos val="b"/>
+        <c:title>
+          <c:tx>
+            <c:rich>
+              <a:bodyPr rot="0" spcFirstLastPara="1" vertOverflow="ellipsis" vert="horz" wrap="square" anchor="ctr" anchorCtr="1"/>
+              <a:lstStyle/>
+              <a:p>
+                <a:pPr>
+                  <a:defRPr sz="1000" b="0" i="0" u="none" strike="noStrike" kern="1200" baseline="0">
+                    <a:solidFill>
+                      <a:schemeClr val="tx1">
+                        <a:lumMod val="65000"/>
+                        <a:lumOff val="35000"/>
+                      </a:schemeClr>
+                    </a:solidFill>
+                    <a:latin typeface="+mn-lt"/>
+                    <a:ea typeface="+mn-ea"/>
+                    <a:cs typeface="+mn-cs"/>
+                  </a:defRPr>
+                </a:pPr>
+                <a:r>
+                  <a:rPr lang="en-US"/>
+                  <a:t>Time Quantums</a:t>
+                </a:r>
+              </a:p>
+            </c:rich>
+          </c:tx>
+          <c:layout/>
+          <c:overlay val="0"/>
+          <c:spPr>
+            <a:noFill/>
+            <a:ln>
+              <a:noFill/>
+            </a:ln>
+            <a:effectLst/>
+          </c:spPr>
+          <c:txPr>
+            <a:bodyPr rot="0" spcFirstLastPara="1" vertOverflow="ellipsis" vert="horz" wrap="square" anchor="ctr" anchorCtr="1"/>
+            <a:lstStyle/>
+            <a:p>
+              <a:pPr>
+                <a:defRPr sz="1000" b="0" i="0" u="none" strike="noStrike" kern="1200" baseline="0">
+                  <a:solidFill>
+                    <a:schemeClr val="tx1">
+                      <a:lumMod val="65000"/>
+                      <a:lumOff val="35000"/>
+                    </a:schemeClr>
+                  </a:solidFill>
+                  <a:latin typeface="+mn-lt"/>
+                  <a:ea typeface="+mn-ea"/>
+                  <a:cs typeface="+mn-cs"/>
+                </a:defRPr>
+              </a:pPr>
+              <a:endParaRPr lang="en-US"/>
+            </a:p>
+          </c:txPr>
+        </c:title>
+        <c:numFmt formatCode="General" sourceLinked="1"/>
+        <c:majorTickMark val="none"/>
+        <c:minorTickMark val="none"/>
+        <c:tickLblPos val="nextTo"/>
+        <c:spPr>
+          <a:noFill/>
+          <a:ln w="9525" cap="flat" cmpd="sng" algn="ctr">
+            <a:solidFill>
+              <a:schemeClr val="tx1">
+                <a:lumMod val="15000"/>
+                <a:lumOff val="85000"/>
+              </a:schemeClr>
+            </a:solidFill>
+            <a:round/>
+          </a:ln>
+          <a:effectLst/>
+        </c:spPr>
+        <c:txPr>
+          <a:bodyPr rot="-60000000" spcFirstLastPara="1" vertOverflow="ellipsis" vert="horz" wrap="square" anchor="ctr" anchorCtr="1"/>
+          <a:lstStyle/>
+          <a:p>
+            <a:pPr>
+              <a:defRPr sz="900" b="0" i="0" u="none" strike="noStrike" kern="1200" baseline="0">
+                <a:solidFill>
+                  <a:schemeClr val="tx1">
+                    <a:lumMod val="65000"/>
+                    <a:lumOff val="35000"/>
+                  </a:schemeClr>
+                </a:solidFill>
+                <a:latin typeface="+mn-lt"/>
+                <a:ea typeface="+mn-ea"/>
+                <a:cs typeface="+mn-cs"/>
+              </a:defRPr>
+            </a:pPr>
+            <a:endParaRPr lang="en-US"/>
+          </a:p>
+        </c:txPr>
+        <c:crossAx val="380524248"/>
+        <c:crosses val="autoZero"/>
+        <c:auto val="1"/>
+        <c:lblAlgn val="ctr"/>
+        <c:lblOffset val="100"/>
+        <c:noMultiLvlLbl val="0"/>
+      </c:catAx>
+      <c:valAx>
+        <c:axId val="380524248"/>
+        <c:scaling>
+          <c:orientation val="minMax"/>
+        </c:scaling>
+        <c:delete val="0"/>
+        <c:axPos val="l"/>
+        <c:majorGridlines>
+          <c:spPr>
+            <a:ln w="9525" cap="flat" cmpd="sng" algn="ctr">
+              <a:solidFill>
+                <a:schemeClr val="tx1">
+                  <a:lumMod val="15000"/>
+                  <a:lumOff val="85000"/>
+                </a:schemeClr>
+              </a:solidFill>
+              <a:round/>
+            </a:ln>
+            <a:effectLst/>
+          </c:spPr>
+        </c:majorGridlines>
+        <c:title>
+          <c:tx>
+            <c:rich>
+              <a:bodyPr rot="-5400000" spcFirstLastPara="1" vertOverflow="ellipsis" vert="horz" wrap="square" anchor="ctr" anchorCtr="1"/>
+              <a:lstStyle/>
+              <a:p>
+                <a:pPr>
+                  <a:defRPr sz="1000" b="0" i="0" u="none" strike="noStrike" kern="1200" baseline="0">
+                    <a:solidFill>
+                      <a:schemeClr val="tx1">
+                        <a:lumMod val="65000"/>
+                        <a:lumOff val="35000"/>
+                      </a:schemeClr>
+                    </a:solidFill>
+                    <a:latin typeface="+mn-lt"/>
+                    <a:ea typeface="+mn-ea"/>
+                    <a:cs typeface="+mn-cs"/>
+                  </a:defRPr>
+                </a:pPr>
+                <a:r>
+                  <a:rPr lang="en-US"/>
+                  <a:t>Average</a:t>
+                </a:r>
+                <a:r>
+                  <a:rPr lang="en-US" baseline="0"/>
+                  <a:t> Wait Time</a:t>
+                </a:r>
+                <a:endParaRPr lang="en-US"/>
+              </a:p>
+            </c:rich>
+          </c:tx>
+          <c:layout/>
+          <c:overlay val="0"/>
+          <c:spPr>
+            <a:noFill/>
+            <a:ln>
+              <a:noFill/>
+            </a:ln>
+            <a:effectLst/>
+          </c:spPr>
+          <c:txPr>
+            <a:bodyPr rot="-5400000" spcFirstLastPara="1" vertOverflow="ellipsis" vert="horz" wrap="square" anchor="ctr" anchorCtr="1"/>
+            <a:lstStyle/>
+            <a:p>
+              <a:pPr>
+                <a:defRPr sz="1000" b="0" i="0" u="none" strike="noStrike" kern="1200" baseline="0">
+                  <a:solidFill>
+                    <a:schemeClr val="tx1">
+                      <a:lumMod val="65000"/>
+                      <a:lumOff val="35000"/>
+                    </a:schemeClr>
+                  </a:solidFill>
+                  <a:latin typeface="+mn-lt"/>
+                  <a:ea typeface="+mn-ea"/>
+                  <a:cs typeface="+mn-cs"/>
+                </a:defRPr>
+              </a:pPr>
+              <a:endParaRPr lang="en-US"/>
+            </a:p>
+          </c:txPr>
+        </c:title>
+        <c:numFmt formatCode="0.00" sourceLinked="1"/>
+        <c:majorTickMark val="none"/>
+        <c:minorTickMark val="none"/>
+        <c:tickLblPos val="nextTo"/>
+        <c:spPr>
+          <a:noFill/>
+          <a:ln>
+            <a:noFill/>
+          </a:ln>
+          <a:effectLst/>
+        </c:spPr>
+        <c:txPr>
+          <a:bodyPr rot="-60000000" spcFirstLastPara="1" vertOverflow="ellipsis" vert="horz" wrap="square" anchor="ctr" anchorCtr="1"/>
+          <a:lstStyle/>
+          <a:p>
+            <a:pPr>
+              <a:defRPr sz="900" b="0" i="0" u="none" strike="noStrike" kern="1200" baseline="0">
+                <a:solidFill>
+                  <a:schemeClr val="tx1">
+                    <a:lumMod val="65000"/>
+                    <a:lumOff val="35000"/>
+                  </a:schemeClr>
+                </a:solidFill>
+                <a:latin typeface="+mn-lt"/>
+                <a:ea typeface="+mn-ea"/>
+                <a:cs typeface="+mn-cs"/>
+              </a:defRPr>
+            </a:pPr>
+            <a:endParaRPr lang="en-US"/>
+          </a:p>
+        </c:txPr>
+        <c:crossAx val="380522680"/>
+        <c:crosses val="autoZero"/>
+        <c:crossBetween val="between"/>
+      </c:valAx>
+      <c:spPr>
+        <a:noFill/>
+        <a:ln>
+          <a:noFill/>
+        </a:ln>
+        <a:effectLst/>
+      </c:spPr>
+    </c:plotArea>
+    <c:plotVisOnly val="1"/>
+    <c:dispBlanksAs val="gap"/>
+    <c:showDLblsOverMax val="0"/>
+  </c:chart>
+  <c:spPr>
+    <a:noFill/>
+    <a:ln>
+      <a:noFill/>
+    </a:ln>
+    <a:effectLst/>
+  </c:spPr>
+  <c:txPr>
+    <a:bodyPr/>
+    <a:lstStyle/>
+    <a:p>
+      <a:pPr>
+        <a:defRPr/>
+      </a:pPr>
+      <a:endParaRPr lang="en-US"/>
+    </a:p>
+  </c:txPr>
+  <c:externalData r:id="rId3">
+    <c:autoUpdate val="0"/>
+  </c:externalData>
+</c:chartSpace>
+</file>
+
+<file path=ppt/charts/chart5.xml><?xml version="1.0" encoding="utf-8"?>
+<c:chartSpace xmlns:c="http://schemas.openxmlformats.org/drawingml/2006/chart" xmlns:a="http://schemas.openxmlformats.org/drawingml/2006/main" xmlns:r="http://schemas.openxmlformats.org/officeDocument/2006/relationships">
+  <c:date1904 val="0"/>
+  <c:lang val="en-US"/>
+  <c:roundedCorners val="0"/>
+  <mc:AlternateContent xmlns:mc="http://schemas.openxmlformats.org/markup-compatibility/2006">
+    <mc:Choice xmlns:c14="http://schemas.microsoft.com/office/drawing/2007/8/2/chart" Requires="c14">
+      <c14:style val="102"/>
+    </mc:Choice>
+    <mc:Fallback>
+      <c:style val="2"/>
+    </mc:Fallback>
+  </mc:AlternateContent>
+  <c:chart>
+    <c:title>
+      <c:tx>
+        <c:rich>
+          <a:bodyPr rot="0" spcFirstLastPara="1" vertOverflow="ellipsis" vert="horz" wrap="square" anchor="ctr" anchorCtr="1"/>
+          <a:lstStyle/>
+          <a:p>
+            <a:pPr>
+              <a:defRPr sz="1400" b="0" i="0" u="none" strike="noStrike" kern="1200" spc="0" baseline="0">
+                <a:solidFill>
+                  <a:schemeClr val="tx1">
+                    <a:lumMod val="65000"/>
+                    <a:lumOff val="35000"/>
+                  </a:schemeClr>
+                </a:solidFill>
+                <a:latin typeface="+mn-lt"/>
+                <a:ea typeface="+mn-ea"/>
+                <a:cs typeface="+mn-cs"/>
+              </a:defRPr>
+            </a:pPr>
+            <a:r>
+              <a:rPr lang="en-US"/>
+              <a:t>Average</a:t>
+            </a:r>
+            <a:r>
+              <a:rPr lang="en-US" baseline="0"/>
+              <a:t> CPU speedup per time quantum &amp; num CPUs</a:t>
+            </a:r>
+            <a:endParaRPr lang="en-US"/>
+          </a:p>
+        </c:rich>
+      </c:tx>
+      <c:layout/>
+      <c:overlay val="0"/>
+      <c:spPr>
+        <a:noFill/>
+        <a:ln>
+          <a:noFill/>
+        </a:ln>
+        <a:effectLst/>
+      </c:spPr>
+      <c:txPr>
+        <a:bodyPr rot="0" spcFirstLastPara="1" vertOverflow="ellipsis" vert="horz" wrap="square" anchor="ctr" anchorCtr="1"/>
+        <a:lstStyle/>
+        <a:p>
+          <a:pPr>
+            <a:defRPr sz="1400" b="0" i="0" u="none" strike="noStrike" kern="1200" spc="0" baseline="0">
+              <a:solidFill>
+                <a:schemeClr val="tx1">
+                  <a:lumMod val="65000"/>
+                  <a:lumOff val="35000"/>
+                </a:schemeClr>
+              </a:solidFill>
+              <a:latin typeface="+mn-lt"/>
+              <a:ea typeface="+mn-ea"/>
+              <a:cs typeface="+mn-cs"/>
+            </a:defRPr>
+          </a:pPr>
+          <a:endParaRPr lang="en-US"/>
+        </a:p>
+      </c:txPr>
+    </c:title>
+    <c:autoTitleDeleted val="0"/>
+    <c:plotArea>
+      <c:layout/>
+      <c:barChart>
+        <c:barDir val="col"/>
+        <c:grouping val="clustered"/>
+        <c:varyColors val="0"/>
+        <c:ser>
+          <c:idx val="0"/>
+          <c:order val="0"/>
+          <c:tx>
+            <c:strRef>
+              <c:f>Sheet1!$B$1</c:f>
+              <c:strCache>
+                <c:ptCount val="1"/>
+                <c:pt idx="0">
+                  <c:v>100,200</c:v>
+                </c:pt>
+              </c:strCache>
+            </c:strRef>
+          </c:tx>
+          <c:spPr>
+            <a:solidFill>
+              <a:schemeClr val="accent1"/>
+            </a:solidFill>
+            <a:ln>
+              <a:noFill/>
+            </a:ln>
+            <a:effectLst/>
+          </c:spPr>
+          <c:invertIfNegative val="0"/>
+          <c:cat>
+            <c:numRef>
+              <c:f>Sheet1!$A$2:$A$4</c:f>
+              <c:numCache>
+                <c:formatCode>General</c:formatCode>
+                <c:ptCount val="3"/>
+                <c:pt idx="0">
+                  <c:v>2</c:v>
+                </c:pt>
+                <c:pt idx="1">
+                  <c:v>3</c:v>
+                </c:pt>
+                <c:pt idx="2">
+                  <c:v>4</c:v>
+                </c:pt>
+              </c:numCache>
+            </c:numRef>
+          </c:cat>
+          <c:val>
+            <c:numRef>
+              <c:f>Sheet1!$B$2:$B$4</c:f>
+              <c:numCache>
+                <c:formatCode>General</c:formatCode>
+                <c:ptCount val="3"/>
+                <c:pt idx="0">
+                  <c:v>1.97</c:v>
+                </c:pt>
+                <c:pt idx="1">
+                  <c:v>2.9239999999999999</c:v>
+                </c:pt>
+                <c:pt idx="2">
+                  <c:v>3.8540000000000001</c:v>
+                </c:pt>
+              </c:numCache>
+            </c:numRef>
+          </c:val>
+        </c:ser>
+        <c:ser>
+          <c:idx val="1"/>
+          <c:order val="1"/>
+          <c:tx>
+            <c:strRef>
+              <c:f>Sheet1!$C$1</c:f>
+              <c:strCache>
+                <c:ptCount val="1"/>
+                <c:pt idx="0">
+                  <c:v>250,450</c:v>
+                </c:pt>
+              </c:strCache>
+            </c:strRef>
+          </c:tx>
+          <c:spPr>
+            <a:solidFill>
+              <a:schemeClr val="accent2"/>
+            </a:solidFill>
+            <a:ln>
+              <a:noFill/>
+            </a:ln>
+            <a:effectLst/>
+          </c:spPr>
+          <c:invertIfNegative val="0"/>
+          <c:cat>
+            <c:numRef>
+              <c:f>Sheet1!$A$2:$A$4</c:f>
+              <c:numCache>
+                <c:formatCode>General</c:formatCode>
+                <c:ptCount val="3"/>
+                <c:pt idx="0">
+                  <c:v>2</c:v>
+                </c:pt>
+                <c:pt idx="1">
+                  <c:v>3</c:v>
+                </c:pt>
+                <c:pt idx="2">
+                  <c:v>4</c:v>
+                </c:pt>
+              </c:numCache>
+            </c:numRef>
+          </c:cat>
+          <c:val>
+            <c:numRef>
+              <c:f>Sheet1!$C$2:$C$4</c:f>
+              <c:numCache>
+                <c:formatCode>General</c:formatCode>
+                <c:ptCount val="3"/>
+                <c:pt idx="0">
+                  <c:v>1.974</c:v>
+                </c:pt>
+                <c:pt idx="1">
+                  <c:v>2.9260000000000002</c:v>
+                </c:pt>
+                <c:pt idx="2">
+                  <c:v>3.7909999999999999</c:v>
+                </c:pt>
+              </c:numCache>
+            </c:numRef>
+          </c:val>
+        </c:ser>
+        <c:ser>
+          <c:idx val="2"/>
+          <c:order val="2"/>
+          <c:tx>
+            <c:strRef>
+              <c:f>Sheet1!$D$1</c:f>
+              <c:strCache>
+                <c:ptCount val="1"/>
+                <c:pt idx="0">
+                  <c:v>450,650</c:v>
+                </c:pt>
+              </c:strCache>
+            </c:strRef>
+          </c:tx>
+          <c:spPr>
+            <a:solidFill>
+              <a:schemeClr val="accent3"/>
+            </a:solidFill>
+            <a:ln>
+              <a:noFill/>
+            </a:ln>
+            <a:effectLst/>
+          </c:spPr>
+          <c:invertIfNegative val="0"/>
+          <c:cat>
+            <c:numRef>
+              <c:f>Sheet1!$A$2:$A$4</c:f>
+              <c:numCache>
+                <c:formatCode>General</c:formatCode>
+                <c:ptCount val="3"/>
+                <c:pt idx="0">
+                  <c:v>2</c:v>
+                </c:pt>
+                <c:pt idx="1">
+                  <c:v>3</c:v>
+                </c:pt>
+                <c:pt idx="2">
+                  <c:v>4</c:v>
+                </c:pt>
+              </c:numCache>
+            </c:numRef>
+          </c:cat>
+          <c:val>
+            <c:numRef>
+              <c:f>Sheet1!$D$2:$D$4</c:f>
+              <c:numCache>
+                <c:formatCode>General</c:formatCode>
+                <c:ptCount val="3"/>
+                <c:pt idx="0">
+                  <c:v>1.9710000000000001</c:v>
+                </c:pt>
+                <c:pt idx="1">
+                  <c:v>2.93</c:v>
+                </c:pt>
+                <c:pt idx="2">
+                  <c:v>3.8370000000000002</c:v>
+                </c:pt>
+              </c:numCache>
+            </c:numRef>
+          </c:val>
+        </c:ser>
+        <c:dLbls>
+          <c:showLegendKey val="0"/>
+          <c:showVal val="0"/>
+          <c:showCatName val="0"/>
+          <c:showSerName val="0"/>
+          <c:showPercent val="0"/>
+          <c:showBubbleSize val="0"/>
+        </c:dLbls>
+        <c:gapWidth val="219"/>
+        <c:overlap val="-27"/>
+        <c:axId val="380509744"/>
+        <c:axId val="380499552"/>
+      </c:barChart>
+      <c:catAx>
+        <c:axId val="380509744"/>
+        <c:scaling>
+          <c:orientation val="minMax"/>
+        </c:scaling>
+        <c:delete val="0"/>
+        <c:axPos val="b"/>
+        <c:title>
+          <c:tx>
+            <c:rich>
+              <a:bodyPr rot="0" spcFirstLastPara="1" vertOverflow="ellipsis" vert="horz" wrap="square" anchor="ctr" anchorCtr="1"/>
+              <a:lstStyle/>
+              <a:p>
+                <a:pPr>
+                  <a:defRPr sz="1000" b="0" i="0" u="none" strike="noStrike" kern="1200" baseline="0">
+                    <a:solidFill>
+                      <a:schemeClr val="tx1">
+                        <a:lumMod val="65000"/>
+                        <a:lumOff val="35000"/>
+                      </a:schemeClr>
+                    </a:solidFill>
+                    <a:latin typeface="+mn-lt"/>
+                    <a:ea typeface="+mn-ea"/>
+                    <a:cs typeface="+mn-cs"/>
+                  </a:defRPr>
+                </a:pPr>
+                <a:r>
+                  <a:rPr lang="en-US"/>
+                  <a:t>Num CPUs</a:t>
+                </a:r>
+              </a:p>
+            </c:rich>
+          </c:tx>
+          <c:layout/>
+          <c:overlay val="0"/>
+          <c:spPr>
+            <a:noFill/>
+            <a:ln>
+              <a:noFill/>
+            </a:ln>
+            <a:effectLst/>
+          </c:spPr>
+          <c:txPr>
+            <a:bodyPr rot="0" spcFirstLastPara="1" vertOverflow="ellipsis" vert="horz" wrap="square" anchor="ctr" anchorCtr="1"/>
+            <a:lstStyle/>
+            <a:p>
+              <a:pPr>
+                <a:defRPr sz="1000" b="0" i="0" u="none" strike="noStrike" kern="1200" baseline="0">
+                  <a:solidFill>
+                    <a:schemeClr val="tx1">
+                      <a:lumMod val="65000"/>
+                      <a:lumOff val="35000"/>
+                    </a:schemeClr>
+                  </a:solidFill>
+                  <a:latin typeface="+mn-lt"/>
+                  <a:ea typeface="+mn-ea"/>
+                  <a:cs typeface="+mn-cs"/>
+                </a:defRPr>
+              </a:pPr>
+              <a:endParaRPr lang="en-US"/>
+            </a:p>
+          </c:txPr>
+        </c:title>
+        <c:numFmt formatCode="General" sourceLinked="1"/>
+        <c:majorTickMark val="none"/>
+        <c:minorTickMark val="none"/>
+        <c:tickLblPos val="nextTo"/>
+        <c:spPr>
+          <a:noFill/>
+          <a:ln w="9525" cap="flat" cmpd="sng" algn="ctr">
+            <a:solidFill>
+              <a:schemeClr val="tx1">
+                <a:lumMod val="15000"/>
+                <a:lumOff val="85000"/>
+              </a:schemeClr>
+            </a:solidFill>
+            <a:round/>
+          </a:ln>
+          <a:effectLst/>
+        </c:spPr>
+        <c:txPr>
+          <a:bodyPr rot="-60000000" spcFirstLastPara="1" vertOverflow="ellipsis" vert="horz" wrap="square" anchor="ctr" anchorCtr="1"/>
+          <a:lstStyle/>
+          <a:p>
+            <a:pPr>
+              <a:defRPr sz="900" b="0" i="0" u="none" strike="noStrike" kern="1200" baseline="0">
+                <a:solidFill>
+                  <a:schemeClr val="tx1">
+                    <a:lumMod val="65000"/>
+                    <a:lumOff val="35000"/>
+                  </a:schemeClr>
+                </a:solidFill>
+                <a:latin typeface="+mn-lt"/>
+                <a:ea typeface="+mn-ea"/>
+                <a:cs typeface="+mn-cs"/>
+              </a:defRPr>
+            </a:pPr>
+            <a:endParaRPr lang="en-US"/>
+          </a:p>
+        </c:txPr>
+        <c:crossAx val="380499552"/>
+        <c:crosses val="autoZero"/>
+        <c:auto val="1"/>
+        <c:lblAlgn val="ctr"/>
+        <c:lblOffset val="100"/>
+        <c:noMultiLvlLbl val="0"/>
+      </c:catAx>
+      <c:valAx>
+        <c:axId val="380499552"/>
+        <c:scaling>
+          <c:orientation val="minMax"/>
+        </c:scaling>
+        <c:delete val="0"/>
+        <c:axPos val="l"/>
+        <c:majorGridlines>
+          <c:spPr>
+            <a:ln w="9525" cap="flat" cmpd="sng" algn="ctr">
+              <a:solidFill>
+                <a:schemeClr val="tx1">
+                  <a:lumMod val="15000"/>
+                  <a:lumOff val="85000"/>
+                </a:schemeClr>
+              </a:solidFill>
+              <a:round/>
+            </a:ln>
+            <a:effectLst/>
+          </c:spPr>
+        </c:majorGridlines>
+        <c:title>
+          <c:tx>
+            <c:rich>
+              <a:bodyPr rot="-5400000" spcFirstLastPara="1" vertOverflow="ellipsis" vert="horz" wrap="square" anchor="ctr" anchorCtr="1"/>
+              <a:lstStyle/>
+              <a:p>
+                <a:pPr>
+                  <a:defRPr sz="1000" b="0" i="0" u="none" strike="noStrike" kern="1200" baseline="0">
+                    <a:solidFill>
+                      <a:schemeClr val="tx1">
+                        <a:lumMod val="65000"/>
+                        <a:lumOff val="35000"/>
+                      </a:schemeClr>
+                    </a:solidFill>
+                    <a:latin typeface="+mn-lt"/>
+                    <a:ea typeface="+mn-ea"/>
+                    <a:cs typeface="+mn-cs"/>
+                  </a:defRPr>
+                </a:pPr>
+                <a:r>
+                  <a:rPr lang="en-US"/>
+                  <a:t>Average speedup</a:t>
+                </a:r>
+              </a:p>
+            </c:rich>
+          </c:tx>
+          <c:layout/>
+          <c:overlay val="0"/>
+          <c:spPr>
+            <a:noFill/>
+            <a:ln>
+              <a:noFill/>
+            </a:ln>
+            <a:effectLst/>
+          </c:spPr>
+          <c:txPr>
+            <a:bodyPr rot="-5400000" spcFirstLastPara="1" vertOverflow="ellipsis" vert="horz" wrap="square" anchor="ctr" anchorCtr="1"/>
+            <a:lstStyle/>
+            <a:p>
+              <a:pPr>
+                <a:defRPr sz="1000" b="0" i="0" u="none" strike="noStrike" kern="1200" baseline="0">
+                  <a:solidFill>
+                    <a:schemeClr val="tx1">
+                      <a:lumMod val="65000"/>
+                      <a:lumOff val="35000"/>
+                    </a:schemeClr>
+                  </a:solidFill>
+                  <a:latin typeface="+mn-lt"/>
+                  <a:ea typeface="+mn-ea"/>
+                  <a:cs typeface="+mn-cs"/>
+                </a:defRPr>
+              </a:pPr>
+              <a:endParaRPr lang="en-US"/>
+            </a:p>
+          </c:txPr>
+        </c:title>
+        <c:numFmt formatCode="General" sourceLinked="1"/>
+        <c:majorTickMark val="none"/>
+        <c:minorTickMark val="none"/>
+        <c:tickLblPos val="nextTo"/>
+        <c:spPr>
+          <a:noFill/>
+          <a:ln>
+            <a:noFill/>
+          </a:ln>
+          <a:effectLst/>
+        </c:spPr>
+        <c:txPr>
+          <a:bodyPr rot="-60000000" spcFirstLastPara="1" vertOverflow="ellipsis" vert="horz" wrap="square" anchor="ctr" anchorCtr="1"/>
+          <a:lstStyle/>
+          <a:p>
+            <a:pPr>
+              <a:defRPr sz="900" b="0" i="0" u="none" strike="noStrike" kern="1200" baseline="0">
+                <a:solidFill>
+                  <a:schemeClr val="tx1">
+                    <a:lumMod val="65000"/>
+                    <a:lumOff val="35000"/>
+                  </a:schemeClr>
+                </a:solidFill>
+                <a:latin typeface="+mn-lt"/>
+                <a:ea typeface="+mn-ea"/>
+                <a:cs typeface="+mn-cs"/>
+              </a:defRPr>
+            </a:pPr>
+            <a:endParaRPr lang="en-US"/>
+          </a:p>
+        </c:txPr>
+        <c:crossAx val="380509744"/>
+        <c:crosses val="autoZero"/>
+        <c:crossBetween val="between"/>
+      </c:valAx>
+      <c:spPr>
+        <a:noFill/>
+        <a:ln>
+          <a:noFill/>
+        </a:ln>
+        <a:effectLst/>
+      </c:spPr>
+    </c:plotArea>
+    <c:legend>
+      <c:legendPos val="b"/>
+      <c:layout/>
+      <c:overlay val="0"/>
+      <c:spPr>
+        <a:noFill/>
+        <a:ln>
+          <a:noFill/>
+        </a:ln>
+        <a:effectLst/>
+      </c:spPr>
+      <c:txPr>
+        <a:bodyPr rot="0" spcFirstLastPara="1" vertOverflow="ellipsis" vert="horz" wrap="square" anchor="ctr" anchorCtr="1"/>
+        <a:lstStyle/>
+        <a:p>
+          <a:pPr>
+            <a:defRPr sz="900" b="0" i="0" u="none" strike="noStrike" kern="1200" baseline="0">
+              <a:solidFill>
+                <a:schemeClr val="tx1">
+                  <a:lumMod val="65000"/>
+                  <a:lumOff val="35000"/>
+                </a:schemeClr>
+              </a:solidFill>
+              <a:latin typeface="+mn-lt"/>
+              <a:ea typeface="+mn-ea"/>
+              <a:cs typeface="+mn-cs"/>
+            </a:defRPr>
+          </a:pPr>
+          <a:endParaRPr lang="en-US"/>
+        </a:p>
+      </c:txPr>
+    </c:legend>
+    <c:plotVisOnly val="1"/>
+    <c:dispBlanksAs val="gap"/>
+    <c:showDLblsOverMax val="0"/>
+  </c:chart>
+  <c:spPr>
+    <a:noFill/>
+    <a:ln>
+      <a:noFill/>
+    </a:ln>
+    <a:effectLst/>
+  </c:spPr>
+  <c:txPr>
+    <a:bodyPr/>
+    <a:lstStyle/>
+    <a:p>
+      <a:pPr>
+        <a:defRPr/>
+      </a:pPr>
+      <a:endParaRPr lang="en-US"/>
+    </a:p>
+  </c:txPr>
+  <c:externalData r:id="rId3">
+    <c:autoUpdate val="0"/>
+  </c:externalData>
+</c:chartSpace>
+</file>
+
+<file path=ppt/charts/chart6.xml><?xml version="1.0" encoding="utf-8"?>
+<c:chartSpace xmlns:c="http://schemas.openxmlformats.org/drawingml/2006/chart" xmlns:a="http://schemas.openxmlformats.org/drawingml/2006/main" xmlns:r="http://schemas.openxmlformats.org/officeDocument/2006/relationships">
+  <c:date1904 val="0"/>
+  <c:lang val="en-US"/>
+  <c:roundedCorners val="0"/>
+  <mc:AlternateContent xmlns:mc="http://schemas.openxmlformats.org/markup-compatibility/2006">
+    <mc:Choice xmlns:c14="http://schemas.microsoft.com/office/drawing/2007/8/2/chart" Requires="c14">
+      <c14:style val="102"/>
+    </mc:Choice>
+    <mc:Fallback>
+      <c:style val="2"/>
+    </mc:Fallback>
+  </mc:AlternateContent>
+  <c:chart>
+    <c:title>
+      <c:tx>
+        <c:rich>
+          <a:bodyPr rot="0" spcFirstLastPara="1" vertOverflow="ellipsis" vert="horz" wrap="square" anchor="ctr" anchorCtr="1"/>
+          <a:lstStyle/>
+          <a:p>
+            <a:pPr>
+              <a:defRPr sz="1400" b="0" i="0" u="none" strike="noStrike" kern="1200" spc="0" baseline="0">
+                <a:solidFill>
+                  <a:schemeClr val="tx1">
+                    <a:lumMod val="65000"/>
+                    <a:lumOff val="35000"/>
+                  </a:schemeClr>
+                </a:solidFill>
+                <a:latin typeface="+mn-lt"/>
+                <a:ea typeface="+mn-ea"/>
+                <a:cs typeface="+mn-cs"/>
+              </a:defRPr>
+            </a:pPr>
+            <a:r>
+              <a:rPr lang="en-US"/>
+              <a:t>CPU speedup with time quantums</a:t>
+            </a:r>
+            <a:r>
+              <a:rPr lang="en-US" baseline="0"/>
+              <a:t> of </a:t>
+            </a:r>
+            <a:r>
+              <a:rPr lang="en-US"/>
+              <a:t>100,200</a:t>
+            </a:r>
+          </a:p>
+        </c:rich>
+      </c:tx>
+      <c:layout/>
+      <c:overlay val="0"/>
+      <c:spPr>
+        <a:noFill/>
+        <a:ln>
+          <a:noFill/>
+        </a:ln>
+        <a:effectLst/>
+      </c:spPr>
+      <c:txPr>
+        <a:bodyPr rot="0" spcFirstLastPara="1" vertOverflow="ellipsis" vert="horz" wrap="square" anchor="ctr" anchorCtr="1"/>
+        <a:lstStyle/>
+        <a:p>
+          <a:pPr>
+            <a:defRPr sz="1400" b="0" i="0" u="none" strike="noStrike" kern="1200" spc="0" baseline="0">
+              <a:solidFill>
+                <a:schemeClr val="tx1">
+                  <a:lumMod val="65000"/>
+                  <a:lumOff val="35000"/>
+                </a:schemeClr>
+              </a:solidFill>
+              <a:latin typeface="+mn-lt"/>
+              <a:ea typeface="+mn-ea"/>
+              <a:cs typeface="+mn-cs"/>
+            </a:defRPr>
+          </a:pPr>
+          <a:endParaRPr lang="en-US"/>
+        </a:p>
+      </c:txPr>
+    </c:title>
+    <c:autoTitleDeleted val="0"/>
+    <c:plotArea>
+      <c:layout/>
+      <c:barChart>
+        <c:barDir val="col"/>
+        <c:grouping val="clustered"/>
+        <c:varyColors val="0"/>
+        <c:ser>
+          <c:idx val="0"/>
+          <c:order val="0"/>
+          <c:tx>
+            <c:strRef>
+              <c:f>Sheet1!$B$1</c:f>
+              <c:strCache>
+                <c:ptCount val="1"/>
+                <c:pt idx="0">
+                  <c:v>100,200</c:v>
+                </c:pt>
+              </c:strCache>
+            </c:strRef>
+          </c:tx>
+          <c:spPr>
+            <a:solidFill>
+              <a:schemeClr val="accent1"/>
+            </a:solidFill>
+            <a:ln>
+              <a:noFill/>
+            </a:ln>
+            <a:effectLst/>
+          </c:spPr>
+          <c:invertIfNegative val="0"/>
+          <c:cat>
+            <c:numRef>
+              <c:f>Sheet1!$A$2:$A$4</c:f>
+              <c:numCache>
+                <c:formatCode>General</c:formatCode>
+                <c:ptCount val="3"/>
+                <c:pt idx="0">
+                  <c:v>2</c:v>
+                </c:pt>
+                <c:pt idx="1">
+                  <c:v>3</c:v>
+                </c:pt>
+                <c:pt idx="2">
+                  <c:v>4</c:v>
+                </c:pt>
+              </c:numCache>
+            </c:numRef>
+          </c:cat>
+          <c:val>
+            <c:numRef>
+              <c:f>Sheet1!$B$2:$B$4</c:f>
+              <c:numCache>
+                <c:formatCode>General</c:formatCode>
+                <c:ptCount val="3"/>
+                <c:pt idx="0">
+                  <c:v>1.97</c:v>
+                </c:pt>
+                <c:pt idx="1">
+                  <c:v>2.9239999999999999</c:v>
+                </c:pt>
+                <c:pt idx="2">
+                  <c:v>3.8540000000000001</c:v>
+                </c:pt>
+              </c:numCache>
+            </c:numRef>
+          </c:val>
+        </c:ser>
+        <c:dLbls>
+          <c:showLegendKey val="0"/>
+          <c:showVal val="0"/>
+          <c:showCatName val="0"/>
+          <c:showSerName val="0"/>
+          <c:showPercent val="0"/>
+          <c:showBubbleSize val="0"/>
+        </c:dLbls>
+        <c:gapWidth val="219"/>
+        <c:overlap val="-27"/>
+        <c:axId val="383120752"/>
+        <c:axId val="383124672"/>
+      </c:barChart>
+      <c:catAx>
+        <c:axId val="383120752"/>
+        <c:scaling>
+          <c:orientation val="minMax"/>
+        </c:scaling>
+        <c:delete val="0"/>
+        <c:axPos val="b"/>
+        <c:title>
+          <c:tx>
+            <c:rich>
+              <a:bodyPr rot="0" spcFirstLastPara="1" vertOverflow="ellipsis" vert="horz" wrap="square" anchor="ctr" anchorCtr="1"/>
+              <a:lstStyle/>
+              <a:p>
+                <a:pPr>
+                  <a:defRPr sz="1000" b="0" i="0" u="none" strike="noStrike" kern="1200" baseline="0">
+                    <a:solidFill>
+                      <a:schemeClr val="tx1">
+                        <a:lumMod val="65000"/>
+                        <a:lumOff val="35000"/>
+                      </a:schemeClr>
+                    </a:solidFill>
+                    <a:latin typeface="+mn-lt"/>
+                    <a:ea typeface="+mn-ea"/>
+                    <a:cs typeface="+mn-cs"/>
+                  </a:defRPr>
+                </a:pPr>
+                <a:r>
+                  <a:rPr lang="en-US"/>
+                  <a:t>Num CPUs</a:t>
+                </a:r>
+              </a:p>
+            </c:rich>
+          </c:tx>
+          <c:layout/>
+          <c:overlay val="0"/>
+          <c:spPr>
+            <a:noFill/>
+            <a:ln>
+              <a:noFill/>
+            </a:ln>
+            <a:effectLst/>
+          </c:spPr>
+          <c:txPr>
+            <a:bodyPr rot="0" spcFirstLastPara="1" vertOverflow="ellipsis" vert="horz" wrap="square" anchor="ctr" anchorCtr="1"/>
+            <a:lstStyle/>
+            <a:p>
+              <a:pPr>
+                <a:defRPr sz="1000" b="0" i="0" u="none" strike="noStrike" kern="1200" baseline="0">
+                  <a:solidFill>
+                    <a:schemeClr val="tx1">
+                      <a:lumMod val="65000"/>
+                      <a:lumOff val="35000"/>
+                    </a:schemeClr>
+                  </a:solidFill>
+                  <a:latin typeface="+mn-lt"/>
+                  <a:ea typeface="+mn-ea"/>
+                  <a:cs typeface="+mn-cs"/>
+                </a:defRPr>
+              </a:pPr>
+              <a:endParaRPr lang="en-US"/>
+            </a:p>
+          </c:txPr>
+        </c:title>
+        <c:numFmt formatCode="General" sourceLinked="1"/>
+        <c:majorTickMark val="none"/>
+        <c:minorTickMark val="none"/>
+        <c:tickLblPos val="nextTo"/>
+        <c:spPr>
+          <a:noFill/>
+          <a:ln w="9525" cap="flat" cmpd="sng" algn="ctr">
+            <a:solidFill>
+              <a:schemeClr val="tx1">
+                <a:lumMod val="15000"/>
+                <a:lumOff val="85000"/>
+              </a:schemeClr>
+            </a:solidFill>
+            <a:round/>
+          </a:ln>
+          <a:effectLst/>
+        </c:spPr>
+        <c:txPr>
+          <a:bodyPr rot="-60000000" spcFirstLastPara="1" vertOverflow="ellipsis" vert="horz" wrap="square" anchor="ctr" anchorCtr="1"/>
+          <a:lstStyle/>
+          <a:p>
+            <a:pPr>
+              <a:defRPr sz="900" b="0" i="0" u="none" strike="noStrike" kern="1200" baseline="0">
+                <a:solidFill>
+                  <a:schemeClr val="tx1">
+                    <a:lumMod val="65000"/>
+                    <a:lumOff val="35000"/>
+                  </a:schemeClr>
+                </a:solidFill>
+                <a:latin typeface="+mn-lt"/>
+                <a:ea typeface="+mn-ea"/>
+                <a:cs typeface="+mn-cs"/>
+              </a:defRPr>
+            </a:pPr>
+            <a:endParaRPr lang="en-US"/>
+          </a:p>
+        </c:txPr>
+        <c:crossAx val="383124672"/>
+        <c:crosses val="autoZero"/>
+        <c:auto val="1"/>
+        <c:lblAlgn val="ctr"/>
+        <c:lblOffset val="100"/>
+        <c:noMultiLvlLbl val="0"/>
+      </c:catAx>
+      <c:valAx>
+        <c:axId val="383124672"/>
+        <c:scaling>
+          <c:orientation val="minMax"/>
+        </c:scaling>
+        <c:delete val="0"/>
+        <c:axPos val="l"/>
+        <c:majorGridlines>
+          <c:spPr>
+            <a:ln w="9525" cap="flat" cmpd="sng" algn="ctr">
+              <a:solidFill>
+                <a:schemeClr val="tx1">
+                  <a:lumMod val="15000"/>
+                  <a:lumOff val="85000"/>
+                </a:schemeClr>
+              </a:solidFill>
+              <a:round/>
+            </a:ln>
+            <a:effectLst/>
+          </c:spPr>
+        </c:majorGridlines>
+        <c:title>
+          <c:tx>
+            <c:rich>
+              <a:bodyPr rot="-5400000" spcFirstLastPara="1" vertOverflow="ellipsis" vert="horz" wrap="square" anchor="ctr" anchorCtr="1"/>
+              <a:lstStyle/>
+              <a:p>
+                <a:pPr>
+                  <a:defRPr sz="1000" b="0" i="0" u="none" strike="noStrike" kern="1200" baseline="0">
+                    <a:solidFill>
+                      <a:schemeClr val="tx1">
+                        <a:lumMod val="65000"/>
+                        <a:lumOff val="35000"/>
+                      </a:schemeClr>
+                    </a:solidFill>
+                    <a:latin typeface="+mn-lt"/>
+                    <a:ea typeface="+mn-ea"/>
+                    <a:cs typeface="+mn-cs"/>
+                  </a:defRPr>
+                </a:pPr>
+                <a:r>
+                  <a:rPr lang="en-US"/>
+                  <a:t>Average CPU</a:t>
+                </a:r>
+                <a:r>
+                  <a:rPr lang="en-US" baseline="0"/>
+                  <a:t> speedup</a:t>
+                </a:r>
+                <a:endParaRPr lang="en-US"/>
+              </a:p>
+            </c:rich>
+          </c:tx>
+          <c:layout/>
+          <c:overlay val="0"/>
+          <c:spPr>
+            <a:noFill/>
+            <a:ln>
+              <a:noFill/>
+            </a:ln>
+            <a:effectLst/>
+          </c:spPr>
+          <c:txPr>
+            <a:bodyPr rot="-5400000" spcFirstLastPara="1" vertOverflow="ellipsis" vert="horz" wrap="square" anchor="ctr" anchorCtr="1"/>
+            <a:lstStyle/>
+            <a:p>
+              <a:pPr>
+                <a:defRPr sz="1000" b="0" i="0" u="none" strike="noStrike" kern="1200" baseline="0">
+                  <a:solidFill>
+                    <a:schemeClr val="tx1">
+                      <a:lumMod val="65000"/>
+                      <a:lumOff val="35000"/>
+                    </a:schemeClr>
+                  </a:solidFill>
+                  <a:latin typeface="+mn-lt"/>
+                  <a:ea typeface="+mn-ea"/>
+                  <a:cs typeface="+mn-cs"/>
+                </a:defRPr>
+              </a:pPr>
+              <a:endParaRPr lang="en-US"/>
+            </a:p>
+          </c:txPr>
+        </c:title>
+        <c:numFmt formatCode="General" sourceLinked="1"/>
+        <c:majorTickMark val="none"/>
+        <c:minorTickMark val="none"/>
+        <c:tickLblPos val="nextTo"/>
+        <c:spPr>
+          <a:noFill/>
+          <a:ln>
+            <a:noFill/>
+          </a:ln>
+          <a:effectLst/>
+        </c:spPr>
+        <c:txPr>
+          <a:bodyPr rot="-60000000" spcFirstLastPara="1" vertOverflow="ellipsis" vert="horz" wrap="square" anchor="ctr" anchorCtr="1"/>
+          <a:lstStyle/>
+          <a:p>
+            <a:pPr>
+              <a:defRPr sz="900" b="0" i="0" u="none" strike="noStrike" kern="1200" baseline="0">
+                <a:solidFill>
+                  <a:schemeClr val="tx1">
+                    <a:lumMod val="65000"/>
+                    <a:lumOff val="35000"/>
+                  </a:schemeClr>
+                </a:solidFill>
+                <a:latin typeface="+mn-lt"/>
+                <a:ea typeface="+mn-ea"/>
+                <a:cs typeface="+mn-cs"/>
+              </a:defRPr>
+            </a:pPr>
+            <a:endParaRPr lang="en-US"/>
+          </a:p>
+        </c:txPr>
+        <c:crossAx val="383120752"/>
+        <c:crosses val="autoZero"/>
+        <c:crossBetween val="between"/>
+      </c:valAx>
+      <c:spPr>
+        <a:noFill/>
+        <a:ln>
+          <a:noFill/>
+        </a:ln>
+        <a:effectLst/>
+      </c:spPr>
+    </c:plotArea>
+    <c:plotVisOnly val="1"/>
+    <c:dispBlanksAs val="gap"/>
+    <c:showDLblsOverMax val="0"/>
+  </c:chart>
+  <c:spPr>
+    <a:noFill/>
+    <a:ln>
+      <a:noFill/>
+    </a:ln>
+    <a:effectLst/>
+  </c:spPr>
+  <c:txPr>
+    <a:bodyPr/>
+    <a:lstStyle/>
+    <a:p>
+      <a:pPr>
+        <a:defRPr/>
+      </a:pPr>
+      <a:endParaRPr lang="en-US"/>
+    </a:p>
+  </c:txPr>
+  <c:externalData r:id="rId3">
+    <c:autoUpdate val="0"/>
+  </c:externalData>
+</c:chartSpace>
+</file>
+
+<file path=ppt/charts/chart7.xml><?xml version="1.0" encoding="utf-8"?>
+<c:chartSpace xmlns:c="http://schemas.openxmlformats.org/drawingml/2006/chart" xmlns:a="http://schemas.openxmlformats.org/drawingml/2006/main" xmlns:r="http://schemas.openxmlformats.org/officeDocument/2006/relationships">
+  <c:date1904 val="0"/>
+  <c:lang val="en-US"/>
+  <c:roundedCorners val="0"/>
+  <mc:AlternateContent xmlns:mc="http://schemas.openxmlformats.org/markup-compatibility/2006">
+    <mc:Choice xmlns:c14="http://schemas.microsoft.com/office/drawing/2007/8/2/chart" Requires="c14">
+      <c14:style val="102"/>
+    </mc:Choice>
+    <mc:Fallback>
+      <c:style val="2"/>
+    </mc:Fallback>
+  </mc:AlternateContent>
+  <c:chart>
+    <c:title>
+      <c:tx>
+        <c:rich>
+          <a:bodyPr rot="0" spcFirstLastPara="1" vertOverflow="ellipsis" vert="horz" wrap="square" anchor="ctr" anchorCtr="1"/>
+          <a:lstStyle/>
+          <a:p>
+            <a:pPr>
+              <a:defRPr sz="1400" b="0" i="0" u="none" strike="noStrike" kern="1200" spc="0" baseline="0">
+                <a:solidFill>
+                  <a:schemeClr val="tx1">
+                    <a:lumMod val="65000"/>
+                    <a:lumOff val="35000"/>
+                  </a:schemeClr>
+                </a:solidFill>
+                <a:latin typeface="+mn-lt"/>
+                <a:ea typeface="+mn-ea"/>
+                <a:cs typeface="+mn-cs"/>
+              </a:defRPr>
+            </a:pPr>
+            <a:r>
+              <a:rPr lang="en-US"/>
+              <a:t>CPU speedup with time quantums</a:t>
+            </a:r>
+            <a:r>
+              <a:rPr lang="en-US" baseline="0"/>
+              <a:t> of 250</a:t>
+            </a:r>
+            <a:r>
+              <a:rPr lang="en-US"/>
+              <a:t>,450</a:t>
+            </a:r>
+          </a:p>
+        </c:rich>
+      </c:tx>
+      <c:layout/>
+      <c:overlay val="0"/>
+      <c:spPr>
+        <a:noFill/>
+        <a:ln>
+          <a:noFill/>
+        </a:ln>
+        <a:effectLst/>
+      </c:spPr>
+      <c:txPr>
+        <a:bodyPr rot="0" spcFirstLastPara="1" vertOverflow="ellipsis" vert="horz" wrap="square" anchor="ctr" anchorCtr="1"/>
+        <a:lstStyle/>
+        <a:p>
+          <a:pPr>
+            <a:defRPr sz="1400" b="0" i="0" u="none" strike="noStrike" kern="1200" spc="0" baseline="0">
+              <a:solidFill>
+                <a:schemeClr val="tx1">
+                  <a:lumMod val="65000"/>
+                  <a:lumOff val="35000"/>
+                </a:schemeClr>
+              </a:solidFill>
+              <a:latin typeface="+mn-lt"/>
+              <a:ea typeface="+mn-ea"/>
+              <a:cs typeface="+mn-cs"/>
+            </a:defRPr>
+          </a:pPr>
+          <a:endParaRPr lang="en-US"/>
+        </a:p>
+      </c:txPr>
+    </c:title>
+    <c:autoTitleDeleted val="0"/>
+    <c:plotArea>
+      <c:layout/>
+      <c:barChart>
+        <c:barDir val="col"/>
+        <c:grouping val="clustered"/>
+        <c:varyColors val="0"/>
+        <c:ser>
+          <c:idx val="0"/>
+          <c:order val="0"/>
+          <c:tx>
+            <c:strRef>
+              <c:f>Sheet1!$C$1</c:f>
+              <c:strCache>
+                <c:ptCount val="1"/>
+                <c:pt idx="0">
+                  <c:v>250,450</c:v>
+                </c:pt>
+              </c:strCache>
+            </c:strRef>
+          </c:tx>
+          <c:spPr>
+            <a:solidFill>
+              <a:schemeClr val="accent1"/>
+            </a:solidFill>
+            <a:ln>
+              <a:noFill/>
+            </a:ln>
+            <a:effectLst/>
+          </c:spPr>
+          <c:invertIfNegative val="0"/>
+          <c:cat>
+            <c:numRef>
+              <c:f>Sheet1!$A$2:$A$4</c:f>
+              <c:numCache>
+                <c:formatCode>General</c:formatCode>
+                <c:ptCount val="3"/>
+                <c:pt idx="0">
+                  <c:v>2</c:v>
+                </c:pt>
+                <c:pt idx="1">
+                  <c:v>3</c:v>
+                </c:pt>
+                <c:pt idx="2">
+                  <c:v>4</c:v>
+                </c:pt>
+              </c:numCache>
+            </c:numRef>
+          </c:cat>
+          <c:val>
+            <c:numRef>
+              <c:f>Sheet1!$C$2:$C$4</c:f>
+              <c:numCache>
+                <c:formatCode>General</c:formatCode>
+                <c:ptCount val="3"/>
+                <c:pt idx="0">
+                  <c:v>1.974</c:v>
+                </c:pt>
+                <c:pt idx="1">
+                  <c:v>2.9260000000000002</c:v>
+                </c:pt>
+                <c:pt idx="2">
+                  <c:v>3.7909999999999999</c:v>
+                </c:pt>
+              </c:numCache>
+            </c:numRef>
+          </c:val>
+        </c:ser>
+        <c:dLbls>
+          <c:showLegendKey val="0"/>
+          <c:showVal val="0"/>
+          <c:showCatName val="0"/>
+          <c:showSerName val="0"/>
+          <c:showPercent val="0"/>
+          <c:showBubbleSize val="0"/>
+        </c:dLbls>
+        <c:gapWidth val="219"/>
+        <c:overlap val="-27"/>
+        <c:axId val="306371304"/>
+        <c:axId val="306363856"/>
+      </c:barChart>
+      <c:catAx>
+        <c:axId val="306371304"/>
+        <c:scaling>
+          <c:orientation val="minMax"/>
+        </c:scaling>
+        <c:delete val="0"/>
+        <c:axPos val="b"/>
+        <c:title>
+          <c:tx>
+            <c:rich>
+              <a:bodyPr rot="0" spcFirstLastPara="1" vertOverflow="ellipsis" vert="horz" wrap="square" anchor="ctr" anchorCtr="1"/>
+              <a:lstStyle/>
+              <a:p>
+                <a:pPr>
+                  <a:defRPr sz="1000" b="0" i="0" u="none" strike="noStrike" kern="1200" baseline="0">
+                    <a:solidFill>
+                      <a:schemeClr val="tx1">
+                        <a:lumMod val="65000"/>
+                        <a:lumOff val="35000"/>
+                      </a:schemeClr>
+                    </a:solidFill>
+                    <a:latin typeface="+mn-lt"/>
+                    <a:ea typeface="+mn-ea"/>
+                    <a:cs typeface="+mn-cs"/>
+                  </a:defRPr>
+                </a:pPr>
+                <a:r>
+                  <a:rPr lang="en-US"/>
+                  <a:t>Num CPUs</a:t>
+                </a:r>
+              </a:p>
+            </c:rich>
+          </c:tx>
+          <c:layout/>
+          <c:overlay val="0"/>
+          <c:spPr>
+            <a:noFill/>
+            <a:ln>
+              <a:noFill/>
+            </a:ln>
+            <a:effectLst/>
+          </c:spPr>
+          <c:txPr>
+            <a:bodyPr rot="0" spcFirstLastPara="1" vertOverflow="ellipsis" vert="horz" wrap="square" anchor="ctr" anchorCtr="1"/>
+            <a:lstStyle/>
+            <a:p>
+              <a:pPr>
+                <a:defRPr sz="1000" b="0" i="0" u="none" strike="noStrike" kern="1200" baseline="0">
+                  <a:solidFill>
+                    <a:schemeClr val="tx1">
+                      <a:lumMod val="65000"/>
+                      <a:lumOff val="35000"/>
+                    </a:schemeClr>
+                  </a:solidFill>
+                  <a:latin typeface="+mn-lt"/>
+                  <a:ea typeface="+mn-ea"/>
+                  <a:cs typeface="+mn-cs"/>
+                </a:defRPr>
+              </a:pPr>
+              <a:endParaRPr lang="en-US"/>
+            </a:p>
+          </c:txPr>
+        </c:title>
+        <c:numFmt formatCode="General" sourceLinked="1"/>
+        <c:majorTickMark val="none"/>
+        <c:minorTickMark val="none"/>
+        <c:tickLblPos val="nextTo"/>
+        <c:spPr>
+          <a:noFill/>
+          <a:ln w="9525" cap="flat" cmpd="sng" algn="ctr">
+            <a:solidFill>
+              <a:schemeClr val="tx1">
+                <a:lumMod val="15000"/>
+                <a:lumOff val="85000"/>
+              </a:schemeClr>
+            </a:solidFill>
+            <a:round/>
+          </a:ln>
+          <a:effectLst/>
+        </c:spPr>
+        <c:txPr>
+          <a:bodyPr rot="-60000000" spcFirstLastPara="1" vertOverflow="ellipsis" vert="horz" wrap="square" anchor="ctr" anchorCtr="1"/>
+          <a:lstStyle/>
+          <a:p>
+            <a:pPr>
+              <a:defRPr sz="900" b="0" i="0" u="none" strike="noStrike" kern="1200" baseline="0">
+                <a:solidFill>
+                  <a:schemeClr val="tx1">
+                    <a:lumMod val="65000"/>
+                    <a:lumOff val="35000"/>
+                  </a:schemeClr>
+                </a:solidFill>
+                <a:latin typeface="+mn-lt"/>
+                <a:ea typeface="+mn-ea"/>
+                <a:cs typeface="+mn-cs"/>
+              </a:defRPr>
+            </a:pPr>
+            <a:endParaRPr lang="en-US"/>
+          </a:p>
+        </c:txPr>
+        <c:crossAx val="306363856"/>
+        <c:crosses val="autoZero"/>
+        <c:auto val="1"/>
+        <c:lblAlgn val="ctr"/>
+        <c:lblOffset val="100"/>
+        <c:noMultiLvlLbl val="0"/>
+      </c:catAx>
+      <c:valAx>
+        <c:axId val="306363856"/>
+        <c:scaling>
+          <c:orientation val="minMax"/>
+        </c:scaling>
+        <c:delete val="0"/>
+        <c:axPos val="l"/>
+        <c:majorGridlines>
+          <c:spPr>
+            <a:ln w="9525" cap="flat" cmpd="sng" algn="ctr">
+              <a:solidFill>
+                <a:schemeClr val="tx1">
+                  <a:lumMod val="15000"/>
+                  <a:lumOff val="85000"/>
+                </a:schemeClr>
+              </a:solidFill>
+              <a:round/>
+            </a:ln>
+            <a:effectLst/>
+          </c:spPr>
+        </c:majorGridlines>
+        <c:title>
+          <c:tx>
+            <c:rich>
+              <a:bodyPr rot="-5400000" spcFirstLastPara="1" vertOverflow="ellipsis" vert="horz" wrap="square" anchor="ctr" anchorCtr="1"/>
+              <a:lstStyle/>
+              <a:p>
+                <a:pPr>
+                  <a:defRPr sz="1000" b="0" i="0" u="none" strike="noStrike" kern="1200" baseline="0">
+                    <a:solidFill>
+                      <a:schemeClr val="tx1">
+                        <a:lumMod val="65000"/>
+                        <a:lumOff val="35000"/>
+                      </a:schemeClr>
+                    </a:solidFill>
+                    <a:latin typeface="+mn-lt"/>
+                    <a:ea typeface="+mn-ea"/>
+                    <a:cs typeface="+mn-cs"/>
+                  </a:defRPr>
+                </a:pPr>
+                <a:r>
+                  <a:rPr lang="en-US"/>
+                  <a:t>Average CPU</a:t>
+                </a:r>
+                <a:r>
+                  <a:rPr lang="en-US" baseline="0"/>
+                  <a:t> speedup</a:t>
+                </a:r>
+                <a:endParaRPr lang="en-US"/>
+              </a:p>
+            </c:rich>
+          </c:tx>
+          <c:layout/>
+          <c:overlay val="0"/>
+          <c:spPr>
+            <a:noFill/>
+            <a:ln>
+              <a:noFill/>
+            </a:ln>
+            <a:effectLst/>
+          </c:spPr>
+          <c:txPr>
+            <a:bodyPr rot="-5400000" spcFirstLastPara="1" vertOverflow="ellipsis" vert="horz" wrap="square" anchor="ctr" anchorCtr="1"/>
+            <a:lstStyle/>
+            <a:p>
+              <a:pPr>
+                <a:defRPr sz="1000" b="0" i="0" u="none" strike="noStrike" kern="1200" baseline="0">
+                  <a:solidFill>
+                    <a:schemeClr val="tx1">
+                      <a:lumMod val="65000"/>
+                      <a:lumOff val="35000"/>
+                    </a:schemeClr>
+                  </a:solidFill>
+                  <a:latin typeface="+mn-lt"/>
+                  <a:ea typeface="+mn-ea"/>
+                  <a:cs typeface="+mn-cs"/>
+                </a:defRPr>
+              </a:pPr>
+              <a:endParaRPr lang="en-US"/>
+            </a:p>
+          </c:txPr>
+        </c:title>
+        <c:numFmt formatCode="General" sourceLinked="1"/>
+        <c:majorTickMark val="none"/>
+        <c:minorTickMark val="none"/>
+        <c:tickLblPos val="nextTo"/>
+        <c:spPr>
+          <a:noFill/>
+          <a:ln>
+            <a:noFill/>
+          </a:ln>
+          <a:effectLst/>
+        </c:spPr>
+        <c:txPr>
+          <a:bodyPr rot="-60000000" spcFirstLastPara="1" vertOverflow="ellipsis" vert="horz" wrap="square" anchor="ctr" anchorCtr="1"/>
+          <a:lstStyle/>
+          <a:p>
+            <a:pPr>
+              <a:defRPr sz="900" b="0" i="0" u="none" strike="noStrike" kern="1200" baseline="0">
+                <a:solidFill>
+                  <a:schemeClr val="tx1">
+                    <a:lumMod val="65000"/>
+                    <a:lumOff val="35000"/>
+                  </a:schemeClr>
+                </a:solidFill>
+                <a:latin typeface="+mn-lt"/>
+                <a:ea typeface="+mn-ea"/>
+                <a:cs typeface="+mn-cs"/>
+              </a:defRPr>
+            </a:pPr>
+            <a:endParaRPr lang="en-US"/>
+          </a:p>
+        </c:txPr>
+        <c:crossAx val="306371304"/>
+        <c:crosses val="autoZero"/>
+        <c:crossBetween val="between"/>
+      </c:valAx>
+      <c:spPr>
+        <a:noFill/>
+        <a:ln>
+          <a:noFill/>
+        </a:ln>
+        <a:effectLst/>
+      </c:spPr>
+    </c:plotArea>
+    <c:plotVisOnly val="1"/>
+    <c:dispBlanksAs val="gap"/>
+    <c:showDLblsOverMax val="0"/>
+  </c:chart>
+  <c:spPr>
+    <a:noFill/>
+    <a:ln>
+      <a:noFill/>
+    </a:ln>
+    <a:effectLst/>
+  </c:spPr>
+  <c:txPr>
+    <a:bodyPr/>
+    <a:lstStyle/>
+    <a:p>
+      <a:pPr>
+        <a:defRPr/>
+      </a:pPr>
+      <a:endParaRPr lang="en-US"/>
+    </a:p>
+  </c:txPr>
+  <c:externalData r:id="rId3">
+    <c:autoUpdate val="0"/>
+  </c:externalData>
+</c:chartSpace>
+</file>
+
+<file path=ppt/charts/chart8.xml><?xml version="1.0" encoding="utf-8"?>
+<c:chartSpace xmlns:c="http://schemas.openxmlformats.org/drawingml/2006/chart" xmlns:a="http://schemas.openxmlformats.org/drawingml/2006/main" xmlns:r="http://schemas.openxmlformats.org/officeDocument/2006/relationships">
+  <c:date1904 val="0"/>
+  <c:lang val="en-US"/>
+  <c:roundedCorners val="0"/>
+  <mc:AlternateContent xmlns:mc="http://schemas.openxmlformats.org/markup-compatibility/2006">
+    <mc:Choice xmlns:c14="http://schemas.microsoft.com/office/drawing/2007/8/2/chart" Requires="c14">
+      <c14:style val="102"/>
+    </mc:Choice>
+    <mc:Fallback>
+      <c:style val="2"/>
+    </mc:Fallback>
+  </mc:AlternateContent>
+  <c:chart>
+    <c:title>
+      <c:tx>
+        <c:rich>
+          <a:bodyPr rot="0" spcFirstLastPara="1" vertOverflow="ellipsis" vert="horz" wrap="square" anchor="ctr" anchorCtr="1"/>
+          <a:lstStyle/>
+          <a:p>
+            <a:pPr>
+              <a:defRPr sz="1400" b="0" i="0" u="none" strike="noStrike" kern="1200" spc="0" baseline="0">
+                <a:solidFill>
+                  <a:schemeClr val="tx1">
+                    <a:lumMod val="65000"/>
+                    <a:lumOff val="35000"/>
+                  </a:schemeClr>
+                </a:solidFill>
+                <a:latin typeface="+mn-lt"/>
+                <a:ea typeface="+mn-ea"/>
+                <a:cs typeface="+mn-cs"/>
+              </a:defRPr>
+            </a:pPr>
+            <a:r>
+              <a:rPr lang="en-US"/>
+              <a:t>CPU speedup with time quantums</a:t>
+            </a:r>
+            <a:r>
+              <a:rPr lang="en-US" baseline="0"/>
+              <a:t> of 450</a:t>
+            </a:r>
+            <a:r>
+              <a:rPr lang="en-US"/>
+              <a:t>,650</a:t>
+            </a:r>
+          </a:p>
+        </c:rich>
+      </c:tx>
+      <c:layout/>
+      <c:overlay val="0"/>
+      <c:spPr>
+        <a:noFill/>
+        <a:ln>
+          <a:noFill/>
+        </a:ln>
+        <a:effectLst/>
+      </c:spPr>
+      <c:txPr>
+        <a:bodyPr rot="0" spcFirstLastPara="1" vertOverflow="ellipsis" vert="horz" wrap="square" anchor="ctr" anchorCtr="1"/>
+        <a:lstStyle/>
+        <a:p>
+          <a:pPr>
+            <a:defRPr sz="1400" b="0" i="0" u="none" strike="noStrike" kern="1200" spc="0" baseline="0">
+              <a:solidFill>
+                <a:schemeClr val="tx1">
+                  <a:lumMod val="65000"/>
+                  <a:lumOff val="35000"/>
+                </a:schemeClr>
+              </a:solidFill>
+              <a:latin typeface="+mn-lt"/>
+              <a:ea typeface="+mn-ea"/>
+              <a:cs typeface="+mn-cs"/>
+            </a:defRPr>
+          </a:pPr>
+          <a:endParaRPr lang="en-US"/>
+        </a:p>
+      </c:txPr>
+    </c:title>
+    <c:autoTitleDeleted val="0"/>
+    <c:plotArea>
+      <c:layout/>
+      <c:barChart>
+        <c:barDir val="col"/>
+        <c:grouping val="clustered"/>
+        <c:varyColors val="0"/>
+        <c:ser>
+          <c:idx val="0"/>
+          <c:order val="0"/>
+          <c:tx>
+            <c:strRef>
+              <c:f>Sheet1!$D$1</c:f>
+              <c:strCache>
+                <c:ptCount val="1"/>
+                <c:pt idx="0">
+                  <c:v>450,650</c:v>
+                </c:pt>
+              </c:strCache>
+            </c:strRef>
+          </c:tx>
+          <c:spPr>
+            <a:solidFill>
+              <a:schemeClr val="accent1"/>
+            </a:solidFill>
+            <a:ln>
+              <a:noFill/>
+            </a:ln>
+            <a:effectLst/>
+          </c:spPr>
+          <c:invertIfNegative val="0"/>
+          <c:cat>
+            <c:numRef>
+              <c:f>Sheet1!$A$2:$A$4</c:f>
+              <c:numCache>
+                <c:formatCode>General</c:formatCode>
+                <c:ptCount val="3"/>
+                <c:pt idx="0">
+                  <c:v>2</c:v>
+                </c:pt>
+                <c:pt idx="1">
+                  <c:v>3</c:v>
+                </c:pt>
+                <c:pt idx="2">
+                  <c:v>4</c:v>
+                </c:pt>
+              </c:numCache>
+            </c:numRef>
+          </c:cat>
+          <c:val>
+            <c:numRef>
+              <c:f>Sheet1!$D$2:$D$4</c:f>
+              <c:numCache>
+                <c:formatCode>General</c:formatCode>
+                <c:ptCount val="3"/>
+                <c:pt idx="0">
+                  <c:v>1.9710000000000001</c:v>
+                </c:pt>
+                <c:pt idx="1">
+                  <c:v>2.93</c:v>
+                </c:pt>
+                <c:pt idx="2">
+                  <c:v>3.8370000000000002</c:v>
+                </c:pt>
+              </c:numCache>
+            </c:numRef>
+          </c:val>
+        </c:ser>
+        <c:dLbls>
+          <c:showLegendKey val="0"/>
+          <c:showVal val="0"/>
+          <c:showCatName val="0"/>
+          <c:showSerName val="0"/>
+          <c:showPercent val="0"/>
+          <c:showBubbleSize val="0"/>
+        </c:dLbls>
+        <c:gapWidth val="219"/>
+        <c:overlap val="-27"/>
+        <c:axId val="380503080"/>
+        <c:axId val="380503472"/>
+      </c:barChart>
+      <c:catAx>
+        <c:axId val="380503080"/>
+        <c:scaling>
+          <c:orientation val="minMax"/>
+        </c:scaling>
+        <c:delete val="0"/>
+        <c:axPos val="b"/>
+        <c:title>
+          <c:tx>
+            <c:rich>
+              <a:bodyPr rot="0" spcFirstLastPara="1" vertOverflow="ellipsis" vert="horz" wrap="square" anchor="ctr" anchorCtr="1"/>
+              <a:lstStyle/>
+              <a:p>
+                <a:pPr>
+                  <a:defRPr sz="1000" b="0" i="0" u="none" strike="noStrike" kern="1200" baseline="0">
+                    <a:solidFill>
+                      <a:schemeClr val="tx1">
+                        <a:lumMod val="65000"/>
+                        <a:lumOff val="35000"/>
+                      </a:schemeClr>
+                    </a:solidFill>
+                    <a:latin typeface="+mn-lt"/>
+                    <a:ea typeface="+mn-ea"/>
+                    <a:cs typeface="+mn-cs"/>
+                  </a:defRPr>
+                </a:pPr>
+                <a:r>
+                  <a:rPr lang="en-US"/>
+                  <a:t>Num CPUs</a:t>
+                </a:r>
+              </a:p>
+            </c:rich>
+          </c:tx>
+          <c:layout/>
+          <c:overlay val="0"/>
+          <c:spPr>
+            <a:noFill/>
+            <a:ln>
+              <a:noFill/>
+            </a:ln>
+            <a:effectLst/>
+          </c:spPr>
+          <c:txPr>
+            <a:bodyPr rot="0" spcFirstLastPara="1" vertOverflow="ellipsis" vert="horz" wrap="square" anchor="ctr" anchorCtr="1"/>
+            <a:lstStyle/>
+            <a:p>
+              <a:pPr>
+                <a:defRPr sz="1000" b="0" i="0" u="none" strike="noStrike" kern="1200" baseline="0">
+                  <a:solidFill>
+                    <a:schemeClr val="tx1">
+                      <a:lumMod val="65000"/>
+                      <a:lumOff val="35000"/>
+                    </a:schemeClr>
+                  </a:solidFill>
+                  <a:latin typeface="+mn-lt"/>
+                  <a:ea typeface="+mn-ea"/>
+                  <a:cs typeface="+mn-cs"/>
+                </a:defRPr>
+              </a:pPr>
+              <a:endParaRPr lang="en-US"/>
+            </a:p>
+          </c:txPr>
+        </c:title>
+        <c:numFmt formatCode="General" sourceLinked="1"/>
+        <c:majorTickMark val="none"/>
+        <c:minorTickMark val="none"/>
+        <c:tickLblPos val="nextTo"/>
+        <c:spPr>
+          <a:noFill/>
+          <a:ln w="9525" cap="flat" cmpd="sng" algn="ctr">
+            <a:solidFill>
+              <a:schemeClr val="tx1">
+                <a:lumMod val="15000"/>
+                <a:lumOff val="85000"/>
+              </a:schemeClr>
+            </a:solidFill>
+            <a:round/>
+          </a:ln>
+          <a:effectLst/>
+        </c:spPr>
+        <c:txPr>
+          <a:bodyPr rot="-60000000" spcFirstLastPara="1" vertOverflow="ellipsis" vert="horz" wrap="square" anchor="ctr" anchorCtr="1"/>
+          <a:lstStyle/>
+          <a:p>
+            <a:pPr>
+              <a:defRPr sz="900" b="0" i="0" u="none" strike="noStrike" kern="1200" baseline="0">
+                <a:solidFill>
+                  <a:schemeClr val="tx1">
+                    <a:lumMod val="65000"/>
+                    <a:lumOff val="35000"/>
+                  </a:schemeClr>
+                </a:solidFill>
+                <a:latin typeface="+mn-lt"/>
+                <a:ea typeface="+mn-ea"/>
+                <a:cs typeface="+mn-cs"/>
+              </a:defRPr>
+            </a:pPr>
+            <a:endParaRPr lang="en-US"/>
+          </a:p>
+        </c:txPr>
+        <c:crossAx val="380503472"/>
+        <c:crosses val="autoZero"/>
+        <c:auto val="1"/>
+        <c:lblAlgn val="ctr"/>
+        <c:lblOffset val="100"/>
+        <c:noMultiLvlLbl val="0"/>
+      </c:catAx>
+      <c:valAx>
+        <c:axId val="380503472"/>
+        <c:scaling>
+          <c:orientation val="minMax"/>
+        </c:scaling>
+        <c:delete val="0"/>
+        <c:axPos val="l"/>
+        <c:majorGridlines>
+          <c:spPr>
+            <a:ln w="9525" cap="flat" cmpd="sng" algn="ctr">
+              <a:solidFill>
+                <a:schemeClr val="tx1">
+                  <a:lumMod val="15000"/>
+                  <a:lumOff val="85000"/>
+                </a:schemeClr>
+              </a:solidFill>
+              <a:round/>
+            </a:ln>
+            <a:effectLst/>
+          </c:spPr>
+        </c:majorGridlines>
+        <c:title>
+          <c:tx>
+            <c:rich>
+              <a:bodyPr rot="-5400000" spcFirstLastPara="1" vertOverflow="ellipsis" vert="horz" wrap="square" anchor="ctr" anchorCtr="1"/>
+              <a:lstStyle/>
+              <a:p>
+                <a:pPr>
+                  <a:defRPr sz="1000" b="0" i="0" u="none" strike="noStrike" kern="1200" baseline="0">
+                    <a:solidFill>
+                      <a:schemeClr val="tx1">
+                        <a:lumMod val="65000"/>
+                        <a:lumOff val="35000"/>
+                      </a:schemeClr>
+                    </a:solidFill>
+                    <a:latin typeface="+mn-lt"/>
+                    <a:ea typeface="+mn-ea"/>
+                    <a:cs typeface="+mn-cs"/>
+                  </a:defRPr>
+                </a:pPr>
+                <a:r>
+                  <a:rPr lang="en-US"/>
+                  <a:t>Average CPU</a:t>
+                </a:r>
+                <a:r>
+                  <a:rPr lang="en-US" baseline="0"/>
+                  <a:t> speedup</a:t>
+                </a:r>
+                <a:endParaRPr lang="en-US"/>
+              </a:p>
+            </c:rich>
+          </c:tx>
+          <c:layout/>
+          <c:overlay val="0"/>
+          <c:spPr>
+            <a:noFill/>
+            <a:ln>
+              <a:noFill/>
+            </a:ln>
+            <a:effectLst/>
+          </c:spPr>
+          <c:txPr>
+            <a:bodyPr rot="-5400000" spcFirstLastPara="1" vertOverflow="ellipsis" vert="horz" wrap="square" anchor="ctr" anchorCtr="1"/>
+            <a:lstStyle/>
+            <a:p>
+              <a:pPr>
+                <a:defRPr sz="1000" b="0" i="0" u="none" strike="noStrike" kern="1200" baseline="0">
+                  <a:solidFill>
+                    <a:schemeClr val="tx1">
+                      <a:lumMod val="65000"/>
+                      <a:lumOff val="35000"/>
+                    </a:schemeClr>
+                  </a:solidFill>
+                  <a:latin typeface="+mn-lt"/>
+                  <a:ea typeface="+mn-ea"/>
+                  <a:cs typeface="+mn-cs"/>
+                </a:defRPr>
+              </a:pPr>
+              <a:endParaRPr lang="en-US"/>
+            </a:p>
+          </c:txPr>
+        </c:title>
+        <c:numFmt formatCode="General" sourceLinked="1"/>
+        <c:majorTickMark val="none"/>
+        <c:minorTickMark val="none"/>
+        <c:tickLblPos val="nextTo"/>
+        <c:spPr>
+          <a:noFill/>
+          <a:ln>
+            <a:noFill/>
+          </a:ln>
+          <a:effectLst/>
+        </c:spPr>
+        <c:txPr>
+          <a:bodyPr rot="-60000000" spcFirstLastPara="1" vertOverflow="ellipsis" vert="horz" wrap="square" anchor="ctr" anchorCtr="1"/>
+          <a:lstStyle/>
+          <a:p>
+            <a:pPr>
+              <a:defRPr sz="900" b="0" i="0" u="none" strike="noStrike" kern="1200" baseline="0">
+                <a:solidFill>
+                  <a:schemeClr val="tx1">
+                    <a:lumMod val="65000"/>
+                    <a:lumOff val="35000"/>
+                  </a:schemeClr>
+                </a:solidFill>
+                <a:latin typeface="+mn-lt"/>
+                <a:ea typeface="+mn-ea"/>
+                <a:cs typeface="+mn-cs"/>
+              </a:defRPr>
+            </a:pPr>
+            <a:endParaRPr lang="en-US"/>
+          </a:p>
+        </c:txPr>
+        <c:crossAx val="380503080"/>
+        <c:crosses val="autoZero"/>
+        <c:crossBetween val="between"/>
+      </c:valAx>
+      <c:spPr>
+        <a:noFill/>
+        <a:ln>
+          <a:noFill/>
+        </a:ln>
+        <a:effectLst/>
+      </c:spPr>
+    </c:plotArea>
+    <c:plotVisOnly val="1"/>
+    <c:dispBlanksAs val="gap"/>
+    <c:showDLblsOverMax val="0"/>
+  </c:chart>
+  <c:spPr>
+    <a:noFill/>
+    <a:ln>
+      <a:noFill/>
+    </a:ln>
+    <a:effectLst/>
+  </c:spPr>
+  <c:txPr>
+    <a:bodyPr/>
+    <a:lstStyle/>
+    <a:p>
+      <a:pPr>
+        <a:defRPr/>
+      </a:pPr>
+      <a:endParaRPr lang="en-US"/>
+    </a:p>
+  </c:txPr>
+  <c:externalData r:id="rId3">
+    <c:autoUpdate val="0"/>
+  </c:externalData>
+</c:chartSpace>
+</file>
+
+<file path=ppt/charts/colors1.xml><?xml version="1.0" encoding="utf-8"?>
+<cs:colorStyle xmlns:cs="http://schemas.microsoft.com/office/drawing/2012/chartStyle" xmlns:a="http://schemas.openxmlformats.org/drawingml/2006/main" meth="cycle" id="10">
+  <a:schemeClr val="accent1"/>
+  <a:schemeClr val="accent2"/>
+  <a:schemeClr val="accent3"/>
+  <a:schemeClr val="accent4"/>
+  <a:schemeClr val="accent5"/>
+  <a:schemeClr val="accent6"/>
+  <cs:variation/>
+  <cs:variation>
+    <a:lumMod val="60000"/>
+  </cs:variation>
+  <cs:variation>
+    <a:lumMod val="80000"/>
+    <a:lumOff val="20000"/>
+  </cs:variation>
+  <cs:variation>
+    <a:lumMod val="80000"/>
+  </cs:variation>
+  <cs:variation>
+    <a:lumMod val="60000"/>
+    <a:lumOff val="40000"/>
+  </cs:variation>
+  <cs:variation>
+    <a:lumMod val="50000"/>
+  </cs:variation>
+  <cs:variation>
+    <a:lumMod val="70000"/>
+    <a:lumOff val="30000"/>
+  </cs:variation>
+  <cs:variation>
+    <a:lumMod val="70000"/>
+  </cs:variation>
+  <cs:variation>
+    <a:lumMod val="50000"/>
+    <a:lumOff val="50000"/>
+  </cs:variation>
+</cs:colorStyle>
+</file>
+
+<file path=ppt/charts/colors2.xml><?xml version="1.0" encoding="utf-8"?>
+<cs:colorStyle xmlns:cs="http://schemas.microsoft.com/office/drawing/2012/chartStyle" xmlns:a="http://schemas.openxmlformats.org/drawingml/2006/main" meth="cycle" id="10">
+  <a:schemeClr val="accent1"/>
+  <a:schemeClr val="accent2"/>
+  <a:schemeClr val="accent3"/>
+  <a:schemeClr val="accent4"/>
+  <a:schemeClr val="accent5"/>
+  <a:schemeClr val="accent6"/>
+  <cs:variation/>
+  <cs:variation>
+    <a:lumMod val="60000"/>
+  </cs:variation>
+  <cs:variation>
+    <a:lumMod val="80000"/>
+    <a:lumOff val="20000"/>
+  </cs:variation>
+  <cs:variation>
+    <a:lumMod val="80000"/>
+  </cs:variation>
+  <cs:variation>
+    <a:lumMod val="60000"/>
+    <a:lumOff val="40000"/>
+  </cs:variation>
+  <cs:variation>
+    <a:lumMod val="50000"/>
+  </cs:variation>
+  <cs:variation>
+    <a:lumMod val="70000"/>
+    <a:lumOff val="30000"/>
+  </cs:variation>
+  <cs:variation>
+    <a:lumMod val="70000"/>
+  </cs:variation>
+  <cs:variation>
+    <a:lumMod val="50000"/>
+    <a:lumOff val="50000"/>
+  </cs:variation>
+</cs:colorStyle>
+</file>
+
+<file path=ppt/charts/colors3.xml><?xml version="1.0" encoding="utf-8"?>
+<cs:colorStyle xmlns:cs="http://schemas.microsoft.com/office/drawing/2012/chartStyle" xmlns:a="http://schemas.openxmlformats.org/drawingml/2006/main" meth="cycle" id="10">
+  <a:schemeClr val="accent1"/>
+  <a:schemeClr val="accent2"/>
+  <a:schemeClr val="accent3"/>
+  <a:schemeClr val="accent4"/>
+  <a:schemeClr val="accent5"/>
+  <a:schemeClr val="accent6"/>
+  <cs:variation/>
+  <cs:variation>
+    <a:lumMod val="60000"/>
+  </cs:variation>
+  <cs:variation>
+    <a:lumMod val="80000"/>
+    <a:lumOff val="20000"/>
+  </cs:variation>
+  <cs:variation>
+    <a:lumMod val="80000"/>
+  </cs:variation>
+  <cs:variation>
+    <a:lumMod val="60000"/>
+    <a:lumOff val="40000"/>
+  </cs:variation>
+  <cs:variation>
+    <a:lumMod val="50000"/>
+  </cs:variation>
+  <cs:variation>
+    <a:lumMod val="70000"/>
+    <a:lumOff val="30000"/>
+  </cs:variation>
+  <cs:variation>
+    <a:lumMod val="70000"/>
+  </cs:variation>
+  <cs:variation>
+    <a:lumMod val="50000"/>
+    <a:lumOff val="50000"/>
+  </cs:variation>
+</cs:colorStyle>
+</file>
+
+<file path=ppt/charts/colors4.xml><?xml version="1.0" encoding="utf-8"?>
+<cs:colorStyle xmlns:cs="http://schemas.microsoft.com/office/drawing/2012/chartStyle" xmlns:a="http://schemas.openxmlformats.org/drawingml/2006/main" meth="cycle" id="10">
+  <a:schemeClr val="accent1"/>
+  <a:schemeClr val="accent2"/>
+  <a:schemeClr val="accent3"/>
+  <a:schemeClr val="accent4"/>
+  <a:schemeClr val="accent5"/>
+  <a:schemeClr val="accent6"/>
+  <cs:variation/>
+  <cs:variation>
+    <a:lumMod val="60000"/>
+  </cs:variation>
+  <cs:variation>
+    <a:lumMod val="80000"/>
+    <a:lumOff val="20000"/>
+  </cs:variation>
+  <cs:variation>
+    <a:lumMod val="80000"/>
+  </cs:variation>
+  <cs:variation>
+    <a:lumMod val="60000"/>
+    <a:lumOff val="40000"/>
+  </cs:variation>
+  <cs:variation>
+    <a:lumMod val="50000"/>
+  </cs:variation>
+  <cs:variation>
+    <a:lumMod val="70000"/>
+    <a:lumOff val="30000"/>
+  </cs:variation>
+  <cs:variation>
+    <a:lumMod val="70000"/>
+  </cs:variation>
+  <cs:variation>
+    <a:lumMod val="50000"/>
+    <a:lumOff val="50000"/>
+  </cs:variation>
+</cs:colorStyle>
+</file>
+
+<file path=ppt/charts/colors5.xml><?xml version="1.0" encoding="utf-8"?>
+<cs:colorStyle xmlns:cs="http://schemas.microsoft.com/office/drawing/2012/chartStyle" xmlns:a="http://schemas.openxmlformats.org/drawingml/2006/main" meth="cycle" id="10">
+  <a:schemeClr val="accent1"/>
+  <a:schemeClr val="accent2"/>
+  <a:schemeClr val="accent3"/>
+  <a:schemeClr val="accent4"/>
+  <a:schemeClr val="accent5"/>
+  <a:schemeClr val="accent6"/>
+  <cs:variation/>
+  <cs:variation>
+    <a:lumMod val="60000"/>
+  </cs:variation>
+  <cs:variation>
+    <a:lumMod val="80000"/>
+    <a:lumOff val="20000"/>
+  </cs:variation>
+  <cs:variation>
+    <a:lumMod val="80000"/>
+  </cs:variation>
+  <cs:variation>
+    <a:lumMod val="60000"/>
+    <a:lumOff val="40000"/>
+  </cs:variation>
+  <cs:variation>
+    <a:lumMod val="50000"/>
+  </cs:variation>
+  <cs:variation>
+    <a:lumMod val="70000"/>
+    <a:lumOff val="30000"/>
+  </cs:variation>
+  <cs:variation>
+    <a:lumMod val="70000"/>
+  </cs:variation>
+  <cs:variation>
+    <a:lumMod val="50000"/>
+    <a:lumOff val="50000"/>
+  </cs:variation>
+</cs:colorStyle>
+</file>
+
+<file path=ppt/charts/colors6.xml><?xml version="1.0" encoding="utf-8"?>
+<cs:colorStyle xmlns:cs="http://schemas.microsoft.com/office/drawing/2012/chartStyle" xmlns:a="http://schemas.openxmlformats.org/drawingml/2006/main" meth="cycle" id="10">
+  <a:schemeClr val="accent1"/>
+  <a:schemeClr val="accent2"/>
+  <a:schemeClr val="accent3"/>
+  <a:schemeClr val="accent4"/>
+  <a:schemeClr val="accent5"/>
+  <a:schemeClr val="accent6"/>
+  <cs:variation/>
+  <cs:variation>
+    <a:lumMod val="60000"/>
+  </cs:variation>
+  <cs:variation>
+    <a:lumMod val="80000"/>
+    <a:lumOff val="20000"/>
+  </cs:variation>
+  <cs:variation>
+    <a:lumMod val="80000"/>
+  </cs:variation>
+  <cs:variation>
+    <a:lumMod val="60000"/>
+    <a:lumOff val="40000"/>
+  </cs:variation>
+  <cs:variation>
+    <a:lumMod val="50000"/>
+  </cs:variation>
+  <cs:variation>
+    <a:lumMod val="70000"/>
+    <a:lumOff val="30000"/>
+  </cs:variation>
+  <cs:variation>
+    <a:lumMod val="70000"/>
+  </cs:variation>
+  <cs:variation>
+    <a:lumMod val="50000"/>
+    <a:lumOff val="50000"/>
+  </cs:variation>
+</cs:colorStyle>
+</file>
+
+<file path=ppt/charts/colors7.xml><?xml version="1.0" encoding="utf-8"?>
+<cs:colorStyle xmlns:cs="http://schemas.microsoft.com/office/drawing/2012/chartStyle" xmlns:a="http://schemas.openxmlformats.org/drawingml/2006/main" meth="cycle" id="10">
+  <a:schemeClr val="accent1"/>
+  <a:schemeClr val="accent2"/>
+  <a:schemeClr val="accent3"/>
+  <a:schemeClr val="accent4"/>
+  <a:schemeClr val="accent5"/>
+  <a:schemeClr val="accent6"/>
+  <cs:variation/>
+  <cs:variation>
+    <a:lumMod val="60000"/>
+  </cs:variation>
+  <cs:variation>
+    <a:lumMod val="80000"/>
+    <a:lumOff val="20000"/>
+  </cs:variation>
+  <cs:variation>
+    <a:lumMod val="80000"/>
+  </cs:variation>
+  <cs:variation>
+    <a:lumMod val="60000"/>
+    <a:lumOff val="40000"/>
+  </cs:variation>
+  <cs:variation>
+    <a:lumMod val="50000"/>
+  </cs:variation>
+  <cs:variation>
+    <a:lumMod val="70000"/>
+    <a:lumOff val="30000"/>
+  </cs:variation>
+  <cs:variation>
+    <a:lumMod val="70000"/>
+  </cs:variation>
+  <cs:variation>
+    <a:lumMod val="50000"/>
+    <a:lumOff val="50000"/>
+  </cs:variation>
+</cs:colorStyle>
+</file>
+
+<file path=ppt/charts/colors8.xml><?xml version="1.0" encoding="utf-8"?>
+<cs:colorStyle xmlns:cs="http://schemas.microsoft.com/office/drawing/2012/chartStyle" xmlns:a="http://schemas.openxmlformats.org/drawingml/2006/main" meth="cycle" id="10">
+  <a:schemeClr val="accent1"/>
+  <a:schemeClr val="accent2"/>
+  <a:schemeClr val="accent3"/>
+  <a:schemeClr val="accent4"/>
+  <a:schemeClr val="accent5"/>
+  <a:schemeClr val="accent6"/>
+  <cs:variation/>
+  <cs:variation>
+    <a:lumMod val="60000"/>
+  </cs:variation>
+  <cs:variation>
+    <a:lumMod val="80000"/>
+    <a:lumOff val="20000"/>
+  </cs:variation>
+  <cs:variation>
+    <a:lumMod val="80000"/>
+  </cs:variation>
+  <cs:variation>
+    <a:lumMod val="60000"/>
+    <a:lumOff val="40000"/>
+  </cs:variation>
+  <cs:variation>
+    <a:lumMod val="50000"/>
+  </cs:variation>
+  <cs:variation>
+    <a:lumMod val="70000"/>
+    <a:lumOff val="30000"/>
+  </cs:variation>
+  <cs:variation>
+    <a:lumMod val="70000"/>
+  </cs:variation>
+  <cs:variation>
+    <a:lumMod val="50000"/>
+    <a:lumOff val="50000"/>
+  </cs:variation>
+</cs:colorStyle>
+</file>
+
+<file path=ppt/charts/style1.xml><?xml version="1.0" encoding="utf-8"?>
+<cs:chartStyle xmlns:cs="http://schemas.microsoft.com/office/drawing/2012/chartStyle" xmlns:a="http://schemas.openxmlformats.org/drawingml/2006/main" id="332">
+  <cs:axisTitle>
+    <cs:lnRef idx="0"/>
+    <cs:fillRef idx="0"/>
+    <cs:effectRef idx="0"/>
+    <cs:fontRef idx="minor">
+      <a:schemeClr val="tx1">
+        <a:lumMod val="65000"/>
+        <a:lumOff val="35000"/>
+      </a:schemeClr>
+    </cs:fontRef>
+    <cs:defRPr sz="1000" kern="1200"/>
+  </cs:axisTitle>
+  <cs:categoryAxis>
+    <cs:lnRef idx="0"/>
+    <cs:fillRef idx="0"/>
+    <cs:effectRef idx="0"/>
+    <cs:fontRef idx="minor">
+      <a:schemeClr val="tx1">
+        <a:lumMod val="65000"/>
+        <a:lumOff val="35000"/>
+      </a:schemeClr>
+    </cs:fontRef>
+    <cs:spPr>
+      <a:ln w="9525" cap="flat" cmpd="sng" algn="ctr">
+        <a:solidFill>
+          <a:schemeClr val="tx1">
+            <a:lumMod val="15000"/>
+            <a:lumOff val="85000"/>
+          </a:schemeClr>
+        </a:solidFill>
+        <a:round/>
+      </a:ln>
+    </cs:spPr>
+    <cs:defRPr sz="900" kern="1200"/>
+  </cs:categoryAxis>
+  <cs:chartArea mods="allowNoFillOverride allowNoLineOverride">
+    <cs:lnRef idx="0"/>
+    <cs:fillRef idx="0"/>
+    <cs:effectRef idx="0"/>
+    <cs:fontRef idx="minor">
+      <a:schemeClr val="tx1"/>
+    </cs:fontRef>
+    <cs:spPr>
+      <a:solidFill>
+        <a:schemeClr val="bg1"/>
+      </a:solidFill>
+      <a:ln w="9525" cap="flat" cmpd="sng" algn="ctr">
+        <a:solidFill>
+          <a:schemeClr val="tx1">
+            <a:lumMod val="15000"/>
+            <a:lumOff val="85000"/>
+          </a:schemeClr>
+        </a:solidFill>
+        <a:round/>
+      </a:ln>
+    </cs:spPr>
+    <cs:defRPr sz="1000" kern="1200"/>
+  </cs:chartArea>
+  <cs:dataLabel>
+    <cs:lnRef idx="0"/>
+    <cs:fillRef idx="0"/>
+    <cs:effectRef idx="0"/>
+    <cs:fontRef idx="minor">
+      <a:schemeClr val="tx1">
+        <a:lumMod val="75000"/>
+        <a:lumOff val="25000"/>
+      </a:schemeClr>
+    </cs:fontRef>
+    <cs:defRPr sz="900" kern="1200"/>
+  </cs:dataLabel>
+  <cs:dataLabelCallout>
+    <cs:lnRef idx="0"/>
+    <cs:fillRef idx="0"/>
+    <cs:effectRef idx="0"/>
+    <cs:fontRef idx="minor">
+      <a:schemeClr val="dk1">
+        <a:lumMod val="65000"/>
+        <a:lumOff val="35000"/>
+      </a:schemeClr>
+    </cs:fontRef>
+    <cs:spPr>
+      <a:solidFill>
+        <a:schemeClr val="lt1"/>
+      </a:solidFill>
+      <a:ln>
+        <a:solidFill>
+          <a:schemeClr val="dk1">
+            <a:lumMod val="25000"/>
+            <a:lumOff val="75000"/>
+          </a:schemeClr>
+        </a:solidFill>
+      </a:ln>
+    </cs:spPr>
+    <cs:defRPr sz="900" kern="1200"/>
+    <cs:bodyPr rot="0" spcFirstLastPara="1" vertOverflow="clip" horzOverflow="clip" vert="horz" wrap="square" lIns="36576" tIns="18288" rIns="36576" bIns="18288" anchor="ctr" anchorCtr="1">
+      <a:spAutoFit/>
+    </cs:bodyPr>
+  </cs:dataLabelCallout>
+  <cs:dataPoint>
+    <cs:lnRef idx="0"/>
+    <cs:fillRef idx="1">
+      <cs:styleClr val="auto"/>
+    </cs:fillRef>
+    <cs:effectRef idx="0"/>
+    <cs:fontRef idx="minor">
+      <a:schemeClr val="tx1"/>
+    </cs:fontRef>
+  </cs:dataPoint>
+  <cs:dataPoint3D>
+    <cs:lnRef idx="0"/>
+    <cs:fillRef idx="1">
+      <cs:styleClr val="auto"/>
+    </cs:fillRef>
+    <cs:effectRef idx="0"/>
+    <cs:fontRef idx="minor">
+      <a:schemeClr val="tx1"/>
+    </cs:fontRef>
+  </cs:dataPoint3D>
+  <cs:dataPointLine>
+    <cs:lnRef idx="0">
+      <cs:styleClr val="auto"/>
+    </cs:lnRef>
+    <cs:fillRef idx="1"/>
+    <cs:effectRef idx="0"/>
+    <cs:fontRef idx="minor">
+      <a:schemeClr val="tx1"/>
+    </cs:fontRef>
+    <cs:spPr>
+      <a:ln w="28575" cap="rnd">
+        <a:solidFill>
+          <a:schemeClr val="phClr"/>
+        </a:solidFill>
+        <a:round/>
+      </a:ln>
+    </cs:spPr>
+  </cs:dataPointLine>
+  <cs:dataPointMarker>
+    <cs:lnRef idx="0">
+      <cs:styleClr val="auto"/>
+    </cs:lnRef>
+    <cs:fillRef idx="1">
+      <cs:styleClr val="auto"/>
+    </cs:fillRef>
+    <cs:effectRef idx="0"/>
+    <cs:fontRef idx="minor">
+      <a:schemeClr val="tx1"/>
+    </cs:fontRef>
+    <cs:spPr>
+      <a:ln w="9525">
+        <a:solidFill>
+          <a:schemeClr val="phClr"/>
+        </a:solidFill>
+      </a:ln>
+    </cs:spPr>
+  </cs:dataPointMarker>
+  <cs:dataPointMarkerLayout symbol="circle" size="5"/>
+  <cs:dataPointWireframe>
+    <cs:lnRef idx="0">
+      <cs:styleClr val="auto"/>
+    </cs:lnRef>
+    <cs:fillRef idx="1"/>
+    <cs:effectRef idx="0"/>
+    <cs:fontRef idx="minor">
+      <a:schemeClr val="tx1"/>
+    </cs:fontRef>
+    <cs:spPr>
+      <a:ln w="9525" cap="rnd">
+        <a:solidFill>
+          <a:schemeClr val="phClr"/>
+        </a:solidFill>
+        <a:round/>
+      </a:ln>
+    </cs:spPr>
+  </cs:dataPointWireframe>
+  <cs:dataTable>
+    <cs:lnRef idx="0"/>
+    <cs:fillRef idx="0"/>
+    <cs:effectRef idx="0"/>
+    <cs:fontRef idx="minor">
+      <a:schemeClr val="tx1">
+        <a:lumMod val="65000"/>
+        <a:lumOff val="35000"/>
+      </a:schemeClr>
+    </cs:fontRef>
+    <cs:spPr>
+      <a:noFill/>
+      <a:ln w="9525" cap="flat" cmpd="sng" algn="ctr">
+        <a:solidFill>
+          <a:schemeClr val="tx1">
+            <a:lumMod val="15000"/>
+            <a:lumOff val="85000"/>
+          </a:schemeClr>
+        </a:solidFill>
+        <a:round/>
+      </a:ln>
+    </cs:spPr>
+    <cs:defRPr sz="900" kern="1200"/>
+  </cs:dataTable>
+  <cs:downBar>
+    <cs:lnRef idx="0"/>
+    <cs:fillRef idx="0"/>
+    <cs:effectRef idx="0"/>
+    <cs:fontRef idx="minor">
+      <a:schemeClr val="dk1"/>
+    </cs:fontRef>
+    <cs:spPr>
+      <a:solidFill>
+        <a:schemeClr val="dk1">
+          <a:lumMod val="65000"/>
+          <a:lumOff val="35000"/>
+        </a:schemeClr>
+      </a:solidFill>
+      <a:ln w="9525">
+        <a:solidFill>
+          <a:schemeClr val="tx1">
+            <a:lumMod val="65000"/>
+            <a:lumOff val="35000"/>
+          </a:schemeClr>
+        </a:solidFill>
+      </a:ln>
+    </cs:spPr>
+  </cs:downBar>
+  <cs:dropLine>
+    <cs:lnRef idx="0"/>
+    <cs:fillRef idx="0"/>
+    <cs:effectRef idx="0"/>
+    <cs:fontRef idx="minor">
+      <a:schemeClr val="tx1"/>
+    </cs:fontRef>
+    <cs:spPr>
+      <a:ln w="9525" cap="flat" cmpd="sng" algn="ctr">
+        <a:solidFill>
+          <a:schemeClr val="tx1">
+            <a:lumMod val="35000"/>
+            <a:lumOff val="65000"/>
+          </a:schemeClr>
+        </a:solidFill>
+        <a:round/>
+      </a:ln>
+    </cs:spPr>
+  </cs:dropLine>
+  <cs:errorBar>
+    <cs:lnRef idx="0"/>
+    <cs:fillRef idx="0"/>
+    <cs:effectRef idx="0"/>
+    <cs:fontRef idx="minor">
+      <a:schemeClr val="tx1"/>
+    </cs:fontRef>
+    <cs:spPr>
+      <a:ln w="9525" cap="flat" cmpd="sng" algn="ctr">
+        <a:solidFill>
+          <a:schemeClr val="tx1">
+            <a:lumMod val="65000"/>
+            <a:lumOff val="35000"/>
+          </a:schemeClr>
+        </a:solidFill>
+        <a:round/>
+      </a:ln>
+    </cs:spPr>
+  </cs:errorBar>
+  <cs:floor>
+    <cs:lnRef idx="0"/>
+    <cs:fillRef idx="0"/>
+    <cs:effectRef idx="0"/>
+    <cs:fontRef idx="minor">
+      <a:schemeClr val="tx1"/>
+    </cs:fontRef>
+    <cs:spPr>
+      <a:noFill/>
+      <a:ln>
+        <a:noFill/>
+      </a:ln>
+    </cs:spPr>
+  </cs:floor>
+  <cs:gridlineMajor>
+    <cs:lnRef idx="0"/>
+    <cs:fillRef idx="0"/>
+    <cs:effectRef idx="0"/>
+    <cs:fontRef idx="minor">
+      <a:schemeClr val="tx1"/>
+    </cs:fontRef>
+    <cs:spPr>
+      <a:ln w="9525" cap="flat" cmpd="sng" algn="ctr">
+        <a:solidFill>
+          <a:schemeClr val="tx1">
+            <a:lumMod val="15000"/>
+            <a:lumOff val="85000"/>
+          </a:schemeClr>
+        </a:solidFill>
+        <a:round/>
+      </a:ln>
+    </cs:spPr>
+  </cs:gridlineMajor>
+  <cs:gridlineMinor>
+    <cs:lnRef idx="0"/>
+    <cs:fillRef idx="0"/>
+    <cs:effectRef idx="0"/>
+    <cs:fontRef idx="minor">
+      <a:schemeClr val="tx1"/>
+    </cs:fontRef>
+    <cs:spPr>
+      <a:ln w="9525" cap="flat" cmpd="sng" algn="ctr">
+        <a:solidFill>
+          <a:schemeClr val="tx1">
+            <a:lumMod val="5000"/>
+            <a:lumOff val="95000"/>
+          </a:schemeClr>
+        </a:solidFill>
+        <a:round/>
+      </a:ln>
+    </cs:spPr>
+  </cs:gridlineMinor>
+  <cs:hiLoLine>
+    <cs:lnRef idx="0"/>
+    <cs:fillRef idx="0"/>
+    <cs:effectRef idx="0"/>
+    <cs:fontRef idx="minor">
+      <a:schemeClr val="tx1"/>
+    </cs:fontRef>
+    <cs:spPr>
+      <a:ln w="9525" cap="flat" cmpd="sng" algn="ctr">
+        <a:solidFill>
+          <a:schemeClr val="tx1">
+            <a:lumMod val="75000"/>
+            <a:lumOff val="25000"/>
+          </a:schemeClr>
+        </a:solidFill>
+        <a:round/>
+      </a:ln>
+    </cs:spPr>
+  </cs:hiLoLine>
+  <cs:leaderLine>
+    <cs:lnRef idx="0"/>
+    <cs:fillRef idx="0"/>
+    <cs:effectRef idx="0"/>
+    <cs:fontRef idx="minor">
+      <a:schemeClr val="tx1"/>
+    </cs:fontRef>
+    <cs:spPr>
+      <a:ln w="9525" cap="flat" cmpd="sng" algn="ctr">
+        <a:solidFill>
+          <a:schemeClr val="tx1">
+            <a:lumMod val="35000"/>
+            <a:lumOff val="65000"/>
+          </a:schemeClr>
+        </a:solidFill>
+        <a:round/>
+      </a:ln>
+    </cs:spPr>
+  </cs:leaderLine>
+  <cs:legend>
+    <cs:lnRef idx="0"/>
+    <cs:fillRef idx="0"/>
+    <cs:effectRef idx="0"/>
+    <cs:fontRef idx="minor">
+      <a:schemeClr val="tx1">
+        <a:lumMod val="65000"/>
+        <a:lumOff val="35000"/>
+      </a:schemeClr>
+    </cs:fontRef>
+    <cs:defRPr sz="900" kern="1200"/>
+  </cs:legend>
+  <cs:plotArea mods="allowNoFillOverride allowNoLineOverride">
+    <cs:lnRef idx="0"/>
+    <cs:fillRef idx="0"/>
+    <cs:effectRef idx="0"/>
+    <cs:fontRef idx="minor">
+      <a:schemeClr val="tx1"/>
+    </cs:fontRef>
+  </cs:plotArea>
+  <cs:plotArea3D mods="allowNoFillOverride allowNoLineOverride">
+    <cs:lnRef idx="0"/>
+    <cs:fillRef idx="0"/>
+    <cs:effectRef idx="0"/>
+    <cs:fontRef idx="minor">
+      <a:schemeClr val="tx1"/>
+    </cs:fontRef>
+  </cs:plotArea3D>
+  <cs:seriesAxis>
+    <cs:lnRef idx="0"/>
+    <cs:fillRef idx="0"/>
+    <cs:effectRef idx="0"/>
+    <cs:fontRef idx="minor">
+      <a:schemeClr val="tx1">
+        <a:lumMod val="65000"/>
+        <a:lumOff val="35000"/>
+      </a:schemeClr>
+    </cs:fontRef>
+    <cs:defRPr sz="900" kern="1200"/>
+  </cs:seriesAxis>
+  <cs:seriesLine>
+    <cs:lnRef idx="0"/>
+    <cs:fillRef idx="0"/>
+    <cs:effectRef idx="0"/>
+    <cs:fontRef idx="minor">
+      <a:schemeClr val="tx1"/>
+    </cs:fontRef>
+    <cs:spPr>
+      <a:ln w="9525" cap="flat" cmpd="sng" algn="ctr">
+        <a:solidFill>
+          <a:schemeClr val="tx1">
+            <a:lumMod val="35000"/>
+            <a:lumOff val="65000"/>
+          </a:schemeClr>
+        </a:solidFill>
+        <a:round/>
+      </a:ln>
+    </cs:spPr>
+  </cs:seriesLine>
+  <cs:title>
+    <cs:lnRef idx="0"/>
+    <cs:fillRef idx="0"/>
+    <cs:effectRef idx="0"/>
+    <cs:fontRef idx="minor">
+      <a:schemeClr val="tx1">
+        <a:lumMod val="65000"/>
+        <a:lumOff val="35000"/>
+      </a:schemeClr>
+    </cs:fontRef>
+    <cs:defRPr sz="1400" b="0" kern="1200" spc="0" baseline="0"/>
+  </cs:title>
+  <cs:trendline>
+    <cs:lnRef idx="0">
+      <cs:styleClr val="auto"/>
+    </cs:lnRef>
+    <cs:fillRef idx="0"/>
+    <cs:effectRef idx="0"/>
+    <cs:fontRef idx="minor">
+      <a:schemeClr val="tx1"/>
+    </cs:fontRef>
+    <cs:spPr>
+      <a:ln w="19050" cap="rnd">
+        <a:solidFill>
+          <a:schemeClr val="phClr"/>
+        </a:solidFill>
+        <a:prstDash val="sysDot"/>
+      </a:ln>
+    </cs:spPr>
+  </cs:trendline>
+  <cs:trendlineLabel>
+    <cs:lnRef idx="0"/>
+    <cs:fillRef idx="0"/>
+    <cs:effectRef idx="0"/>
+    <cs:fontRef idx="minor">
+      <a:schemeClr val="tx1">
+        <a:lumMod val="65000"/>
+        <a:lumOff val="35000"/>
+      </a:schemeClr>
+    </cs:fontRef>
+    <cs:defRPr sz="900" kern="1200"/>
+  </cs:trendlineLabel>
+  <cs:upBar>
+    <cs:lnRef idx="0"/>
+    <cs:fillRef idx="0"/>
+    <cs:effectRef idx="0"/>
+    <cs:fontRef idx="minor">
+      <a:schemeClr val="dk1"/>
+    </cs:fontRef>
+    <cs:spPr>
+      <a:solidFill>
+        <a:schemeClr val="lt1"/>
+      </a:solidFill>
+      <a:ln w="9525">
+        <a:solidFill>
+          <a:schemeClr val="tx1">
+            <a:lumMod val="15000"/>
+            <a:lumOff val="85000"/>
+          </a:schemeClr>
+        </a:solidFill>
+      </a:ln>
+    </cs:spPr>
+  </cs:upBar>
+  <cs:valueAxis>
+    <cs:lnRef idx="0"/>
+    <cs:fillRef idx="0"/>
+    <cs:effectRef idx="0"/>
+    <cs:fontRef idx="minor">
+      <a:schemeClr val="tx1">
+        <a:lumMod val="65000"/>
+        <a:lumOff val="35000"/>
+      </a:schemeClr>
+    </cs:fontRef>
+    <cs:defRPr sz="900" kern="1200"/>
+  </cs:valueAxis>
+  <cs:wall>
+    <cs:lnRef idx="0"/>
+    <cs:fillRef idx="0"/>
+    <cs:effectRef idx="0"/>
+    <cs:fontRef idx="minor">
+      <a:schemeClr val="tx1"/>
+    </cs:fontRef>
+    <cs:spPr>
+      <a:noFill/>
+      <a:ln>
+        <a:noFill/>
+      </a:ln>
+    </cs:spPr>
+  </cs:wall>
+</cs:chartStyle>
+</file>
+
+<file path=ppt/charts/style2.xml><?xml version="1.0" encoding="utf-8"?>
+<cs:chartStyle xmlns:cs="http://schemas.microsoft.com/office/drawing/2012/chartStyle" xmlns:a="http://schemas.openxmlformats.org/drawingml/2006/main" id="332">
+  <cs:axisTitle>
+    <cs:lnRef idx="0"/>
+    <cs:fillRef idx="0"/>
+    <cs:effectRef idx="0"/>
+    <cs:fontRef idx="minor">
+      <a:schemeClr val="tx1">
+        <a:lumMod val="65000"/>
+        <a:lumOff val="35000"/>
+      </a:schemeClr>
+    </cs:fontRef>
+    <cs:defRPr sz="1000" kern="1200"/>
+  </cs:axisTitle>
+  <cs:categoryAxis>
+    <cs:lnRef idx="0"/>
+    <cs:fillRef idx="0"/>
+    <cs:effectRef idx="0"/>
+    <cs:fontRef idx="minor">
+      <a:schemeClr val="tx1">
+        <a:lumMod val="65000"/>
+        <a:lumOff val="35000"/>
+      </a:schemeClr>
+    </cs:fontRef>
+    <cs:spPr>
+      <a:ln w="9525" cap="flat" cmpd="sng" algn="ctr">
+        <a:solidFill>
+          <a:schemeClr val="tx1">
+            <a:lumMod val="15000"/>
+            <a:lumOff val="85000"/>
+          </a:schemeClr>
+        </a:solidFill>
+        <a:round/>
+      </a:ln>
+    </cs:spPr>
+    <cs:defRPr sz="900" kern="1200"/>
+  </cs:categoryAxis>
+  <cs:chartArea mods="allowNoFillOverride allowNoLineOverride">
+    <cs:lnRef idx="0"/>
+    <cs:fillRef idx="0"/>
+    <cs:effectRef idx="0"/>
+    <cs:fontRef idx="minor">
+      <a:schemeClr val="tx1"/>
+    </cs:fontRef>
+    <cs:spPr>
+      <a:solidFill>
+        <a:schemeClr val="bg1"/>
+      </a:solidFill>
+      <a:ln w="9525" cap="flat" cmpd="sng" algn="ctr">
+        <a:solidFill>
+          <a:schemeClr val="tx1">
+            <a:lumMod val="15000"/>
+            <a:lumOff val="85000"/>
+          </a:schemeClr>
+        </a:solidFill>
+        <a:round/>
+      </a:ln>
+    </cs:spPr>
+    <cs:defRPr sz="1000" kern="1200"/>
+  </cs:chartArea>
+  <cs:dataLabel>
+    <cs:lnRef idx="0"/>
+    <cs:fillRef idx="0"/>
+    <cs:effectRef idx="0"/>
+    <cs:fontRef idx="minor">
+      <a:schemeClr val="tx1">
+        <a:lumMod val="75000"/>
+        <a:lumOff val="25000"/>
+      </a:schemeClr>
+    </cs:fontRef>
+    <cs:defRPr sz="900" kern="1200"/>
+  </cs:dataLabel>
+  <cs:dataLabelCallout>
+    <cs:lnRef idx="0"/>
+    <cs:fillRef idx="0"/>
+    <cs:effectRef idx="0"/>
+    <cs:fontRef idx="minor">
+      <a:schemeClr val="dk1">
+        <a:lumMod val="65000"/>
+        <a:lumOff val="35000"/>
+      </a:schemeClr>
+    </cs:fontRef>
+    <cs:spPr>
+      <a:solidFill>
+        <a:schemeClr val="lt1"/>
+      </a:solidFill>
+      <a:ln>
+        <a:solidFill>
+          <a:schemeClr val="dk1">
+            <a:lumMod val="25000"/>
+            <a:lumOff val="75000"/>
+          </a:schemeClr>
+        </a:solidFill>
+      </a:ln>
+    </cs:spPr>
+    <cs:defRPr sz="900" kern="1200"/>
+    <cs:bodyPr rot="0" spcFirstLastPara="1" vertOverflow="clip" horzOverflow="clip" vert="horz" wrap="square" lIns="36576" tIns="18288" rIns="36576" bIns="18288" anchor="ctr" anchorCtr="1">
+      <a:spAutoFit/>
+    </cs:bodyPr>
+  </cs:dataLabelCallout>
+  <cs:dataPoint>
+    <cs:lnRef idx="0"/>
+    <cs:fillRef idx="1">
+      <cs:styleClr val="auto"/>
+    </cs:fillRef>
+    <cs:effectRef idx="0"/>
+    <cs:fontRef idx="minor">
+      <a:schemeClr val="tx1"/>
+    </cs:fontRef>
+  </cs:dataPoint>
+  <cs:dataPoint3D>
+    <cs:lnRef idx="0"/>
+    <cs:fillRef idx="1">
+      <cs:styleClr val="auto"/>
+    </cs:fillRef>
+    <cs:effectRef idx="0"/>
+    <cs:fontRef idx="minor">
+      <a:schemeClr val="tx1"/>
+    </cs:fontRef>
+  </cs:dataPoint3D>
+  <cs:dataPointLine>
+    <cs:lnRef idx="0">
+      <cs:styleClr val="auto"/>
+    </cs:lnRef>
+    <cs:fillRef idx="1"/>
+    <cs:effectRef idx="0"/>
+    <cs:fontRef idx="minor">
+      <a:schemeClr val="tx1"/>
+    </cs:fontRef>
+    <cs:spPr>
+      <a:ln w="28575" cap="rnd">
+        <a:solidFill>
+          <a:schemeClr val="phClr"/>
+        </a:solidFill>
+        <a:round/>
+      </a:ln>
+    </cs:spPr>
+  </cs:dataPointLine>
+  <cs:dataPointMarker>
+    <cs:lnRef idx="0">
+      <cs:styleClr val="auto"/>
+    </cs:lnRef>
+    <cs:fillRef idx="1">
+      <cs:styleClr val="auto"/>
+    </cs:fillRef>
+    <cs:effectRef idx="0"/>
+    <cs:fontRef idx="minor">
+      <a:schemeClr val="tx1"/>
+    </cs:fontRef>
+    <cs:spPr>
+      <a:ln w="9525">
+        <a:solidFill>
+          <a:schemeClr val="phClr"/>
+        </a:solidFill>
+      </a:ln>
+    </cs:spPr>
+  </cs:dataPointMarker>
+  <cs:dataPointMarkerLayout symbol="circle" size="5"/>
+  <cs:dataPointWireframe>
+    <cs:lnRef idx="0">
+      <cs:styleClr val="auto"/>
+    </cs:lnRef>
+    <cs:fillRef idx="1"/>
+    <cs:effectRef idx="0"/>
+    <cs:fontRef idx="minor">
+      <a:schemeClr val="tx1"/>
+    </cs:fontRef>
+    <cs:spPr>
+      <a:ln w="9525" cap="rnd">
+        <a:solidFill>
+          <a:schemeClr val="phClr"/>
+        </a:solidFill>
+        <a:round/>
+      </a:ln>
+    </cs:spPr>
+  </cs:dataPointWireframe>
+  <cs:dataTable>
+    <cs:lnRef idx="0"/>
+    <cs:fillRef idx="0"/>
+    <cs:effectRef idx="0"/>
+    <cs:fontRef idx="minor">
+      <a:schemeClr val="tx1">
+        <a:lumMod val="65000"/>
+        <a:lumOff val="35000"/>
+      </a:schemeClr>
+    </cs:fontRef>
+    <cs:spPr>
+      <a:noFill/>
+      <a:ln w="9525" cap="flat" cmpd="sng" algn="ctr">
+        <a:solidFill>
+          <a:schemeClr val="tx1">
+            <a:lumMod val="15000"/>
+            <a:lumOff val="85000"/>
+          </a:schemeClr>
+        </a:solidFill>
+        <a:round/>
+      </a:ln>
+    </cs:spPr>
+    <cs:defRPr sz="900" kern="1200"/>
+  </cs:dataTable>
+  <cs:downBar>
+    <cs:lnRef idx="0"/>
+    <cs:fillRef idx="0"/>
+    <cs:effectRef idx="0"/>
+    <cs:fontRef idx="minor">
+      <a:schemeClr val="dk1"/>
+    </cs:fontRef>
+    <cs:spPr>
+      <a:solidFill>
+        <a:schemeClr val="dk1">
+          <a:lumMod val="65000"/>
+          <a:lumOff val="35000"/>
+        </a:schemeClr>
+      </a:solidFill>
+      <a:ln w="9525">
+        <a:solidFill>
+          <a:schemeClr val="tx1">
+            <a:lumMod val="65000"/>
+            <a:lumOff val="35000"/>
+          </a:schemeClr>
+        </a:solidFill>
+      </a:ln>
+    </cs:spPr>
+  </cs:downBar>
+  <cs:dropLine>
+    <cs:lnRef idx="0"/>
+    <cs:fillRef idx="0"/>
+    <cs:effectRef idx="0"/>
+    <cs:fontRef idx="minor">
+      <a:schemeClr val="tx1"/>
+    </cs:fontRef>
+    <cs:spPr>
+      <a:ln w="9525" cap="flat" cmpd="sng" algn="ctr">
+        <a:solidFill>
+          <a:schemeClr val="tx1">
+            <a:lumMod val="35000"/>
+            <a:lumOff val="65000"/>
+          </a:schemeClr>
+        </a:solidFill>
+        <a:round/>
+      </a:ln>
+    </cs:spPr>
+  </cs:dropLine>
+  <cs:errorBar>
+    <cs:lnRef idx="0"/>
+    <cs:fillRef idx="0"/>
+    <cs:effectRef idx="0"/>
+    <cs:fontRef idx="minor">
+      <a:schemeClr val="tx1"/>
+    </cs:fontRef>
+    <cs:spPr>
+      <a:ln w="9525" cap="flat" cmpd="sng" algn="ctr">
+        <a:solidFill>
+          <a:schemeClr val="tx1">
+            <a:lumMod val="65000"/>
+            <a:lumOff val="35000"/>
+          </a:schemeClr>
+        </a:solidFill>
+        <a:round/>
+      </a:ln>
+    </cs:spPr>
+  </cs:errorBar>
+  <cs:floor>
+    <cs:lnRef idx="0"/>
+    <cs:fillRef idx="0"/>
+    <cs:effectRef idx="0"/>
+    <cs:fontRef idx="minor">
+      <a:schemeClr val="tx1"/>
+    </cs:fontRef>
+    <cs:spPr>
+      <a:noFill/>
+      <a:ln>
+        <a:noFill/>
+      </a:ln>
+    </cs:spPr>
+  </cs:floor>
+  <cs:gridlineMajor>
+    <cs:lnRef idx="0"/>
+    <cs:fillRef idx="0"/>
+    <cs:effectRef idx="0"/>
+    <cs:fontRef idx="minor">
+      <a:schemeClr val="tx1"/>
+    </cs:fontRef>
+    <cs:spPr>
+      <a:ln w="9525" cap="flat" cmpd="sng" algn="ctr">
+        <a:solidFill>
+          <a:schemeClr val="tx1">
+            <a:lumMod val="15000"/>
+            <a:lumOff val="85000"/>
+          </a:schemeClr>
+        </a:solidFill>
+        <a:round/>
+      </a:ln>
+    </cs:spPr>
+  </cs:gridlineMajor>
+  <cs:gridlineMinor>
+    <cs:lnRef idx="0"/>
+    <cs:fillRef idx="0"/>
+    <cs:effectRef idx="0"/>
+    <cs:fontRef idx="minor">
+      <a:schemeClr val="tx1"/>
+    </cs:fontRef>
+    <cs:spPr>
+      <a:ln w="9525" cap="flat" cmpd="sng" algn="ctr">
+        <a:solidFill>
+          <a:schemeClr val="tx1">
+            <a:lumMod val="5000"/>
+            <a:lumOff val="95000"/>
+          </a:schemeClr>
+        </a:solidFill>
+        <a:round/>
+      </a:ln>
+    </cs:spPr>
+  </cs:gridlineMinor>
+  <cs:hiLoLine>
+    <cs:lnRef idx="0"/>
+    <cs:fillRef idx="0"/>
+    <cs:effectRef idx="0"/>
+    <cs:fontRef idx="minor">
+      <a:schemeClr val="tx1"/>
+    </cs:fontRef>
+    <cs:spPr>
+      <a:ln w="9525" cap="flat" cmpd="sng" algn="ctr">
+        <a:solidFill>
+          <a:schemeClr val="tx1">
+            <a:lumMod val="75000"/>
+            <a:lumOff val="25000"/>
+          </a:schemeClr>
+        </a:solidFill>
+        <a:round/>
+      </a:ln>
+    </cs:spPr>
+  </cs:hiLoLine>
+  <cs:leaderLine>
+    <cs:lnRef idx="0"/>
+    <cs:fillRef idx="0"/>
+    <cs:effectRef idx="0"/>
+    <cs:fontRef idx="minor">
+      <a:schemeClr val="tx1"/>
+    </cs:fontRef>
+    <cs:spPr>
+      <a:ln w="9525" cap="flat" cmpd="sng" algn="ctr">
+        <a:solidFill>
+          <a:schemeClr val="tx1">
+            <a:lumMod val="35000"/>
+            <a:lumOff val="65000"/>
+          </a:schemeClr>
+        </a:solidFill>
+        <a:round/>
+      </a:ln>
+    </cs:spPr>
+  </cs:leaderLine>
+  <cs:legend>
+    <cs:lnRef idx="0"/>
+    <cs:fillRef idx="0"/>
+    <cs:effectRef idx="0"/>
+    <cs:fontRef idx="minor">
+      <a:schemeClr val="tx1">
+        <a:lumMod val="65000"/>
+        <a:lumOff val="35000"/>
+      </a:schemeClr>
+    </cs:fontRef>
+    <cs:defRPr sz="900" kern="1200"/>
+  </cs:legend>
+  <cs:plotArea mods="allowNoFillOverride allowNoLineOverride">
+    <cs:lnRef idx="0"/>
+    <cs:fillRef idx="0"/>
+    <cs:effectRef idx="0"/>
+    <cs:fontRef idx="minor">
+      <a:schemeClr val="tx1"/>
+    </cs:fontRef>
+  </cs:plotArea>
+  <cs:plotArea3D mods="allowNoFillOverride allowNoLineOverride">
+    <cs:lnRef idx="0"/>
+    <cs:fillRef idx="0"/>
+    <cs:effectRef idx="0"/>
+    <cs:fontRef idx="minor">
+      <a:schemeClr val="tx1"/>
+    </cs:fontRef>
+  </cs:plotArea3D>
+  <cs:seriesAxis>
+    <cs:lnRef idx="0"/>
+    <cs:fillRef idx="0"/>
+    <cs:effectRef idx="0"/>
+    <cs:fontRef idx="minor">
+      <a:schemeClr val="tx1">
+        <a:lumMod val="65000"/>
+        <a:lumOff val="35000"/>
+      </a:schemeClr>
+    </cs:fontRef>
+    <cs:defRPr sz="900" kern="1200"/>
+  </cs:seriesAxis>
+  <cs:seriesLine>
+    <cs:lnRef idx="0"/>
+    <cs:fillRef idx="0"/>
+    <cs:effectRef idx="0"/>
+    <cs:fontRef idx="minor">
+      <a:schemeClr val="tx1"/>
+    </cs:fontRef>
+    <cs:spPr>
+      <a:ln w="9525" cap="flat" cmpd="sng" algn="ctr">
+        <a:solidFill>
+          <a:schemeClr val="tx1">
+            <a:lumMod val="35000"/>
+            <a:lumOff val="65000"/>
+          </a:schemeClr>
+        </a:solidFill>
+        <a:round/>
+      </a:ln>
+    </cs:spPr>
+  </cs:seriesLine>
+  <cs:title>
+    <cs:lnRef idx="0"/>
+    <cs:fillRef idx="0"/>
+    <cs:effectRef idx="0"/>
+    <cs:fontRef idx="minor">
+      <a:schemeClr val="tx1">
+        <a:lumMod val="65000"/>
+        <a:lumOff val="35000"/>
+      </a:schemeClr>
+    </cs:fontRef>
+    <cs:defRPr sz="1400" b="0" kern="1200" spc="0" baseline="0"/>
+  </cs:title>
+  <cs:trendline>
+    <cs:lnRef idx="0">
+      <cs:styleClr val="auto"/>
+    </cs:lnRef>
+    <cs:fillRef idx="0"/>
+    <cs:effectRef idx="0"/>
+    <cs:fontRef idx="minor">
+      <a:schemeClr val="tx1"/>
+    </cs:fontRef>
+    <cs:spPr>
+      <a:ln w="19050" cap="rnd">
+        <a:solidFill>
+          <a:schemeClr val="phClr"/>
+        </a:solidFill>
+        <a:prstDash val="sysDot"/>
+      </a:ln>
+    </cs:spPr>
+  </cs:trendline>
+  <cs:trendlineLabel>
+    <cs:lnRef idx="0"/>
+    <cs:fillRef idx="0"/>
+    <cs:effectRef idx="0"/>
+    <cs:fontRef idx="minor">
+      <a:schemeClr val="tx1">
+        <a:lumMod val="65000"/>
+        <a:lumOff val="35000"/>
+      </a:schemeClr>
+    </cs:fontRef>
+    <cs:defRPr sz="900" kern="1200"/>
+  </cs:trendlineLabel>
+  <cs:upBar>
+    <cs:lnRef idx="0"/>
+    <cs:fillRef idx="0"/>
+    <cs:effectRef idx="0"/>
+    <cs:fontRef idx="minor">
+      <a:schemeClr val="dk1"/>
+    </cs:fontRef>
+    <cs:spPr>
+      <a:solidFill>
+        <a:schemeClr val="lt1"/>
+      </a:solidFill>
+      <a:ln w="9525">
+        <a:solidFill>
+          <a:schemeClr val="tx1">
+            <a:lumMod val="15000"/>
+            <a:lumOff val="85000"/>
+          </a:schemeClr>
+        </a:solidFill>
+      </a:ln>
+    </cs:spPr>
+  </cs:upBar>
+  <cs:valueAxis>
+    <cs:lnRef idx="0"/>
+    <cs:fillRef idx="0"/>
+    <cs:effectRef idx="0"/>
+    <cs:fontRef idx="minor">
+      <a:schemeClr val="tx1">
+        <a:lumMod val="65000"/>
+        <a:lumOff val="35000"/>
+      </a:schemeClr>
+    </cs:fontRef>
+    <cs:defRPr sz="900" kern="1200"/>
+  </cs:valueAxis>
+  <cs:wall>
+    <cs:lnRef idx="0"/>
+    <cs:fillRef idx="0"/>
+    <cs:effectRef idx="0"/>
+    <cs:fontRef idx="minor">
+      <a:schemeClr val="tx1"/>
+    </cs:fontRef>
+    <cs:spPr>
+      <a:noFill/>
+      <a:ln>
+        <a:noFill/>
+      </a:ln>
+    </cs:spPr>
+  </cs:wall>
+</cs:chartStyle>
+</file>
+
+<file path=ppt/charts/style3.xml><?xml version="1.0" encoding="utf-8"?>
+<cs:chartStyle xmlns:cs="http://schemas.microsoft.com/office/drawing/2012/chartStyle" xmlns:a="http://schemas.openxmlformats.org/drawingml/2006/main" id="332">
+  <cs:axisTitle>
+    <cs:lnRef idx="0"/>
+    <cs:fillRef idx="0"/>
+    <cs:effectRef idx="0"/>
+    <cs:fontRef idx="minor">
+      <a:schemeClr val="tx1">
+        <a:lumMod val="65000"/>
+        <a:lumOff val="35000"/>
+      </a:schemeClr>
+    </cs:fontRef>
+    <cs:defRPr sz="1000" kern="1200"/>
+  </cs:axisTitle>
+  <cs:categoryAxis>
+    <cs:lnRef idx="0"/>
+    <cs:fillRef idx="0"/>
+    <cs:effectRef idx="0"/>
+    <cs:fontRef idx="minor">
+      <a:schemeClr val="tx1">
+        <a:lumMod val="65000"/>
+        <a:lumOff val="35000"/>
+      </a:schemeClr>
+    </cs:fontRef>
+    <cs:spPr>
+      <a:ln w="9525" cap="flat" cmpd="sng" algn="ctr">
+        <a:solidFill>
+          <a:schemeClr val="tx1">
+            <a:lumMod val="15000"/>
+            <a:lumOff val="85000"/>
+          </a:schemeClr>
+        </a:solidFill>
+        <a:round/>
+      </a:ln>
+    </cs:spPr>
+    <cs:defRPr sz="900" kern="1200"/>
+  </cs:categoryAxis>
+  <cs:chartArea mods="allowNoFillOverride allowNoLineOverride">
+    <cs:lnRef idx="0"/>
+    <cs:fillRef idx="0"/>
+    <cs:effectRef idx="0"/>
+    <cs:fontRef idx="minor">
+      <a:schemeClr val="tx1"/>
+    </cs:fontRef>
+    <cs:spPr>
+      <a:solidFill>
+        <a:schemeClr val="bg1"/>
+      </a:solidFill>
+      <a:ln w="9525" cap="flat" cmpd="sng" algn="ctr">
+        <a:solidFill>
+          <a:schemeClr val="tx1">
+            <a:lumMod val="15000"/>
+            <a:lumOff val="85000"/>
+          </a:schemeClr>
+        </a:solidFill>
+        <a:round/>
+      </a:ln>
+    </cs:spPr>
+    <cs:defRPr sz="1000" kern="1200"/>
+  </cs:chartArea>
+  <cs:dataLabel>
+    <cs:lnRef idx="0"/>
+    <cs:fillRef idx="0"/>
+    <cs:effectRef idx="0"/>
+    <cs:fontRef idx="minor">
+      <a:schemeClr val="tx1">
+        <a:lumMod val="75000"/>
+        <a:lumOff val="25000"/>
+      </a:schemeClr>
+    </cs:fontRef>
+    <cs:defRPr sz="900" kern="1200"/>
+  </cs:dataLabel>
+  <cs:dataLabelCallout>
+    <cs:lnRef idx="0"/>
+    <cs:fillRef idx="0"/>
+    <cs:effectRef idx="0"/>
+    <cs:fontRef idx="minor">
+      <a:schemeClr val="dk1">
+        <a:lumMod val="65000"/>
+        <a:lumOff val="35000"/>
+      </a:schemeClr>
+    </cs:fontRef>
+    <cs:spPr>
+      <a:solidFill>
+        <a:schemeClr val="lt1"/>
+      </a:solidFill>
+      <a:ln>
+        <a:solidFill>
+          <a:schemeClr val="dk1">
+            <a:lumMod val="25000"/>
+            <a:lumOff val="75000"/>
+          </a:schemeClr>
+        </a:solidFill>
+      </a:ln>
+    </cs:spPr>
+    <cs:defRPr sz="900" kern="1200"/>
+    <cs:bodyPr rot="0" spcFirstLastPara="1" vertOverflow="clip" horzOverflow="clip" vert="horz" wrap="square" lIns="36576" tIns="18288" rIns="36576" bIns="18288" anchor="ctr" anchorCtr="1">
+      <a:spAutoFit/>
+    </cs:bodyPr>
+  </cs:dataLabelCallout>
+  <cs:dataPoint>
+    <cs:lnRef idx="0"/>
+    <cs:fillRef idx="1">
+      <cs:styleClr val="auto"/>
+    </cs:fillRef>
+    <cs:effectRef idx="0"/>
+    <cs:fontRef idx="minor">
+      <a:schemeClr val="tx1"/>
+    </cs:fontRef>
+  </cs:dataPoint>
+  <cs:dataPoint3D>
+    <cs:lnRef idx="0"/>
+    <cs:fillRef idx="1">
+      <cs:styleClr val="auto"/>
+    </cs:fillRef>
+    <cs:effectRef idx="0"/>
+    <cs:fontRef idx="minor">
+      <a:schemeClr val="tx1"/>
+    </cs:fontRef>
+  </cs:dataPoint3D>
+  <cs:dataPointLine>
+    <cs:lnRef idx="0">
+      <cs:styleClr val="auto"/>
+    </cs:lnRef>
+    <cs:fillRef idx="1"/>
+    <cs:effectRef idx="0"/>
+    <cs:fontRef idx="minor">
+      <a:schemeClr val="tx1"/>
+    </cs:fontRef>
+    <cs:spPr>
+      <a:ln w="28575" cap="rnd">
+        <a:solidFill>
+          <a:schemeClr val="phClr"/>
+        </a:solidFill>
+        <a:round/>
+      </a:ln>
+    </cs:spPr>
+  </cs:dataPointLine>
+  <cs:dataPointMarker>
+    <cs:lnRef idx="0">
+      <cs:styleClr val="auto"/>
+    </cs:lnRef>
+    <cs:fillRef idx="1">
+      <cs:styleClr val="auto"/>
+    </cs:fillRef>
+    <cs:effectRef idx="0"/>
+    <cs:fontRef idx="minor">
+      <a:schemeClr val="tx1"/>
+    </cs:fontRef>
+    <cs:spPr>
+      <a:ln w="9525">
+        <a:solidFill>
+          <a:schemeClr val="phClr"/>
+        </a:solidFill>
+      </a:ln>
+    </cs:spPr>
+  </cs:dataPointMarker>
+  <cs:dataPointMarkerLayout symbol="circle" size="5"/>
+  <cs:dataPointWireframe>
+    <cs:lnRef idx="0">
+      <cs:styleClr val="auto"/>
+    </cs:lnRef>
+    <cs:fillRef idx="1"/>
+    <cs:effectRef idx="0"/>
+    <cs:fontRef idx="minor">
+      <a:schemeClr val="tx1"/>
+    </cs:fontRef>
+    <cs:spPr>
+      <a:ln w="9525" cap="rnd">
+        <a:solidFill>
+          <a:schemeClr val="phClr"/>
+        </a:solidFill>
+        <a:round/>
+      </a:ln>
+    </cs:spPr>
+  </cs:dataPointWireframe>
+  <cs:dataTable>
+    <cs:lnRef idx="0"/>
+    <cs:fillRef idx="0"/>
+    <cs:effectRef idx="0"/>
+    <cs:fontRef idx="minor">
+      <a:schemeClr val="tx1">
+        <a:lumMod val="65000"/>
+        <a:lumOff val="35000"/>
+      </a:schemeClr>
+    </cs:fontRef>
+    <cs:spPr>
+      <a:noFill/>
+      <a:ln w="9525" cap="flat" cmpd="sng" algn="ctr">
+        <a:solidFill>
+          <a:schemeClr val="tx1">
+            <a:lumMod val="15000"/>
+            <a:lumOff val="85000"/>
+          </a:schemeClr>
+        </a:solidFill>
+        <a:round/>
+      </a:ln>
+    </cs:spPr>
+    <cs:defRPr sz="900" kern="1200"/>
+  </cs:dataTable>
+  <cs:downBar>
+    <cs:lnRef idx="0"/>
+    <cs:fillRef idx="0"/>
+    <cs:effectRef idx="0"/>
+    <cs:fontRef idx="minor">
+      <a:schemeClr val="dk1"/>
+    </cs:fontRef>
+    <cs:spPr>
+      <a:solidFill>
+        <a:schemeClr val="dk1">
+          <a:lumMod val="65000"/>
+          <a:lumOff val="35000"/>
+        </a:schemeClr>
+      </a:solidFill>
+      <a:ln w="9525">
+        <a:solidFill>
+          <a:schemeClr val="tx1">
+            <a:lumMod val="65000"/>
+            <a:lumOff val="35000"/>
+          </a:schemeClr>
+        </a:solidFill>
+      </a:ln>
+    </cs:spPr>
+  </cs:downBar>
+  <cs:dropLine>
+    <cs:lnRef idx="0"/>
+    <cs:fillRef idx="0"/>
+    <cs:effectRef idx="0"/>
+    <cs:fontRef idx="minor">
+      <a:schemeClr val="tx1"/>
+    </cs:fontRef>
+    <cs:spPr>
+      <a:ln w="9525" cap="flat" cmpd="sng" algn="ctr">
+        <a:solidFill>
+          <a:schemeClr val="tx1">
+            <a:lumMod val="35000"/>
+            <a:lumOff val="65000"/>
+          </a:schemeClr>
+        </a:solidFill>
+        <a:round/>
+      </a:ln>
+    </cs:spPr>
+  </cs:dropLine>
+  <cs:errorBar>
+    <cs:lnRef idx="0"/>
+    <cs:fillRef idx="0"/>
+    <cs:effectRef idx="0"/>
+    <cs:fontRef idx="minor">
+      <a:schemeClr val="tx1"/>
+    </cs:fontRef>
+    <cs:spPr>
+      <a:ln w="9525" cap="flat" cmpd="sng" algn="ctr">
+        <a:solidFill>
+          <a:schemeClr val="tx1">
+            <a:lumMod val="65000"/>
+            <a:lumOff val="35000"/>
+          </a:schemeClr>
+        </a:solidFill>
+        <a:round/>
+      </a:ln>
+    </cs:spPr>
+  </cs:errorBar>
+  <cs:floor>
+    <cs:lnRef idx="0"/>
+    <cs:fillRef idx="0"/>
+    <cs:effectRef idx="0"/>
+    <cs:fontRef idx="minor">
+      <a:schemeClr val="tx1"/>
+    </cs:fontRef>
+    <cs:spPr>
+      <a:noFill/>
+      <a:ln>
+        <a:noFill/>
+      </a:ln>
+    </cs:spPr>
+  </cs:floor>
+  <cs:gridlineMajor>
+    <cs:lnRef idx="0"/>
+    <cs:fillRef idx="0"/>
+    <cs:effectRef idx="0"/>
+    <cs:fontRef idx="minor">
+      <a:schemeClr val="tx1"/>
+    </cs:fontRef>
+    <cs:spPr>
+      <a:ln w="9525" cap="flat" cmpd="sng" algn="ctr">
+        <a:solidFill>
+          <a:schemeClr val="tx1">
+            <a:lumMod val="15000"/>
+            <a:lumOff val="85000"/>
+          </a:schemeClr>
+        </a:solidFill>
+        <a:round/>
+      </a:ln>
+    </cs:spPr>
+  </cs:gridlineMajor>
+  <cs:gridlineMinor>
+    <cs:lnRef idx="0"/>
+    <cs:fillRef idx="0"/>
+    <cs:effectRef idx="0"/>
+    <cs:fontRef idx="minor">
+      <a:schemeClr val="tx1"/>
+    </cs:fontRef>
+    <cs:spPr>
+      <a:ln w="9525" cap="flat" cmpd="sng" algn="ctr">
+        <a:solidFill>
+          <a:schemeClr val="tx1">
+            <a:lumMod val="5000"/>
+            <a:lumOff val="95000"/>
+          </a:schemeClr>
+        </a:solidFill>
+        <a:round/>
+      </a:ln>
+    </cs:spPr>
+  </cs:gridlineMinor>
+  <cs:hiLoLine>
+    <cs:lnRef idx="0"/>
+    <cs:fillRef idx="0"/>
+    <cs:effectRef idx="0"/>
+    <cs:fontRef idx="minor">
+      <a:schemeClr val="tx1"/>
+    </cs:fontRef>
+    <cs:spPr>
+      <a:ln w="9525" cap="flat" cmpd="sng" algn="ctr">
+        <a:solidFill>
+          <a:schemeClr val="tx1">
+            <a:lumMod val="75000"/>
+            <a:lumOff val="25000"/>
+          </a:schemeClr>
+        </a:solidFill>
+        <a:round/>
+      </a:ln>
+    </cs:spPr>
+  </cs:hiLoLine>
+  <cs:leaderLine>
+    <cs:lnRef idx="0"/>
+    <cs:fillRef idx="0"/>
+    <cs:effectRef idx="0"/>
+    <cs:fontRef idx="minor">
+      <a:schemeClr val="tx1"/>
+    </cs:fontRef>
+    <cs:spPr>
+      <a:ln w="9525" cap="flat" cmpd="sng" algn="ctr">
+        <a:solidFill>
+          <a:schemeClr val="tx1">
+            <a:lumMod val="35000"/>
+            <a:lumOff val="65000"/>
+          </a:schemeClr>
+        </a:solidFill>
+        <a:round/>
+      </a:ln>
+    </cs:spPr>
+  </cs:leaderLine>
+  <cs:legend>
+    <cs:lnRef idx="0"/>
+    <cs:fillRef idx="0"/>
+    <cs:effectRef idx="0"/>
+    <cs:fontRef idx="minor">
+      <a:schemeClr val="tx1">
+        <a:lumMod val="65000"/>
+        <a:lumOff val="35000"/>
+      </a:schemeClr>
+    </cs:fontRef>
+    <cs:defRPr sz="900" kern="1200"/>
+  </cs:legend>
+  <cs:plotArea mods="allowNoFillOverride allowNoLineOverride">
+    <cs:lnRef idx="0"/>
+    <cs:fillRef idx="0"/>
+    <cs:effectRef idx="0"/>
+    <cs:fontRef idx="minor">
+      <a:schemeClr val="tx1"/>
+    </cs:fontRef>
+  </cs:plotArea>
+  <cs:plotArea3D mods="allowNoFillOverride allowNoLineOverride">
+    <cs:lnRef idx="0"/>
+    <cs:fillRef idx="0"/>
+    <cs:effectRef idx="0"/>
+    <cs:fontRef idx="minor">
+      <a:schemeClr val="tx1"/>
+    </cs:fontRef>
+  </cs:plotArea3D>
+  <cs:seriesAxis>
+    <cs:lnRef idx="0"/>
+    <cs:fillRef idx="0"/>
+    <cs:effectRef idx="0"/>
+    <cs:fontRef idx="minor">
+      <a:schemeClr val="tx1">
+        <a:lumMod val="65000"/>
+        <a:lumOff val="35000"/>
+      </a:schemeClr>
+    </cs:fontRef>
+    <cs:defRPr sz="900" kern="1200"/>
+  </cs:seriesAxis>
+  <cs:seriesLine>
+    <cs:lnRef idx="0"/>
+    <cs:fillRef idx="0"/>
+    <cs:effectRef idx="0"/>
+    <cs:fontRef idx="minor">
+      <a:schemeClr val="tx1"/>
+    </cs:fontRef>
+    <cs:spPr>
+      <a:ln w="9525" cap="flat" cmpd="sng" algn="ctr">
+        <a:solidFill>
+          <a:schemeClr val="tx1">
+            <a:lumMod val="35000"/>
+            <a:lumOff val="65000"/>
+          </a:schemeClr>
+        </a:solidFill>
+        <a:round/>
+      </a:ln>
+    </cs:spPr>
+  </cs:seriesLine>
+  <cs:title>
+    <cs:lnRef idx="0"/>
+    <cs:fillRef idx="0"/>
+    <cs:effectRef idx="0"/>
+    <cs:fontRef idx="minor">
+      <a:schemeClr val="tx1">
+        <a:lumMod val="65000"/>
+        <a:lumOff val="35000"/>
+      </a:schemeClr>
+    </cs:fontRef>
+    <cs:defRPr sz="1400" b="0" kern="1200" spc="0" baseline="0"/>
+  </cs:title>
+  <cs:trendline>
+    <cs:lnRef idx="0">
+      <cs:styleClr val="auto"/>
+    </cs:lnRef>
+    <cs:fillRef idx="0"/>
+    <cs:effectRef idx="0"/>
+    <cs:fontRef idx="minor">
+      <a:schemeClr val="tx1"/>
+    </cs:fontRef>
+    <cs:spPr>
+      <a:ln w="19050" cap="rnd">
+        <a:solidFill>
+          <a:schemeClr val="phClr"/>
+        </a:solidFill>
+        <a:prstDash val="sysDot"/>
+      </a:ln>
+    </cs:spPr>
+  </cs:trendline>
+  <cs:trendlineLabel>
+    <cs:lnRef idx="0"/>
+    <cs:fillRef idx="0"/>
+    <cs:effectRef idx="0"/>
+    <cs:fontRef idx="minor">
+      <a:schemeClr val="tx1">
+        <a:lumMod val="65000"/>
+        <a:lumOff val="35000"/>
+      </a:schemeClr>
+    </cs:fontRef>
+    <cs:defRPr sz="900" kern="1200"/>
+  </cs:trendlineLabel>
+  <cs:upBar>
+    <cs:lnRef idx="0"/>
+    <cs:fillRef idx="0"/>
+    <cs:effectRef idx="0"/>
+    <cs:fontRef idx="minor">
+      <a:schemeClr val="dk1"/>
+    </cs:fontRef>
+    <cs:spPr>
+      <a:solidFill>
+        <a:schemeClr val="lt1"/>
+      </a:solidFill>
+      <a:ln w="9525">
+        <a:solidFill>
+          <a:schemeClr val="tx1">
+            <a:lumMod val="15000"/>
+            <a:lumOff val="85000"/>
+          </a:schemeClr>
+        </a:solidFill>
+      </a:ln>
+    </cs:spPr>
+  </cs:upBar>
+  <cs:valueAxis>
+    <cs:lnRef idx="0"/>
+    <cs:fillRef idx="0"/>
+    <cs:effectRef idx="0"/>
+    <cs:fontRef idx="minor">
+      <a:schemeClr val="tx1">
+        <a:lumMod val="65000"/>
+        <a:lumOff val="35000"/>
+      </a:schemeClr>
+    </cs:fontRef>
+    <cs:defRPr sz="900" kern="1200"/>
+  </cs:valueAxis>
+  <cs:wall>
+    <cs:lnRef idx="0"/>
+    <cs:fillRef idx="0"/>
+    <cs:effectRef idx="0"/>
+    <cs:fontRef idx="minor">
+      <a:schemeClr val="tx1"/>
+    </cs:fontRef>
+    <cs:spPr>
+      <a:noFill/>
+      <a:ln>
+        <a:noFill/>
+      </a:ln>
+    </cs:spPr>
+  </cs:wall>
+</cs:chartStyle>
+</file>
+
+<file path=ppt/charts/style4.xml><?xml version="1.0" encoding="utf-8"?>
+<cs:chartStyle xmlns:cs="http://schemas.microsoft.com/office/drawing/2012/chartStyle" xmlns:a="http://schemas.openxmlformats.org/drawingml/2006/main" id="332">
+  <cs:axisTitle>
+    <cs:lnRef idx="0"/>
+    <cs:fillRef idx="0"/>
+    <cs:effectRef idx="0"/>
+    <cs:fontRef idx="minor">
+      <a:schemeClr val="tx1">
+        <a:lumMod val="65000"/>
+        <a:lumOff val="35000"/>
+      </a:schemeClr>
+    </cs:fontRef>
+    <cs:defRPr sz="1000" kern="1200"/>
+  </cs:axisTitle>
+  <cs:categoryAxis>
+    <cs:lnRef idx="0"/>
+    <cs:fillRef idx="0"/>
+    <cs:effectRef idx="0"/>
+    <cs:fontRef idx="minor">
+      <a:schemeClr val="tx1">
+        <a:lumMod val="65000"/>
+        <a:lumOff val="35000"/>
+      </a:schemeClr>
+    </cs:fontRef>
+    <cs:spPr>
+      <a:ln w="9525" cap="flat" cmpd="sng" algn="ctr">
+        <a:solidFill>
+          <a:schemeClr val="tx1">
+            <a:lumMod val="15000"/>
+            <a:lumOff val="85000"/>
+          </a:schemeClr>
+        </a:solidFill>
+        <a:round/>
+      </a:ln>
+    </cs:spPr>
+    <cs:defRPr sz="900" kern="1200"/>
+  </cs:categoryAxis>
+  <cs:chartArea mods="allowNoFillOverride allowNoLineOverride">
+    <cs:lnRef idx="0"/>
+    <cs:fillRef idx="0"/>
+    <cs:effectRef idx="0"/>
+    <cs:fontRef idx="minor">
+      <a:schemeClr val="tx1"/>
+    </cs:fontRef>
+    <cs:spPr>
+      <a:solidFill>
+        <a:schemeClr val="bg1"/>
+      </a:solidFill>
+      <a:ln w="9525" cap="flat" cmpd="sng" algn="ctr">
+        <a:solidFill>
+          <a:schemeClr val="tx1">
+            <a:lumMod val="15000"/>
+            <a:lumOff val="85000"/>
+          </a:schemeClr>
+        </a:solidFill>
+        <a:round/>
+      </a:ln>
+    </cs:spPr>
+    <cs:defRPr sz="1000" kern="1200"/>
+  </cs:chartArea>
+  <cs:dataLabel>
+    <cs:lnRef idx="0"/>
+    <cs:fillRef idx="0"/>
+    <cs:effectRef idx="0"/>
+    <cs:fontRef idx="minor">
+      <a:schemeClr val="tx1">
+        <a:lumMod val="75000"/>
+        <a:lumOff val="25000"/>
+      </a:schemeClr>
+    </cs:fontRef>
+    <cs:defRPr sz="900" kern="1200"/>
+  </cs:dataLabel>
+  <cs:dataLabelCallout>
+    <cs:lnRef idx="0"/>
+    <cs:fillRef idx="0"/>
+    <cs:effectRef idx="0"/>
+    <cs:fontRef idx="minor">
+      <a:schemeClr val="dk1">
+        <a:lumMod val="65000"/>
+        <a:lumOff val="35000"/>
+      </a:schemeClr>
+    </cs:fontRef>
+    <cs:spPr>
+      <a:solidFill>
+        <a:schemeClr val="lt1"/>
+      </a:solidFill>
+      <a:ln>
+        <a:solidFill>
+          <a:schemeClr val="dk1">
+            <a:lumMod val="25000"/>
+            <a:lumOff val="75000"/>
+          </a:schemeClr>
+        </a:solidFill>
+      </a:ln>
+    </cs:spPr>
+    <cs:defRPr sz="900" kern="1200"/>
+    <cs:bodyPr rot="0" spcFirstLastPara="1" vertOverflow="clip" horzOverflow="clip" vert="horz" wrap="square" lIns="36576" tIns="18288" rIns="36576" bIns="18288" anchor="ctr" anchorCtr="1">
+      <a:spAutoFit/>
+    </cs:bodyPr>
+  </cs:dataLabelCallout>
+  <cs:dataPoint>
+    <cs:lnRef idx="0"/>
+    <cs:fillRef idx="1">
+      <cs:styleClr val="auto"/>
+    </cs:fillRef>
+    <cs:effectRef idx="0"/>
+    <cs:fontRef idx="minor">
+      <a:schemeClr val="tx1"/>
+    </cs:fontRef>
+  </cs:dataPoint>
+  <cs:dataPoint3D>
+    <cs:lnRef idx="0"/>
+    <cs:fillRef idx="1">
+      <cs:styleClr val="auto"/>
+    </cs:fillRef>
+    <cs:effectRef idx="0"/>
+    <cs:fontRef idx="minor">
+      <a:schemeClr val="tx1"/>
+    </cs:fontRef>
+  </cs:dataPoint3D>
+  <cs:dataPointLine>
+    <cs:lnRef idx="0">
+      <cs:styleClr val="auto"/>
+    </cs:lnRef>
+    <cs:fillRef idx="1"/>
+    <cs:effectRef idx="0"/>
+    <cs:fontRef idx="minor">
+      <a:schemeClr val="tx1"/>
+    </cs:fontRef>
+    <cs:spPr>
+      <a:ln w="28575" cap="rnd">
+        <a:solidFill>
+          <a:schemeClr val="phClr"/>
+        </a:solidFill>
+        <a:round/>
+      </a:ln>
+    </cs:spPr>
+  </cs:dataPointLine>
+  <cs:dataPointMarker>
+    <cs:lnRef idx="0">
+      <cs:styleClr val="auto"/>
+    </cs:lnRef>
+    <cs:fillRef idx="1">
+      <cs:styleClr val="auto"/>
+    </cs:fillRef>
+    <cs:effectRef idx="0"/>
+    <cs:fontRef idx="minor">
+      <a:schemeClr val="tx1"/>
+    </cs:fontRef>
+    <cs:spPr>
+      <a:ln w="9525">
+        <a:solidFill>
+          <a:schemeClr val="phClr"/>
+        </a:solidFill>
+      </a:ln>
+    </cs:spPr>
+  </cs:dataPointMarker>
+  <cs:dataPointMarkerLayout symbol="circle" size="5"/>
+  <cs:dataPointWireframe>
+    <cs:lnRef idx="0">
+      <cs:styleClr val="auto"/>
+    </cs:lnRef>
+    <cs:fillRef idx="1"/>
+    <cs:effectRef idx="0"/>
+    <cs:fontRef idx="minor">
+      <a:schemeClr val="tx1"/>
+    </cs:fontRef>
+    <cs:spPr>
+      <a:ln w="9525" cap="rnd">
+        <a:solidFill>
+          <a:schemeClr val="phClr"/>
+        </a:solidFill>
+        <a:round/>
+      </a:ln>
+    </cs:spPr>
+  </cs:dataPointWireframe>
+  <cs:dataTable>
+    <cs:lnRef idx="0"/>
+    <cs:fillRef idx="0"/>
+    <cs:effectRef idx="0"/>
+    <cs:fontRef idx="minor">
+      <a:schemeClr val="tx1">
+        <a:lumMod val="65000"/>
+        <a:lumOff val="35000"/>
+      </a:schemeClr>
+    </cs:fontRef>
+    <cs:spPr>
+      <a:noFill/>
+      <a:ln w="9525" cap="flat" cmpd="sng" algn="ctr">
+        <a:solidFill>
+          <a:schemeClr val="tx1">
+            <a:lumMod val="15000"/>
+            <a:lumOff val="85000"/>
+          </a:schemeClr>
+        </a:solidFill>
+        <a:round/>
+      </a:ln>
+    </cs:spPr>
+    <cs:defRPr sz="900" kern="1200"/>
+  </cs:dataTable>
+  <cs:downBar>
+    <cs:lnRef idx="0"/>
+    <cs:fillRef idx="0"/>
+    <cs:effectRef idx="0"/>
+    <cs:fontRef idx="minor">
+      <a:schemeClr val="dk1"/>
+    </cs:fontRef>
+    <cs:spPr>
+      <a:solidFill>
+        <a:schemeClr val="dk1">
+          <a:lumMod val="65000"/>
+          <a:lumOff val="35000"/>
+        </a:schemeClr>
+      </a:solidFill>
+      <a:ln w="9525">
+        <a:solidFill>
+          <a:schemeClr val="tx1">
+            <a:lumMod val="65000"/>
+            <a:lumOff val="35000"/>
+          </a:schemeClr>
+        </a:solidFill>
+      </a:ln>
+    </cs:spPr>
+  </cs:downBar>
+  <cs:dropLine>
+    <cs:lnRef idx="0"/>
+    <cs:fillRef idx="0"/>
+    <cs:effectRef idx="0"/>
+    <cs:fontRef idx="minor">
+      <a:schemeClr val="tx1"/>
+    </cs:fontRef>
+    <cs:spPr>
+      <a:ln w="9525" cap="flat" cmpd="sng" algn="ctr">
+        <a:solidFill>
+          <a:schemeClr val="tx1">
+            <a:lumMod val="35000"/>
+            <a:lumOff val="65000"/>
+          </a:schemeClr>
+        </a:solidFill>
+        <a:round/>
+      </a:ln>
+    </cs:spPr>
+  </cs:dropLine>
+  <cs:errorBar>
+    <cs:lnRef idx="0"/>
+    <cs:fillRef idx="0"/>
+    <cs:effectRef idx="0"/>
+    <cs:fontRef idx="minor">
+      <a:schemeClr val="tx1"/>
+    </cs:fontRef>
+    <cs:spPr>
+      <a:ln w="9525" cap="flat" cmpd="sng" algn="ctr">
+        <a:solidFill>
+          <a:schemeClr val="tx1">
+            <a:lumMod val="65000"/>
+            <a:lumOff val="35000"/>
+          </a:schemeClr>
+        </a:solidFill>
+        <a:round/>
+      </a:ln>
+    </cs:spPr>
+  </cs:errorBar>
+  <cs:floor>
+    <cs:lnRef idx="0"/>
+    <cs:fillRef idx="0"/>
+    <cs:effectRef idx="0"/>
+    <cs:fontRef idx="minor">
+      <a:schemeClr val="tx1"/>
+    </cs:fontRef>
+    <cs:spPr>
+      <a:noFill/>
+      <a:ln>
+        <a:noFill/>
+      </a:ln>
+    </cs:spPr>
+  </cs:floor>
+  <cs:gridlineMajor>
+    <cs:lnRef idx="0"/>
+    <cs:fillRef idx="0"/>
+    <cs:effectRef idx="0"/>
+    <cs:fontRef idx="minor">
+      <a:schemeClr val="tx1"/>
+    </cs:fontRef>
+    <cs:spPr>
+      <a:ln w="9525" cap="flat" cmpd="sng" algn="ctr">
+        <a:solidFill>
+          <a:schemeClr val="tx1">
+            <a:lumMod val="15000"/>
+            <a:lumOff val="85000"/>
+          </a:schemeClr>
+        </a:solidFill>
+        <a:round/>
+      </a:ln>
+    </cs:spPr>
+  </cs:gridlineMajor>
+  <cs:gridlineMinor>
+    <cs:lnRef idx="0"/>
+    <cs:fillRef idx="0"/>
+    <cs:effectRef idx="0"/>
+    <cs:fontRef idx="minor">
+      <a:schemeClr val="tx1"/>
+    </cs:fontRef>
+    <cs:spPr>
+      <a:ln w="9525" cap="flat" cmpd="sng" algn="ctr">
+        <a:solidFill>
+          <a:schemeClr val="tx1">
+            <a:lumMod val="5000"/>
+            <a:lumOff val="95000"/>
+          </a:schemeClr>
+        </a:solidFill>
+        <a:round/>
+      </a:ln>
+    </cs:spPr>
+  </cs:gridlineMinor>
+  <cs:hiLoLine>
+    <cs:lnRef idx="0"/>
+    <cs:fillRef idx="0"/>
+    <cs:effectRef idx="0"/>
+    <cs:fontRef idx="minor">
+      <a:schemeClr val="tx1"/>
+    </cs:fontRef>
+    <cs:spPr>
+      <a:ln w="9525" cap="flat" cmpd="sng" algn="ctr">
+        <a:solidFill>
+          <a:schemeClr val="tx1">
+            <a:lumMod val="75000"/>
+            <a:lumOff val="25000"/>
+          </a:schemeClr>
+        </a:solidFill>
+        <a:round/>
+      </a:ln>
+    </cs:spPr>
+  </cs:hiLoLine>
+  <cs:leaderLine>
+    <cs:lnRef idx="0"/>
+    <cs:fillRef idx="0"/>
+    <cs:effectRef idx="0"/>
+    <cs:fontRef idx="minor">
+      <a:schemeClr val="tx1"/>
+    </cs:fontRef>
+    <cs:spPr>
+      <a:ln w="9525" cap="flat" cmpd="sng" algn="ctr">
+        <a:solidFill>
+          <a:schemeClr val="tx1">
+            <a:lumMod val="35000"/>
+            <a:lumOff val="65000"/>
+          </a:schemeClr>
+        </a:solidFill>
+        <a:round/>
+      </a:ln>
+    </cs:spPr>
+  </cs:leaderLine>
+  <cs:legend>
+    <cs:lnRef idx="0"/>
+    <cs:fillRef idx="0"/>
+    <cs:effectRef idx="0"/>
+    <cs:fontRef idx="minor">
+      <a:schemeClr val="tx1">
+        <a:lumMod val="65000"/>
+        <a:lumOff val="35000"/>
+      </a:schemeClr>
+    </cs:fontRef>
+    <cs:defRPr sz="900" kern="1200"/>
+  </cs:legend>
+  <cs:plotArea mods="allowNoFillOverride allowNoLineOverride">
+    <cs:lnRef idx="0"/>
+    <cs:fillRef idx="0"/>
+    <cs:effectRef idx="0"/>
+    <cs:fontRef idx="minor">
+      <a:schemeClr val="tx1"/>
+    </cs:fontRef>
+  </cs:plotArea>
+  <cs:plotArea3D mods="allowNoFillOverride allowNoLineOverride">
+    <cs:lnRef idx="0"/>
+    <cs:fillRef idx="0"/>
+    <cs:effectRef idx="0"/>
+    <cs:fontRef idx="minor">
+      <a:schemeClr val="tx1"/>
+    </cs:fontRef>
+  </cs:plotArea3D>
+  <cs:seriesAxis>
+    <cs:lnRef idx="0"/>
+    <cs:fillRef idx="0"/>
+    <cs:effectRef idx="0"/>
+    <cs:fontRef idx="minor">
+      <a:schemeClr val="tx1">
+        <a:lumMod val="65000"/>
+        <a:lumOff val="35000"/>
+      </a:schemeClr>
+    </cs:fontRef>
+    <cs:defRPr sz="900" kern="1200"/>
+  </cs:seriesAxis>
+  <cs:seriesLine>
+    <cs:lnRef idx="0"/>
+    <cs:fillRef idx="0"/>
+    <cs:effectRef idx="0"/>
+    <cs:fontRef idx="minor">
+      <a:schemeClr val="tx1"/>
+    </cs:fontRef>
+    <cs:spPr>
+      <a:ln w="9525" cap="flat" cmpd="sng" algn="ctr">
+        <a:solidFill>
+          <a:schemeClr val="tx1">
+            <a:lumMod val="35000"/>
+            <a:lumOff val="65000"/>
+          </a:schemeClr>
+        </a:solidFill>
+        <a:round/>
+      </a:ln>
+    </cs:spPr>
+  </cs:seriesLine>
+  <cs:title>
+    <cs:lnRef idx="0"/>
+    <cs:fillRef idx="0"/>
+    <cs:effectRef idx="0"/>
+    <cs:fontRef idx="minor">
+      <a:schemeClr val="tx1">
+        <a:lumMod val="65000"/>
+        <a:lumOff val="35000"/>
+      </a:schemeClr>
+    </cs:fontRef>
+    <cs:defRPr sz="1400" b="0" kern="1200" spc="0" baseline="0"/>
+  </cs:title>
+  <cs:trendline>
+    <cs:lnRef idx="0">
+      <cs:styleClr val="auto"/>
+    </cs:lnRef>
+    <cs:fillRef idx="0"/>
+    <cs:effectRef idx="0"/>
+    <cs:fontRef idx="minor">
+      <a:schemeClr val="tx1"/>
+    </cs:fontRef>
+    <cs:spPr>
+      <a:ln w="19050" cap="rnd">
+        <a:solidFill>
+          <a:schemeClr val="phClr"/>
+        </a:solidFill>
+        <a:prstDash val="sysDot"/>
+      </a:ln>
+    </cs:spPr>
+  </cs:trendline>
+  <cs:trendlineLabel>
+    <cs:lnRef idx="0"/>
+    <cs:fillRef idx="0"/>
+    <cs:effectRef idx="0"/>
+    <cs:fontRef idx="minor">
+      <a:schemeClr val="tx1">
+        <a:lumMod val="65000"/>
+        <a:lumOff val="35000"/>
+      </a:schemeClr>
+    </cs:fontRef>
+    <cs:defRPr sz="900" kern="1200"/>
+  </cs:trendlineLabel>
+  <cs:upBar>
+    <cs:lnRef idx="0"/>
+    <cs:fillRef idx="0"/>
+    <cs:effectRef idx="0"/>
+    <cs:fontRef idx="minor">
+      <a:schemeClr val="dk1"/>
+    </cs:fontRef>
+    <cs:spPr>
+      <a:solidFill>
+        <a:schemeClr val="lt1"/>
+      </a:solidFill>
+      <a:ln w="9525">
+        <a:solidFill>
+          <a:schemeClr val="tx1">
+            <a:lumMod val="15000"/>
+            <a:lumOff val="85000"/>
+          </a:schemeClr>
+        </a:solidFill>
+      </a:ln>
+    </cs:spPr>
+  </cs:upBar>
+  <cs:valueAxis>
+    <cs:lnRef idx="0"/>
+    <cs:fillRef idx="0"/>
+    <cs:effectRef idx="0"/>
+    <cs:fontRef idx="minor">
+      <a:schemeClr val="tx1">
+        <a:lumMod val="65000"/>
+        <a:lumOff val="35000"/>
+      </a:schemeClr>
+    </cs:fontRef>
+    <cs:defRPr sz="900" kern="1200"/>
+  </cs:valueAxis>
+  <cs:wall>
+    <cs:lnRef idx="0"/>
+    <cs:fillRef idx="0"/>
+    <cs:effectRef idx="0"/>
+    <cs:fontRef idx="minor">
+      <a:schemeClr val="tx1"/>
+    </cs:fontRef>
+    <cs:spPr>
+      <a:noFill/>
+      <a:ln>
+        <a:noFill/>
+      </a:ln>
+    </cs:spPr>
+  </cs:wall>
+</cs:chartStyle>
+</file>
+
+<file path=ppt/charts/style5.xml><?xml version="1.0" encoding="utf-8"?>
+<cs:chartStyle xmlns:cs="http://schemas.microsoft.com/office/drawing/2012/chartStyle" xmlns:a="http://schemas.openxmlformats.org/drawingml/2006/main" id="201">
+  <cs:axisTitle>
+    <cs:lnRef idx="0"/>
+    <cs:fillRef idx="0"/>
+    <cs:effectRef idx="0"/>
+    <cs:fontRef idx="minor">
+      <a:schemeClr val="tx1">
+        <a:lumMod val="65000"/>
+        <a:lumOff val="35000"/>
+      </a:schemeClr>
+    </cs:fontRef>
+    <cs:defRPr sz="1000" kern="1200"/>
+  </cs:axisTitle>
+  <cs:categoryAxis>
+    <cs:lnRef idx="0"/>
+    <cs:fillRef idx="0"/>
+    <cs:effectRef idx="0"/>
+    <cs:fontRef idx="minor">
+      <a:schemeClr val="tx1">
+        <a:lumMod val="65000"/>
+        <a:lumOff val="35000"/>
+      </a:schemeClr>
+    </cs:fontRef>
+    <cs:spPr>
+      <a:ln w="9525" cap="flat" cmpd="sng" algn="ctr">
+        <a:solidFill>
+          <a:schemeClr val="tx1">
+            <a:lumMod val="15000"/>
+            <a:lumOff val="85000"/>
+          </a:schemeClr>
+        </a:solidFill>
+        <a:round/>
+      </a:ln>
+    </cs:spPr>
+    <cs:defRPr sz="900" kern="1200"/>
+  </cs:categoryAxis>
+  <cs:chartArea mods="allowNoFillOverride allowNoLineOverride">
+    <cs:lnRef idx="0"/>
+    <cs:fillRef idx="0"/>
+    <cs:effectRef idx="0"/>
+    <cs:fontRef idx="minor">
+      <a:schemeClr val="tx1"/>
+    </cs:fontRef>
+    <cs:spPr>
+      <a:solidFill>
+        <a:schemeClr val="bg1"/>
+      </a:solidFill>
+      <a:ln w="9525" cap="flat" cmpd="sng" algn="ctr">
+        <a:solidFill>
+          <a:schemeClr val="tx1">
+            <a:lumMod val="15000"/>
+            <a:lumOff val="85000"/>
+          </a:schemeClr>
+        </a:solidFill>
+        <a:round/>
+      </a:ln>
+    </cs:spPr>
+    <cs:defRPr sz="1000" kern="1200"/>
+  </cs:chartArea>
+  <cs:dataLabel>
+    <cs:lnRef idx="0"/>
+    <cs:fillRef idx="0"/>
+    <cs:effectRef idx="0"/>
+    <cs:fontRef idx="minor">
+      <a:schemeClr val="tx1">
+        <a:lumMod val="75000"/>
+        <a:lumOff val="25000"/>
+      </a:schemeClr>
+    </cs:fontRef>
+    <cs:defRPr sz="900" kern="1200"/>
+  </cs:dataLabel>
+  <cs:dataLabelCallout>
+    <cs:lnRef idx="0"/>
+    <cs:fillRef idx="0"/>
+    <cs:effectRef idx="0"/>
+    <cs:fontRef idx="minor">
+      <a:schemeClr val="dk1">
+        <a:lumMod val="65000"/>
+        <a:lumOff val="35000"/>
+      </a:schemeClr>
+    </cs:fontRef>
+    <cs:spPr>
+      <a:solidFill>
+        <a:schemeClr val="lt1"/>
+      </a:solidFill>
+      <a:ln>
+        <a:solidFill>
+          <a:schemeClr val="dk1">
+            <a:lumMod val="25000"/>
+            <a:lumOff val="75000"/>
+          </a:schemeClr>
+        </a:solidFill>
+      </a:ln>
+    </cs:spPr>
+    <cs:defRPr sz="900" kern="1200"/>
+    <cs:bodyPr rot="0" spcFirstLastPara="1" vertOverflow="clip" horzOverflow="clip" vert="horz" wrap="square" lIns="36576" tIns="18288" rIns="36576" bIns="18288" anchor="ctr" anchorCtr="1">
+      <a:spAutoFit/>
+    </cs:bodyPr>
+  </cs:dataLabelCallout>
+  <cs:dataPoint>
+    <cs:lnRef idx="0"/>
+    <cs:fillRef idx="1">
+      <cs:styleClr val="auto"/>
+    </cs:fillRef>
+    <cs:effectRef idx="0"/>
+    <cs:fontRef idx="minor">
+      <a:schemeClr val="tx1"/>
+    </cs:fontRef>
+  </cs:dataPoint>
+  <cs:dataPoint3D>
+    <cs:lnRef idx="0"/>
+    <cs:fillRef idx="1">
+      <cs:styleClr val="auto"/>
+    </cs:fillRef>
+    <cs:effectRef idx="0"/>
+    <cs:fontRef idx="minor">
+      <a:schemeClr val="tx1"/>
+    </cs:fontRef>
+  </cs:dataPoint3D>
+  <cs:dataPointLine>
+    <cs:lnRef idx="0">
+      <cs:styleClr val="auto"/>
+    </cs:lnRef>
+    <cs:fillRef idx="1"/>
+    <cs:effectRef idx="0"/>
+    <cs:fontRef idx="minor">
+      <a:schemeClr val="tx1"/>
+    </cs:fontRef>
+    <cs:spPr>
+      <a:ln w="28575" cap="rnd">
+        <a:solidFill>
+          <a:schemeClr val="phClr"/>
+        </a:solidFill>
+        <a:round/>
+      </a:ln>
+    </cs:spPr>
+  </cs:dataPointLine>
+  <cs:dataPointMarker>
+    <cs:lnRef idx="0">
+      <cs:styleClr val="auto"/>
+    </cs:lnRef>
+    <cs:fillRef idx="1">
+      <cs:styleClr val="auto"/>
+    </cs:fillRef>
+    <cs:effectRef idx="0"/>
+    <cs:fontRef idx="minor">
+      <a:schemeClr val="tx1"/>
+    </cs:fontRef>
+    <cs:spPr>
+      <a:ln w="9525">
+        <a:solidFill>
+          <a:schemeClr val="phClr"/>
+        </a:solidFill>
+      </a:ln>
+    </cs:spPr>
+  </cs:dataPointMarker>
+  <cs:dataPointMarkerLayout symbol="circle" size="5"/>
+  <cs:dataPointWireframe>
+    <cs:lnRef idx="0">
+      <cs:styleClr val="auto"/>
+    </cs:lnRef>
+    <cs:fillRef idx="1"/>
+    <cs:effectRef idx="0"/>
+    <cs:fontRef idx="minor">
+      <a:schemeClr val="tx1"/>
+    </cs:fontRef>
+    <cs:spPr>
+      <a:ln w="9525" cap="rnd">
+        <a:solidFill>
+          <a:schemeClr val="phClr"/>
+        </a:solidFill>
+        <a:round/>
+      </a:ln>
+    </cs:spPr>
+  </cs:dataPointWireframe>
+  <cs:dataTable>
+    <cs:lnRef idx="0"/>
+    <cs:fillRef idx="0"/>
+    <cs:effectRef idx="0"/>
+    <cs:fontRef idx="minor">
+      <a:schemeClr val="tx1">
+        <a:lumMod val="65000"/>
+        <a:lumOff val="35000"/>
+      </a:schemeClr>
+    </cs:fontRef>
+    <cs:spPr>
+      <a:noFill/>
+      <a:ln w="9525" cap="flat" cmpd="sng" algn="ctr">
+        <a:solidFill>
+          <a:schemeClr val="tx1">
+            <a:lumMod val="15000"/>
+            <a:lumOff val="85000"/>
+          </a:schemeClr>
+        </a:solidFill>
+        <a:round/>
+      </a:ln>
+    </cs:spPr>
+    <cs:defRPr sz="900" kern="1200"/>
+  </cs:dataTable>
+  <cs:downBar>
+    <cs:lnRef idx="0"/>
+    <cs:fillRef idx="0"/>
+    <cs:effectRef idx="0"/>
+    <cs:fontRef idx="minor">
+      <a:schemeClr val="dk1"/>
+    </cs:fontRef>
+    <cs:spPr>
+      <a:solidFill>
+        <a:schemeClr val="dk1">
+          <a:lumMod val="65000"/>
+          <a:lumOff val="35000"/>
+        </a:schemeClr>
+      </a:solidFill>
+      <a:ln w="9525">
+        <a:solidFill>
+          <a:schemeClr val="tx1">
+            <a:lumMod val="65000"/>
+            <a:lumOff val="35000"/>
+          </a:schemeClr>
+        </a:solidFill>
+      </a:ln>
+    </cs:spPr>
+  </cs:downBar>
+  <cs:dropLine>
+    <cs:lnRef idx="0"/>
+    <cs:fillRef idx="0"/>
+    <cs:effectRef idx="0"/>
+    <cs:fontRef idx="minor">
+      <a:schemeClr val="tx1"/>
+    </cs:fontRef>
+    <cs:spPr>
+      <a:ln w="9525" cap="flat" cmpd="sng" algn="ctr">
+        <a:solidFill>
+          <a:schemeClr val="tx1">
+            <a:lumMod val="35000"/>
+            <a:lumOff val="65000"/>
+          </a:schemeClr>
+        </a:solidFill>
+        <a:round/>
+      </a:ln>
+    </cs:spPr>
+  </cs:dropLine>
+  <cs:errorBar>
+    <cs:lnRef idx="0"/>
+    <cs:fillRef idx="0"/>
+    <cs:effectRef idx="0"/>
+    <cs:fontRef idx="minor">
+      <a:schemeClr val="tx1"/>
+    </cs:fontRef>
+    <cs:spPr>
+      <a:ln w="9525" cap="flat" cmpd="sng" algn="ctr">
+        <a:solidFill>
+          <a:schemeClr val="tx1">
+            <a:lumMod val="65000"/>
+            <a:lumOff val="35000"/>
+          </a:schemeClr>
+        </a:solidFill>
+        <a:round/>
+      </a:ln>
+    </cs:spPr>
+  </cs:errorBar>
+  <cs:floor>
+    <cs:lnRef idx="0"/>
+    <cs:fillRef idx="0"/>
+    <cs:effectRef idx="0"/>
+    <cs:fontRef idx="minor">
+      <a:schemeClr val="tx1"/>
+    </cs:fontRef>
+    <cs:spPr>
+      <a:noFill/>
+      <a:ln>
+        <a:noFill/>
+      </a:ln>
+    </cs:spPr>
+  </cs:floor>
+  <cs:gridlineMajor>
+    <cs:lnRef idx="0"/>
+    <cs:fillRef idx="0"/>
+    <cs:effectRef idx="0"/>
+    <cs:fontRef idx="minor">
+      <a:schemeClr val="tx1"/>
+    </cs:fontRef>
+    <cs:spPr>
+      <a:ln w="9525" cap="flat" cmpd="sng" algn="ctr">
+        <a:solidFill>
+          <a:schemeClr val="tx1">
+            <a:lumMod val="15000"/>
+            <a:lumOff val="85000"/>
+          </a:schemeClr>
+        </a:solidFill>
+        <a:round/>
+      </a:ln>
+    </cs:spPr>
+  </cs:gridlineMajor>
+  <cs:gridlineMinor>
+    <cs:lnRef idx="0"/>
+    <cs:fillRef idx="0"/>
+    <cs:effectRef idx="0"/>
+    <cs:fontRef idx="minor">
+      <a:schemeClr val="tx1"/>
+    </cs:fontRef>
+    <cs:spPr>
+      <a:ln w="9525" cap="flat" cmpd="sng" algn="ctr">
+        <a:solidFill>
+          <a:schemeClr val="tx1">
+            <a:lumMod val="5000"/>
+            <a:lumOff val="95000"/>
+          </a:schemeClr>
+        </a:solidFill>
+        <a:round/>
+      </a:ln>
+    </cs:spPr>
+  </cs:gridlineMinor>
+  <cs:hiLoLine>
+    <cs:lnRef idx="0"/>
+    <cs:fillRef idx="0"/>
+    <cs:effectRef idx="0"/>
+    <cs:fontRef idx="minor">
+      <a:schemeClr val="tx1"/>
+    </cs:fontRef>
+    <cs:spPr>
+      <a:ln w="9525" cap="flat" cmpd="sng" algn="ctr">
+        <a:solidFill>
+          <a:schemeClr val="tx1">
+            <a:lumMod val="75000"/>
+            <a:lumOff val="25000"/>
+          </a:schemeClr>
+        </a:solidFill>
+        <a:round/>
+      </a:ln>
+    </cs:spPr>
+  </cs:hiLoLine>
+  <cs:leaderLine>
+    <cs:lnRef idx="0"/>
+    <cs:fillRef idx="0"/>
+    <cs:effectRef idx="0"/>
+    <cs:fontRef idx="minor">
+      <a:schemeClr val="tx1"/>
+    </cs:fontRef>
+    <cs:spPr>
+      <a:ln w="9525" cap="flat" cmpd="sng" algn="ctr">
+        <a:solidFill>
+          <a:schemeClr val="tx1">
+            <a:lumMod val="35000"/>
+            <a:lumOff val="65000"/>
+          </a:schemeClr>
+        </a:solidFill>
+        <a:round/>
+      </a:ln>
+    </cs:spPr>
+  </cs:leaderLine>
+  <cs:legend>
+    <cs:lnRef idx="0"/>
+    <cs:fillRef idx="0"/>
+    <cs:effectRef idx="0"/>
+    <cs:fontRef idx="minor">
+      <a:schemeClr val="tx1">
+        <a:lumMod val="65000"/>
+        <a:lumOff val="35000"/>
+      </a:schemeClr>
+    </cs:fontRef>
+    <cs:defRPr sz="900" kern="1200"/>
+  </cs:legend>
+  <cs:plotArea mods="allowNoFillOverride allowNoLineOverride">
+    <cs:lnRef idx="0"/>
+    <cs:fillRef idx="0"/>
+    <cs:effectRef idx="0"/>
+    <cs:fontRef idx="minor">
+      <a:schemeClr val="tx1"/>
+    </cs:fontRef>
+  </cs:plotArea>
+  <cs:plotArea3D mods="allowNoFillOverride allowNoLineOverride">
+    <cs:lnRef idx="0"/>
+    <cs:fillRef idx="0"/>
+    <cs:effectRef idx="0"/>
+    <cs:fontRef idx="minor">
+      <a:schemeClr val="tx1"/>
+    </cs:fontRef>
+  </cs:plotArea3D>
+  <cs:seriesAxis>
+    <cs:lnRef idx="0"/>
+    <cs:fillRef idx="0"/>
+    <cs:effectRef idx="0"/>
+    <cs:fontRef idx="minor">
+      <a:schemeClr val="tx1">
+        <a:lumMod val="65000"/>
+        <a:lumOff val="35000"/>
+      </a:schemeClr>
+    </cs:fontRef>
+    <cs:defRPr sz="900" kern="1200"/>
+  </cs:seriesAxis>
+  <cs:seriesLine>
+    <cs:lnRef idx="0"/>
+    <cs:fillRef idx="0"/>
+    <cs:effectRef idx="0"/>
+    <cs:fontRef idx="minor">
+      <a:schemeClr val="tx1"/>
+    </cs:fontRef>
+    <cs:spPr>
+      <a:ln w="9525" cap="flat" cmpd="sng" algn="ctr">
+        <a:solidFill>
+          <a:schemeClr val="tx1">
+            <a:lumMod val="35000"/>
+            <a:lumOff val="65000"/>
+          </a:schemeClr>
+        </a:solidFill>
+        <a:round/>
+      </a:ln>
+    </cs:spPr>
+  </cs:seriesLine>
+  <cs:title>
+    <cs:lnRef idx="0"/>
+    <cs:fillRef idx="0"/>
+    <cs:effectRef idx="0"/>
+    <cs:fontRef idx="minor">
+      <a:schemeClr val="tx1">
+        <a:lumMod val="65000"/>
+        <a:lumOff val="35000"/>
+      </a:schemeClr>
+    </cs:fontRef>
+    <cs:defRPr sz="1400" b="0" kern="1200" spc="0" baseline="0"/>
+  </cs:title>
+  <cs:trendline>
+    <cs:lnRef idx="0">
+      <cs:styleClr val="auto"/>
+    </cs:lnRef>
+    <cs:fillRef idx="0"/>
+    <cs:effectRef idx="0"/>
+    <cs:fontRef idx="minor">
+      <a:schemeClr val="tx1"/>
+    </cs:fontRef>
+    <cs:spPr>
+      <a:ln w="19050" cap="rnd">
+        <a:solidFill>
+          <a:schemeClr val="phClr"/>
+        </a:solidFill>
+        <a:prstDash val="sysDot"/>
+      </a:ln>
+    </cs:spPr>
+  </cs:trendline>
+  <cs:trendlineLabel>
+    <cs:lnRef idx="0"/>
+    <cs:fillRef idx="0"/>
+    <cs:effectRef idx="0"/>
+    <cs:fontRef idx="minor">
+      <a:schemeClr val="tx1">
+        <a:lumMod val="65000"/>
+        <a:lumOff val="35000"/>
+      </a:schemeClr>
+    </cs:fontRef>
+    <cs:defRPr sz="900" kern="1200"/>
+  </cs:trendlineLabel>
+  <cs:upBar>
+    <cs:lnRef idx="0"/>
+    <cs:fillRef idx="0"/>
+    <cs:effectRef idx="0"/>
+    <cs:fontRef idx="minor">
+      <a:schemeClr val="dk1"/>
+    </cs:fontRef>
+    <cs:spPr>
+      <a:solidFill>
+        <a:schemeClr val="lt1"/>
+      </a:solidFill>
+      <a:ln w="9525">
+        <a:solidFill>
+          <a:schemeClr val="tx1">
+            <a:lumMod val="15000"/>
+            <a:lumOff val="85000"/>
+          </a:schemeClr>
+        </a:solidFill>
+      </a:ln>
+    </cs:spPr>
+  </cs:upBar>
+  <cs:valueAxis>
+    <cs:lnRef idx="0"/>
+    <cs:fillRef idx="0"/>
+    <cs:effectRef idx="0"/>
+    <cs:fontRef idx="minor">
+      <a:schemeClr val="tx1">
+        <a:lumMod val="65000"/>
+        <a:lumOff val="35000"/>
+      </a:schemeClr>
+    </cs:fontRef>
+    <cs:defRPr sz="900" kern="1200"/>
+  </cs:valueAxis>
+  <cs:wall>
+    <cs:lnRef idx="0"/>
+    <cs:fillRef idx="0"/>
+    <cs:effectRef idx="0"/>
+    <cs:fontRef idx="minor">
+      <a:schemeClr val="tx1"/>
+    </cs:fontRef>
+    <cs:spPr>
+      <a:noFill/>
+      <a:ln>
+        <a:noFill/>
+      </a:ln>
+    </cs:spPr>
+  </cs:wall>
+</cs:chartStyle>
+</file>
+
+<file path=ppt/charts/style6.xml><?xml version="1.0" encoding="utf-8"?>
+<cs:chartStyle xmlns:cs="http://schemas.microsoft.com/office/drawing/2012/chartStyle" xmlns:a="http://schemas.openxmlformats.org/drawingml/2006/main" id="201">
+  <cs:axisTitle>
+    <cs:lnRef idx="0"/>
+    <cs:fillRef idx="0"/>
+    <cs:effectRef idx="0"/>
+    <cs:fontRef idx="minor">
+      <a:schemeClr val="tx1">
+        <a:lumMod val="65000"/>
+        <a:lumOff val="35000"/>
+      </a:schemeClr>
+    </cs:fontRef>
+    <cs:defRPr sz="1000" kern="1200"/>
+  </cs:axisTitle>
+  <cs:categoryAxis>
+    <cs:lnRef idx="0"/>
+    <cs:fillRef idx="0"/>
+    <cs:effectRef idx="0"/>
+    <cs:fontRef idx="minor">
+      <a:schemeClr val="tx1">
+        <a:lumMod val="65000"/>
+        <a:lumOff val="35000"/>
+      </a:schemeClr>
+    </cs:fontRef>
+    <cs:spPr>
+      <a:ln w="9525" cap="flat" cmpd="sng" algn="ctr">
+        <a:solidFill>
+          <a:schemeClr val="tx1">
+            <a:lumMod val="15000"/>
+            <a:lumOff val="85000"/>
+          </a:schemeClr>
+        </a:solidFill>
+        <a:round/>
+      </a:ln>
+    </cs:spPr>
+    <cs:defRPr sz="900" kern="1200"/>
+  </cs:categoryAxis>
+  <cs:chartArea mods="allowNoFillOverride allowNoLineOverride">
+    <cs:lnRef idx="0"/>
+    <cs:fillRef idx="0"/>
+    <cs:effectRef idx="0"/>
+    <cs:fontRef idx="minor">
+      <a:schemeClr val="tx1"/>
+    </cs:fontRef>
+    <cs:spPr>
+      <a:solidFill>
+        <a:schemeClr val="bg1"/>
+      </a:solidFill>
+      <a:ln w="9525" cap="flat" cmpd="sng" algn="ctr">
+        <a:solidFill>
+          <a:schemeClr val="tx1">
+            <a:lumMod val="15000"/>
+            <a:lumOff val="85000"/>
+          </a:schemeClr>
+        </a:solidFill>
+        <a:round/>
+      </a:ln>
+    </cs:spPr>
+    <cs:defRPr sz="1000" kern="1200"/>
+  </cs:chartArea>
+  <cs:dataLabel>
+    <cs:lnRef idx="0"/>
+    <cs:fillRef idx="0"/>
+    <cs:effectRef idx="0"/>
+    <cs:fontRef idx="minor">
+      <a:schemeClr val="tx1">
+        <a:lumMod val="75000"/>
+        <a:lumOff val="25000"/>
+      </a:schemeClr>
+    </cs:fontRef>
+    <cs:defRPr sz="900" kern="1200"/>
+  </cs:dataLabel>
+  <cs:dataLabelCallout>
+    <cs:lnRef idx="0"/>
+    <cs:fillRef idx="0"/>
+    <cs:effectRef idx="0"/>
+    <cs:fontRef idx="minor">
+      <a:schemeClr val="dk1">
+        <a:lumMod val="65000"/>
+        <a:lumOff val="35000"/>
+      </a:schemeClr>
+    </cs:fontRef>
+    <cs:spPr>
+      <a:solidFill>
+        <a:schemeClr val="lt1"/>
+      </a:solidFill>
+      <a:ln>
+        <a:solidFill>
+          <a:schemeClr val="dk1">
+            <a:lumMod val="25000"/>
+            <a:lumOff val="75000"/>
+          </a:schemeClr>
+        </a:solidFill>
+      </a:ln>
+    </cs:spPr>
+    <cs:defRPr sz="900" kern="1200"/>
+    <cs:bodyPr rot="0" spcFirstLastPara="1" vertOverflow="clip" horzOverflow="clip" vert="horz" wrap="square" lIns="36576" tIns="18288" rIns="36576" bIns="18288" anchor="ctr" anchorCtr="1">
+      <a:spAutoFit/>
+    </cs:bodyPr>
+  </cs:dataLabelCallout>
+  <cs:dataPoint>
+    <cs:lnRef idx="0"/>
+    <cs:fillRef idx="1">
+      <cs:styleClr val="auto"/>
+    </cs:fillRef>
+    <cs:effectRef idx="0"/>
+    <cs:fontRef idx="minor">
+      <a:schemeClr val="tx1"/>
+    </cs:fontRef>
+  </cs:dataPoint>
+  <cs:dataPoint3D>
+    <cs:lnRef idx="0"/>
+    <cs:fillRef idx="1">
+      <cs:styleClr val="auto"/>
+    </cs:fillRef>
+    <cs:effectRef idx="0"/>
+    <cs:fontRef idx="minor">
+      <a:schemeClr val="tx1"/>
+    </cs:fontRef>
+  </cs:dataPoint3D>
+  <cs:dataPointLine>
+    <cs:lnRef idx="0">
+      <cs:styleClr val="auto"/>
+    </cs:lnRef>
+    <cs:fillRef idx="1"/>
+    <cs:effectRef idx="0"/>
+    <cs:fontRef idx="minor">
+      <a:schemeClr val="tx1"/>
+    </cs:fontRef>
+    <cs:spPr>
+      <a:ln w="28575" cap="rnd">
+        <a:solidFill>
+          <a:schemeClr val="phClr"/>
+        </a:solidFill>
+        <a:round/>
+      </a:ln>
+    </cs:spPr>
+  </cs:dataPointLine>
+  <cs:dataPointMarker>
+    <cs:lnRef idx="0">
+      <cs:styleClr val="auto"/>
+    </cs:lnRef>
+    <cs:fillRef idx="1">
+      <cs:styleClr val="auto"/>
+    </cs:fillRef>
+    <cs:effectRef idx="0"/>
+    <cs:fontRef idx="minor">
+      <a:schemeClr val="tx1"/>
+    </cs:fontRef>
+    <cs:spPr>
+      <a:ln w="9525">
+        <a:solidFill>
+          <a:schemeClr val="phClr"/>
+        </a:solidFill>
+      </a:ln>
+    </cs:spPr>
+  </cs:dataPointMarker>
+  <cs:dataPointMarkerLayout symbol="circle" size="5"/>
+  <cs:dataPointWireframe>
+    <cs:lnRef idx="0">
+      <cs:styleClr val="auto"/>
+    </cs:lnRef>
+    <cs:fillRef idx="1"/>
+    <cs:effectRef idx="0"/>
+    <cs:fontRef idx="minor">
+      <a:schemeClr val="tx1"/>
+    </cs:fontRef>
+    <cs:spPr>
+      <a:ln w="9525" cap="rnd">
+        <a:solidFill>
+          <a:schemeClr val="phClr"/>
+        </a:solidFill>
+        <a:round/>
+      </a:ln>
+    </cs:spPr>
+  </cs:dataPointWireframe>
+  <cs:dataTable>
+    <cs:lnRef idx="0"/>
+    <cs:fillRef idx="0"/>
+    <cs:effectRef idx="0"/>
+    <cs:fontRef idx="minor">
+      <a:schemeClr val="tx1">
+        <a:lumMod val="65000"/>
+        <a:lumOff val="35000"/>
+      </a:schemeClr>
+    </cs:fontRef>
+    <cs:spPr>
+      <a:noFill/>
+      <a:ln w="9525" cap="flat" cmpd="sng" algn="ctr">
+        <a:solidFill>
+          <a:schemeClr val="tx1">
+            <a:lumMod val="15000"/>
+            <a:lumOff val="85000"/>
+          </a:schemeClr>
+        </a:solidFill>
+        <a:round/>
+      </a:ln>
+    </cs:spPr>
+    <cs:defRPr sz="900" kern="1200"/>
+  </cs:dataTable>
+  <cs:downBar>
+    <cs:lnRef idx="0"/>
+    <cs:fillRef idx="0"/>
+    <cs:effectRef idx="0"/>
+    <cs:fontRef idx="minor">
+      <a:schemeClr val="dk1"/>
+    </cs:fontRef>
+    <cs:spPr>
+      <a:solidFill>
+        <a:schemeClr val="dk1">
+          <a:lumMod val="65000"/>
+          <a:lumOff val="35000"/>
+        </a:schemeClr>
+      </a:solidFill>
+      <a:ln w="9525">
+        <a:solidFill>
+          <a:schemeClr val="tx1">
+            <a:lumMod val="65000"/>
+            <a:lumOff val="35000"/>
+          </a:schemeClr>
+        </a:solidFill>
+      </a:ln>
+    </cs:spPr>
+  </cs:downBar>
+  <cs:dropLine>
+    <cs:lnRef idx="0"/>
+    <cs:fillRef idx="0"/>
+    <cs:effectRef idx="0"/>
+    <cs:fontRef idx="minor">
+      <a:schemeClr val="tx1"/>
+    </cs:fontRef>
+    <cs:spPr>
+      <a:ln w="9525" cap="flat" cmpd="sng" algn="ctr">
+        <a:solidFill>
+          <a:schemeClr val="tx1">
+            <a:lumMod val="35000"/>
+            <a:lumOff val="65000"/>
+          </a:schemeClr>
+        </a:solidFill>
+        <a:round/>
+      </a:ln>
+    </cs:spPr>
+  </cs:dropLine>
+  <cs:errorBar>
+    <cs:lnRef idx="0"/>
+    <cs:fillRef idx="0"/>
+    <cs:effectRef idx="0"/>
+    <cs:fontRef idx="minor">
+      <a:schemeClr val="tx1"/>
+    </cs:fontRef>
+    <cs:spPr>
+      <a:ln w="9525" cap="flat" cmpd="sng" algn="ctr">
+        <a:solidFill>
+          <a:schemeClr val="tx1">
+            <a:lumMod val="65000"/>
+            <a:lumOff val="35000"/>
+          </a:schemeClr>
+        </a:solidFill>
+        <a:round/>
+      </a:ln>
+    </cs:spPr>
+  </cs:errorBar>
+  <cs:floor>
+    <cs:lnRef idx="0"/>
+    <cs:fillRef idx="0"/>
+    <cs:effectRef idx="0"/>
+    <cs:fontRef idx="minor">
+      <a:schemeClr val="tx1"/>
+    </cs:fontRef>
+    <cs:spPr>
+      <a:noFill/>
+      <a:ln>
+        <a:noFill/>
+      </a:ln>
+    </cs:spPr>
+  </cs:floor>
+  <cs:gridlineMajor>
+    <cs:lnRef idx="0"/>
+    <cs:fillRef idx="0"/>
+    <cs:effectRef idx="0"/>
+    <cs:fontRef idx="minor">
+      <a:schemeClr val="tx1"/>
+    </cs:fontRef>
+    <cs:spPr>
+      <a:ln w="9525" cap="flat" cmpd="sng" algn="ctr">
+        <a:solidFill>
+          <a:schemeClr val="tx1">
+            <a:lumMod val="15000"/>
+            <a:lumOff val="85000"/>
+          </a:schemeClr>
+        </a:solidFill>
+        <a:round/>
+      </a:ln>
+    </cs:spPr>
+  </cs:gridlineMajor>
+  <cs:gridlineMinor>
+    <cs:lnRef idx="0"/>
+    <cs:fillRef idx="0"/>
+    <cs:effectRef idx="0"/>
+    <cs:fontRef idx="minor">
+      <a:schemeClr val="tx1"/>
+    </cs:fontRef>
+    <cs:spPr>
+      <a:ln w="9525" cap="flat" cmpd="sng" algn="ctr">
+        <a:solidFill>
+          <a:schemeClr val="tx1">
+            <a:lumMod val="5000"/>
+            <a:lumOff val="95000"/>
+          </a:schemeClr>
+        </a:solidFill>
+        <a:round/>
+      </a:ln>
+    </cs:spPr>
+  </cs:gridlineMinor>
+  <cs:hiLoLine>
+    <cs:lnRef idx="0"/>
+    <cs:fillRef idx="0"/>
+    <cs:effectRef idx="0"/>
+    <cs:fontRef idx="minor">
+      <a:schemeClr val="tx1"/>
+    </cs:fontRef>
+    <cs:spPr>
+      <a:ln w="9525" cap="flat" cmpd="sng" algn="ctr">
+        <a:solidFill>
+          <a:schemeClr val="tx1">
+            <a:lumMod val="75000"/>
+            <a:lumOff val="25000"/>
+          </a:schemeClr>
+        </a:solidFill>
+        <a:round/>
+      </a:ln>
+    </cs:spPr>
+  </cs:hiLoLine>
+  <cs:leaderLine>
+    <cs:lnRef idx="0"/>
+    <cs:fillRef idx="0"/>
+    <cs:effectRef idx="0"/>
+    <cs:fontRef idx="minor">
+      <a:schemeClr val="tx1"/>
+    </cs:fontRef>
+    <cs:spPr>
+      <a:ln w="9525" cap="flat" cmpd="sng" algn="ctr">
+        <a:solidFill>
+          <a:schemeClr val="tx1">
+            <a:lumMod val="35000"/>
+            <a:lumOff val="65000"/>
+          </a:schemeClr>
+        </a:solidFill>
+        <a:round/>
+      </a:ln>
+    </cs:spPr>
+  </cs:leaderLine>
+  <cs:legend>
+    <cs:lnRef idx="0"/>
+    <cs:fillRef idx="0"/>
+    <cs:effectRef idx="0"/>
+    <cs:fontRef idx="minor">
+      <a:schemeClr val="tx1">
+        <a:lumMod val="65000"/>
+        <a:lumOff val="35000"/>
+      </a:schemeClr>
+    </cs:fontRef>
+    <cs:defRPr sz="900" kern="1200"/>
+  </cs:legend>
+  <cs:plotArea mods="allowNoFillOverride allowNoLineOverride">
+    <cs:lnRef idx="0"/>
+    <cs:fillRef idx="0"/>
+    <cs:effectRef idx="0"/>
+    <cs:fontRef idx="minor">
+      <a:schemeClr val="tx1"/>
+    </cs:fontRef>
+  </cs:plotArea>
+  <cs:plotArea3D mods="allowNoFillOverride allowNoLineOverride">
+    <cs:lnRef idx="0"/>
+    <cs:fillRef idx="0"/>
+    <cs:effectRef idx="0"/>
+    <cs:fontRef idx="minor">
+      <a:schemeClr val="tx1"/>
+    </cs:fontRef>
+  </cs:plotArea3D>
+  <cs:seriesAxis>
+    <cs:lnRef idx="0"/>
+    <cs:fillRef idx="0"/>
+    <cs:effectRef idx="0"/>
+    <cs:fontRef idx="minor">
+      <a:schemeClr val="tx1">
+        <a:lumMod val="65000"/>
+        <a:lumOff val="35000"/>
+      </a:schemeClr>
+    </cs:fontRef>
+    <cs:defRPr sz="900" kern="1200"/>
+  </cs:seriesAxis>
+  <cs:seriesLine>
+    <cs:lnRef idx="0"/>
+    <cs:fillRef idx="0"/>
+    <cs:effectRef idx="0"/>
+    <cs:fontRef idx="minor">
+      <a:schemeClr val="tx1"/>
+    </cs:fontRef>
+    <cs:spPr>
+      <a:ln w="9525" cap="flat" cmpd="sng" algn="ctr">
+        <a:solidFill>
+          <a:schemeClr val="tx1">
+            <a:lumMod val="35000"/>
+            <a:lumOff val="65000"/>
+          </a:schemeClr>
+        </a:solidFill>
+        <a:round/>
+      </a:ln>
+    </cs:spPr>
+  </cs:seriesLine>
+  <cs:title>
+    <cs:lnRef idx="0"/>
+    <cs:fillRef idx="0"/>
+    <cs:effectRef idx="0"/>
+    <cs:fontRef idx="minor">
+      <a:schemeClr val="tx1">
+        <a:lumMod val="65000"/>
+        <a:lumOff val="35000"/>
+      </a:schemeClr>
+    </cs:fontRef>
+    <cs:defRPr sz="1400" b="0" kern="1200" spc="0" baseline="0"/>
+  </cs:title>
+  <cs:trendline>
+    <cs:lnRef idx="0">
+      <cs:styleClr val="auto"/>
+    </cs:lnRef>
+    <cs:fillRef idx="0"/>
+    <cs:effectRef idx="0"/>
+    <cs:fontRef idx="minor">
+      <a:schemeClr val="tx1"/>
+    </cs:fontRef>
+    <cs:spPr>
+      <a:ln w="19050" cap="rnd">
+        <a:solidFill>
+          <a:schemeClr val="phClr"/>
+        </a:solidFill>
+        <a:prstDash val="sysDot"/>
+      </a:ln>
+    </cs:spPr>
+  </cs:trendline>
+  <cs:trendlineLabel>
+    <cs:lnRef idx="0"/>
+    <cs:fillRef idx="0"/>
+    <cs:effectRef idx="0"/>
+    <cs:fontRef idx="minor">
+      <a:schemeClr val="tx1">
+        <a:lumMod val="65000"/>
+        <a:lumOff val="35000"/>
+      </a:schemeClr>
+    </cs:fontRef>
+    <cs:defRPr sz="900" kern="1200"/>
+  </cs:trendlineLabel>
+  <cs:upBar>
+    <cs:lnRef idx="0"/>
+    <cs:fillRef idx="0"/>
+    <cs:effectRef idx="0"/>
+    <cs:fontRef idx="minor">
+      <a:schemeClr val="dk1"/>
+    </cs:fontRef>
+    <cs:spPr>
+      <a:solidFill>
+        <a:schemeClr val="lt1"/>
+      </a:solidFill>
+      <a:ln w="9525">
+        <a:solidFill>
+          <a:schemeClr val="tx1">
+            <a:lumMod val="15000"/>
+            <a:lumOff val="85000"/>
+          </a:schemeClr>
+        </a:solidFill>
+      </a:ln>
+    </cs:spPr>
+  </cs:upBar>
+  <cs:valueAxis>
+    <cs:lnRef idx="0"/>
+    <cs:fillRef idx="0"/>
+    <cs:effectRef idx="0"/>
+    <cs:fontRef idx="minor">
+      <a:schemeClr val="tx1">
+        <a:lumMod val="65000"/>
+        <a:lumOff val="35000"/>
+      </a:schemeClr>
+    </cs:fontRef>
+    <cs:defRPr sz="900" kern="1200"/>
+  </cs:valueAxis>
+  <cs:wall>
+    <cs:lnRef idx="0"/>
+    <cs:fillRef idx="0"/>
+    <cs:effectRef idx="0"/>
+    <cs:fontRef idx="minor">
+      <a:schemeClr val="tx1"/>
+    </cs:fontRef>
+    <cs:spPr>
+      <a:noFill/>
+      <a:ln>
+        <a:noFill/>
+      </a:ln>
+    </cs:spPr>
+  </cs:wall>
+</cs:chartStyle>
+</file>
+
+<file path=ppt/charts/style7.xml><?xml version="1.0" encoding="utf-8"?>
+<cs:chartStyle xmlns:cs="http://schemas.microsoft.com/office/drawing/2012/chartStyle" xmlns:a="http://schemas.openxmlformats.org/drawingml/2006/main" id="201">
+  <cs:axisTitle>
+    <cs:lnRef idx="0"/>
+    <cs:fillRef idx="0"/>
+    <cs:effectRef idx="0"/>
+    <cs:fontRef idx="minor">
+      <a:schemeClr val="tx1">
+        <a:lumMod val="65000"/>
+        <a:lumOff val="35000"/>
+      </a:schemeClr>
+    </cs:fontRef>
+    <cs:defRPr sz="1000" kern="1200"/>
+  </cs:axisTitle>
+  <cs:categoryAxis>
+    <cs:lnRef idx="0"/>
+    <cs:fillRef idx="0"/>
+    <cs:effectRef idx="0"/>
+    <cs:fontRef idx="minor">
+      <a:schemeClr val="tx1">
+        <a:lumMod val="65000"/>
+        <a:lumOff val="35000"/>
+      </a:schemeClr>
+    </cs:fontRef>
+    <cs:spPr>
+      <a:ln w="9525" cap="flat" cmpd="sng" algn="ctr">
+        <a:solidFill>
+          <a:schemeClr val="tx1">
+            <a:lumMod val="15000"/>
+            <a:lumOff val="85000"/>
+          </a:schemeClr>
+        </a:solidFill>
+        <a:round/>
+      </a:ln>
+    </cs:spPr>
+    <cs:defRPr sz="900" kern="1200"/>
+  </cs:categoryAxis>
+  <cs:chartArea mods="allowNoFillOverride allowNoLineOverride">
+    <cs:lnRef idx="0"/>
+    <cs:fillRef idx="0"/>
+    <cs:effectRef idx="0"/>
+    <cs:fontRef idx="minor">
+      <a:schemeClr val="tx1"/>
+    </cs:fontRef>
+    <cs:spPr>
+      <a:solidFill>
+        <a:schemeClr val="bg1"/>
+      </a:solidFill>
+      <a:ln w="9525" cap="flat" cmpd="sng" algn="ctr">
+        <a:solidFill>
+          <a:schemeClr val="tx1">
+            <a:lumMod val="15000"/>
+            <a:lumOff val="85000"/>
+          </a:schemeClr>
+        </a:solidFill>
+        <a:round/>
+      </a:ln>
+    </cs:spPr>
+    <cs:defRPr sz="1000" kern="1200"/>
+  </cs:chartArea>
+  <cs:dataLabel>
+    <cs:lnRef idx="0"/>
+    <cs:fillRef idx="0"/>
+    <cs:effectRef idx="0"/>
+    <cs:fontRef idx="minor">
+      <a:schemeClr val="tx1">
+        <a:lumMod val="75000"/>
+        <a:lumOff val="25000"/>
+      </a:schemeClr>
+    </cs:fontRef>
+    <cs:defRPr sz="900" kern="1200"/>
+  </cs:dataLabel>
+  <cs:dataLabelCallout>
+    <cs:lnRef idx="0"/>
+    <cs:fillRef idx="0"/>
+    <cs:effectRef idx="0"/>
+    <cs:fontRef idx="minor">
+      <a:schemeClr val="dk1">
+        <a:lumMod val="65000"/>
+        <a:lumOff val="35000"/>
+      </a:schemeClr>
+    </cs:fontRef>
+    <cs:spPr>
+      <a:solidFill>
+        <a:schemeClr val="lt1"/>
+      </a:solidFill>
+      <a:ln>
+        <a:solidFill>
+          <a:schemeClr val="dk1">
+            <a:lumMod val="25000"/>
+            <a:lumOff val="75000"/>
+          </a:schemeClr>
+        </a:solidFill>
+      </a:ln>
+    </cs:spPr>
+    <cs:defRPr sz="900" kern="1200"/>
+    <cs:bodyPr rot="0" spcFirstLastPara="1" vertOverflow="clip" horzOverflow="clip" vert="horz" wrap="square" lIns="36576" tIns="18288" rIns="36576" bIns="18288" anchor="ctr" anchorCtr="1">
+      <a:spAutoFit/>
+    </cs:bodyPr>
+  </cs:dataLabelCallout>
+  <cs:dataPoint>
+    <cs:lnRef idx="0"/>
+    <cs:fillRef idx="1">
+      <cs:styleClr val="auto"/>
+    </cs:fillRef>
+    <cs:effectRef idx="0"/>
+    <cs:fontRef idx="minor">
+      <a:schemeClr val="tx1"/>
+    </cs:fontRef>
+  </cs:dataPoint>
+  <cs:dataPoint3D>
+    <cs:lnRef idx="0"/>
+    <cs:fillRef idx="1">
+      <cs:styleClr val="auto"/>
+    </cs:fillRef>
+    <cs:effectRef idx="0"/>
+    <cs:fontRef idx="minor">
+      <a:schemeClr val="tx1"/>
+    </cs:fontRef>
+  </cs:dataPoint3D>
+  <cs:dataPointLine>
+    <cs:lnRef idx="0">
+      <cs:styleClr val="auto"/>
+    </cs:lnRef>
+    <cs:fillRef idx="1"/>
+    <cs:effectRef idx="0"/>
+    <cs:fontRef idx="minor">
+      <a:schemeClr val="tx1"/>
+    </cs:fontRef>
+    <cs:spPr>
+      <a:ln w="28575" cap="rnd">
+        <a:solidFill>
+          <a:schemeClr val="phClr"/>
+        </a:solidFill>
+        <a:round/>
+      </a:ln>
+    </cs:spPr>
+  </cs:dataPointLine>
+  <cs:dataPointMarker>
+    <cs:lnRef idx="0">
+      <cs:styleClr val="auto"/>
+    </cs:lnRef>
+    <cs:fillRef idx="1">
+      <cs:styleClr val="auto"/>
+    </cs:fillRef>
+    <cs:effectRef idx="0"/>
+    <cs:fontRef idx="minor">
+      <a:schemeClr val="tx1"/>
+    </cs:fontRef>
+    <cs:spPr>
+      <a:ln w="9525">
+        <a:solidFill>
+          <a:schemeClr val="phClr"/>
+        </a:solidFill>
+      </a:ln>
+    </cs:spPr>
+  </cs:dataPointMarker>
+  <cs:dataPointMarkerLayout symbol="circle" size="5"/>
+  <cs:dataPointWireframe>
+    <cs:lnRef idx="0">
+      <cs:styleClr val="auto"/>
+    </cs:lnRef>
+    <cs:fillRef idx="1"/>
+    <cs:effectRef idx="0"/>
+    <cs:fontRef idx="minor">
+      <a:schemeClr val="tx1"/>
+    </cs:fontRef>
+    <cs:spPr>
+      <a:ln w="9525" cap="rnd">
+        <a:solidFill>
+          <a:schemeClr val="phClr"/>
+        </a:solidFill>
+        <a:round/>
+      </a:ln>
+    </cs:spPr>
+  </cs:dataPointWireframe>
+  <cs:dataTable>
+    <cs:lnRef idx="0"/>
+    <cs:fillRef idx="0"/>
+    <cs:effectRef idx="0"/>
+    <cs:fontRef idx="minor">
+      <a:schemeClr val="tx1">
+        <a:lumMod val="65000"/>
+        <a:lumOff val="35000"/>
+      </a:schemeClr>
+    </cs:fontRef>
+    <cs:spPr>
+      <a:noFill/>
+      <a:ln w="9525" cap="flat" cmpd="sng" algn="ctr">
+        <a:solidFill>
+          <a:schemeClr val="tx1">
+            <a:lumMod val="15000"/>
+            <a:lumOff val="85000"/>
+          </a:schemeClr>
+        </a:solidFill>
+        <a:round/>
+      </a:ln>
+    </cs:spPr>
+    <cs:defRPr sz="900" kern="1200"/>
+  </cs:dataTable>
+  <cs:downBar>
+    <cs:lnRef idx="0"/>
+    <cs:fillRef idx="0"/>
+    <cs:effectRef idx="0"/>
+    <cs:fontRef idx="minor">
+      <a:schemeClr val="dk1"/>
+    </cs:fontRef>
+    <cs:spPr>
+      <a:solidFill>
+        <a:schemeClr val="dk1">
+          <a:lumMod val="65000"/>
+          <a:lumOff val="35000"/>
+        </a:schemeClr>
+      </a:solidFill>
+      <a:ln w="9525">
+        <a:solidFill>
+          <a:schemeClr val="tx1">
+            <a:lumMod val="65000"/>
+            <a:lumOff val="35000"/>
+          </a:schemeClr>
+        </a:solidFill>
+      </a:ln>
+    </cs:spPr>
+  </cs:downBar>
+  <cs:dropLine>
+    <cs:lnRef idx="0"/>
+    <cs:fillRef idx="0"/>
+    <cs:effectRef idx="0"/>
+    <cs:fontRef idx="minor">
+      <a:schemeClr val="tx1"/>
+    </cs:fontRef>
+    <cs:spPr>
+      <a:ln w="9525" cap="flat" cmpd="sng" algn="ctr">
+        <a:solidFill>
+          <a:schemeClr val="tx1">
+            <a:lumMod val="35000"/>
+            <a:lumOff val="65000"/>
+          </a:schemeClr>
+        </a:solidFill>
+        <a:round/>
+      </a:ln>
+    </cs:spPr>
+  </cs:dropLine>
+  <cs:errorBar>
+    <cs:lnRef idx="0"/>
+    <cs:fillRef idx="0"/>
+    <cs:effectRef idx="0"/>
+    <cs:fontRef idx="minor">
+      <a:schemeClr val="tx1"/>
+    </cs:fontRef>
+    <cs:spPr>
+      <a:ln w="9525" cap="flat" cmpd="sng" algn="ctr">
+        <a:solidFill>
+          <a:schemeClr val="tx1">
+            <a:lumMod val="65000"/>
+            <a:lumOff val="35000"/>
+          </a:schemeClr>
+        </a:solidFill>
+        <a:round/>
+      </a:ln>
+    </cs:spPr>
+  </cs:errorBar>
+  <cs:floor>
+    <cs:lnRef idx="0"/>
+    <cs:fillRef idx="0"/>
+    <cs:effectRef idx="0"/>
+    <cs:fontRef idx="minor">
+      <a:schemeClr val="tx1"/>
+    </cs:fontRef>
+    <cs:spPr>
+      <a:noFill/>
+      <a:ln>
+        <a:noFill/>
+      </a:ln>
+    </cs:spPr>
+  </cs:floor>
+  <cs:gridlineMajor>
+    <cs:lnRef idx="0"/>
+    <cs:fillRef idx="0"/>
+    <cs:effectRef idx="0"/>
+    <cs:fontRef idx="minor">
+      <a:schemeClr val="tx1"/>
+    </cs:fontRef>
+    <cs:spPr>
+      <a:ln w="9525" cap="flat" cmpd="sng" algn="ctr">
+        <a:solidFill>
+          <a:schemeClr val="tx1">
+            <a:lumMod val="15000"/>
+            <a:lumOff val="85000"/>
+          </a:schemeClr>
+        </a:solidFill>
+        <a:round/>
+      </a:ln>
+    </cs:spPr>
+  </cs:gridlineMajor>
+  <cs:gridlineMinor>
+    <cs:lnRef idx="0"/>
+    <cs:fillRef idx="0"/>
+    <cs:effectRef idx="0"/>
+    <cs:fontRef idx="minor">
+      <a:schemeClr val="tx1"/>
+    </cs:fontRef>
+    <cs:spPr>
+      <a:ln w="9525" cap="flat" cmpd="sng" algn="ctr">
+        <a:solidFill>
+          <a:schemeClr val="tx1">
+            <a:lumMod val="5000"/>
+            <a:lumOff val="95000"/>
+          </a:schemeClr>
+        </a:solidFill>
+        <a:round/>
+      </a:ln>
+    </cs:spPr>
+  </cs:gridlineMinor>
+  <cs:hiLoLine>
+    <cs:lnRef idx="0"/>
+    <cs:fillRef idx="0"/>
+    <cs:effectRef idx="0"/>
+    <cs:fontRef idx="minor">
+      <a:schemeClr val="tx1"/>
+    </cs:fontRef>
+    <cs:spPr>
+      <a:ln w="9525" cap="flat" cmpd="sng" algn="ctr">
+        <a:solidFill>
+          <a:schemeClr val="tx1">
+            <a:lumMod val="75000"/>
+            <a:lumOff val="25000"/>
+          </a:schemeClr>
+        </a:solidFill>
+        <a:round/>
+      </a:ln>
+    </cs:spPr>
+  </cs:hiLoLine>
+  <cs:leaderLine>
+    <cs:lnRef idx="0"/>
+    <cs:fillRef idx="0"/>
+    <cs:effectRef idx="0"/>
+    <cs:fontRef idx="minor">
+      <a:schemeClr val="tx1"/>
+    </cs:fontRef>
+    <cs:spPr>
+      <a:ln w="9525" cap="flat" cmpd="sng" algn="ctr">
+        <a:solidFill>
+          <a:schemeClr val="tx1">
+            <a:lumMod val="35000"/>
+            <a:lumOff val="65000"/>
+          </a:schemeClr>
+        </a:solidFill>
+        <a:round/>
+      </a:ln>
+    </cs:spPr>
+  </cs:leaderLine>
+  <cs:legend>
+    <cs:lnRef idx="0"/>
+    <cs:fillRef idx="0"/>
+    <cs:effectRef idx="0"/>
+    <cs:fontRef idx="minor">
+      <a:schemeClr val="tx1">
+        <a:lumMod val="65000"/>
+        <a:lumOff val="35000"/>
+      </a:schemeClr>
+    </cs:fontRef>
+    <cs:defRPr sz="900" kern="1200"/>
+  </cs:legend>
+  <cs:plotArea mods="allowNoFillOverride allowNoLineOverride">
+    <cs:lnRef idx="0"/>
+    <cs:fillRef idx="0"/>
+    <cs:effectRef idx="0"/>
+    <cs:fontRef idx="minor">
+      <a:schemeClr val="tx1"/>
+    </cs:fontRef>
+  </cs:plotArea>
+  <cs:plotArea3D mods="allowNoFillOverride allowNoLineOverride">
+    <cs:lnRef idx="0"/>
+    <cs:fillRef idx="0"/>
+    <cs:effectRef idx="0"/>
+    <cs:fontRef idx="minor">
+      <a:schemeClr val="tx1"/>
+    </cs:fontRef>
+  </cs:plotArea3D>
+  <cs:seriesAxis>
+    <cs:lnRef idx="0"/>
+    <cs:fillRef idx="0"/>
+    <cs:effectRef idx="0"/>
+    <cs:fontRef idx="minor">
+      <a:schemeClr val="tx1">
+        <a:lumMod val="65000"/>
+        <a:lumOff val="35000"/>
+      </a:schemeClr>
+    </cs:fontRef>
+    <cs:defRPr sz="900" kern="1200"/>
+  </cs:seriesAxis>
+  <cs:seriesLine>
+    <cs:lnRef idx="0"/>
+    <cs:fillRef idx="0"/>
+    <cs:effectRef idx="0"/>
+    <cs:fontRef idx="minor">
+      <a:schemeClr val="tx1"/>
+    </cs:fontRef>
+    <cs:spPr>
+      <a:ln w="9525" cap="flat" cmpd="sng" algn="ctr">
+        <a:solidFill>
+          <a:schemeClr val="tx1">
+            <a:lumMod val="35000"/>
+            <a:lumOff val="65000"/>
+          </a:schemeClr>
+        </a:solidFill>
+        <a:round/>
+      </a:ln>
+    </cs:spPr>
+  </cs:seriesLine>
+  <cs:title>
+    <cs:lnRef idx="0"/>
+    <cs:fillRef idx="0"/>
+    <cs:effectRef idx="0"/>
+    <cs:fontRef idx="minor">
+      <a:schemeClr val="tx1">
+        <a:lumMod val="65000"/>
+        <a:lumOff val="35000"/>
+      </a:schemeClr>
+    </cs:fontRef>
+    <cs:defRPr sz="1400" b="0" kern="1200" spc="0" baseline="0"/>
+  </cs:title>
+  <cs:trendline>
+    <cs:lnRef idx="0">
+      <cs:styleClr val="auto"/>
+    </cs:lnRef>
+    <cs:fillRef idx="0"/>
+    <cs:effectRef idx="0"/>
+    <cs:fontRef idx="minor">
+      <a:schemeClr val="tx1"/>
+    </cs:fontRef>
+    <cs:spPr>
+      <a:ln w="19050" cap="rnd">
+        <a:solidFill>
+          <a:schemeClr val="phClr"/>
+        </a:solidFill>
+        <a:prstDash val="sysDot"/>
+      </a:ln>
+    </cs:spPr>
+  </cs:trendline>
+  <cs:trendlineLabel>
+    <cs:lnRef idx="0"/>
+    <cs:fillRef idx="0"/>
+    <cs:effectRef idx="0"/>
+    <cs:fontRef idx="minor">
+      <a:schemeClr val="tx1">
+        <a:lumMod val="65000"/>
+        <a:lumOff val="35000"/>
+      </a:schemeClr>
+    </cs:fontRef>
+    <cs:defRPr sz="900" kern="1200"/>
+  </cs:trendlineLabel>
+  <cs:upBar>
+    <cs:lnRef idx="0"/>
+    <cs:fillRef idx="0"/>
+    <cs:effectRef idx="0"/>
+    <cs:fontRef idx="minor">
+      <a:schemeClr val="dk1"/>
+    </cs:fontRef>
+    <cs:spPr>
+      <a:solidFill>
+        <a:schemeClr val="lt1"/>
+      </a:solidFill>
+      <a:ln w="9525">
+        <a:solidFill>
+          <a:schemeClr val="tx1">
+            <a:lumMod val="15000"/>
+            <a:lumOff val="85000"/>
+          </a:schemeClr>
+        </a:solidFill>
+      </a:ln>
+    </cs:spPr>
+  </cs:upBar>
+  <cs:valueAxis>
+    <cs:lnRef idx="0"/>
+    <cs:fillRef idx="0"/>
+    <cs:effectRef idx="0"/>
+    <cs:fontRef idx="minor">
+      <a:schemeClr val="tx1">
+        <a:lumMod val="65000"/>
+        <a:lumOff val="35000"/>
+      </a:schemeClr>
+    </cs:fontRef>
+    <cs:defRPr sz="900" kern="1200"/>
+  </cs:valueAxis>
+  <cs:wall>
+    <cs:lnRef idx="0"/>
+    <cs:fillRef idx="0"/>
+    <cs:effectRef idx="0"/>
+    <cs:fontRef idx="minor">
+      <a:schemeClr val="tx1"/>
+    </cs:fontRef>
+    <cs:spPr>
+      <a:noFill/>
+      <a:ln>
+        <a:noFill/>
+      </a:ln>
+    </cs:spPr>
+  </cs:wall>
+</cs:chartStyle>
+</file>
+
+<file path=ppt/charts/style8.xml><?xml version="1.0" encoding="utf-8"?>
+<cs:chartStyle xmlns:cs="http://schemas.microsoft.com/office/drawing/2012/chartStyle" xmlns:a="http://schemas.openxmlformats.org/drawingml/2006/main" id="201">
+  <cs:axisTitle>
+    <cs:lnRef idx="0"/>
+    <cs:fillRef idx="0"/>
+    <cs:effectRef idx="0"/>
+    <cs:fontRef idx="minor">
+      <a:schemeClr val="tx1">
+        <a:lumMod val="65000"/>
+        <a:lumOff val="35000"/>
+      </a:schemeClr>
+    </cs:fontRef>
+    <cs:defRPr sz="1000" kern="1200"/>
+  </cs:axisTitle>
+  <cs:categoryAxis>
+    <cs:lnRef idx="0"/>
+    <cs:fillRef idx="0"/>
+    <cs:effectRef idx="0"/>
+    <cs:fontRef idx="minor">
+      <a:schemeClr val="tx1">
+        <a:lumMod val="65000"/>
+        <a:lumOff val="35000"/>
+      </a:schemeClr>
+    </cs:fontRef>
+    <cs:spPr>
+      <a:ln w="9525" cap="flat" cmpd="sng" algn="ctr">
+        <a:solidFill>
+          <a:schemeClr val="tx1">
+            <a:lumMod val="15000"/>
+            <a:lumOff val="85000"/>
+          </a:schemeClr>
+        </a:solidFill>
+        <a:round/>
+      </a:ln>
+    </cs:spPr>
+    <cs:defRPr sz="900" kern="1200"/>
+  </cs:categoryAxis>
+  <cs:chartArea mods="allowNoFillOverride allowNoLineOverride">
+    <cs:lnRef idx="0"/>
+    <cs:fillRef idx="0"/>
+    <cs:effectRef idx="0"/>
+    <cs:fontRef idx="minor">
+      <a:schemeClr val="tx1"/>
+    </cs:fontRef>
+    <cs:spPr>
+      <a:solidFill>
+        <a:schemeClr val="bg1"/>
+      </a:solidFill>
+      <a:ln w="9525" cap="flat" cmpd="sng" algn="ctr">
+        <a:solidFill>
+          <a:schemeClr val="tx1">
+            <a:lumMod val="15000"/>
+            <a:lumOff val="85000"/>
+          </a:schemeClr>
+        </a:solidFill>
+        <a:round/>
+      </a:ln>
+    </cs:spPr>
+    <cs:defRPr sz="1000" kern="1200"/>
+  </cs:chartArea>
+  <cs:dataLabel>
+    <cs:lnRef idx="0"/>
+    <cs:fillRef idx="0"/>
+    <cs:effectRef idx="0"/>
+    <cs:fontRef idx="minor">
+      <a:schemeClr val="tx1">
+        <a:lumMod val="75000"/>
+        <a:lumOff val="25000"/>
+      </a:schemeClr>
+    </cs:fontRef>
+    <cs:defRPr sz="900" kern="1200"/>
+  </cs:dataLabel>
+  <cs:dataLabelCallout>
+    <cs:lnRef idx="0"/>
+    <cs:fillRef idx="0"/>
+    <cs:effectRef idx="0"/>
+    <cs:fontRef idx="minor">
+      <a:schemeClr val="dk1">
+        <a:lumMod val="65000"/>
+        <a:lumOff val="35000"/>
+      </a:schemeClr>
+    </cs:fontRef>
+    <cs:spPr>
+      <a:solidFill>
+        <a:schemeClr val="lt1"/>
+      </a:solidFill>
+      <a:ln>
+        <a:solidFill>
+          <a:schemeClr val="dk1">
+            <a:lumMod val="25000"/>
+            <a:lumOff val="75000"/>
+          </a:schemeClr>
+        </a:solidFill>
+      </a:ln>
+    </cs:spPr>
+    <cs:defRPr sz="900" kern="1200"/>
+    <cs:bodyPr rot="0" spcFirstLastPara="1" vertOverflow="clip" horzOverflow="clip" vert="horz" wrap="square" lIns="36576" tIns="18288" rIns="36576" bIns="18288" anchor="ctr" anchorCtr="1">
+      <a:spAutoFit/>
+    </cs:bodyPr>
+  </cs:dataLabelCallout>
+  <cs:dataPoint>
+    <cs:lnRef idx="0"/>
+    <cs:fillRef idx="1">
+      <cs:styleClr val="auto"/>
+    </cs:fillRef>
+    <cs:effectRef idx="0"/>
+    <cs:fontRef idx="minor">
+      <a:schemeClr val="tx1"/>
+    </cs:fontRef>
+  </cs:dataPoint>
+  <cs:dataPoint3D>
+    <cs:lnRef idx="0"/>
+    <cs:fillRef idx="1">
+      <cs:styleClr val="auto"/>
+    </cs:fillRef>
+    <cs:effectRef idx="0"/>
+    <cs:fontRef idx="minor">
+      <a:schemeClr val="tx1"/>
+    </cs:fontRef>
+  </cs:dataPoint3D>
+  <cs:dataPointLine>
+    <cs:lnRef idx="0">
+      <cs:styleClr val="auto"/>
+    </cs:lnRef>
+    <cs:fillRef idx="1"/>
+    <cs:effectRef idx="0"/>
+    <cs:fontRef idx="minor">
+      <a:schemeClr val="tx1"/>
+    </cs:fontRef>
+    <cs:spPr>
+      <a:ln w="28575" cap="rnd">
+        <a:solidFill>
+          <a:schemeClr val="phClr"/>
+        </a:solidFill>
+        <a:round/>
+      </a:ln>
+    </cs:spPr>
+  </cs:dataPointLine>
+  <cs:dataPointMarker>
+    <cs:lnRef idx="0">
+      <cs:styleClr val="auto"/>
+    </cs:lnRef>
+    <cs:fillRef idx="1">
+      <cs:styleClr val="auto"/>
+    </cs:fillRef>
+    <cs:effectRef idx="0"/>
+    <cs:fontRef idx="minor">
+      <a:schemeClr val="tx1"/>
+    </cs:fontRef>
+    <cs:spPr>
+      <a:ln w="9525">
+        <a:solidFill>
+          <a:schemeClr val="phClr"/>
+        </a:solidFill>
+      </a:ln>
+    </cs:spPr>
+  </cs:dataPointMarker>
+  <cs:dataPointMarkerLayout symbol="circle" size="5"/>
+  <cs:dataPointWireframe>
+    <cs:lnRef idx="0">
+      <cs:styleClr val="auto"/>
+    </cs:lnRef>
+    <cs:fillRef idx="1"/>
+    <cs:effectRef idx="0"/>
+    <cs:fontRef idx="minor">
+      <a:schemeClr val="tx1"/>
+    </cs:fontRef>
+    <cs:spPr>
+      <a:ln w="9525" cap="rnd">
+        <a:solidFill>
+          <a:schemeClr val="phClr"/>
+        </a:solidFill>
+        <a:round/>
+      </a:ln>
+    </cs:spPr>
+  </cs:dataPointWireframe>
+  <cs:dataTable>
+    <cs:lnRef idx="0"/>
+    <cs:fillRef idx="0"/>
+    <cs:effectRef idx="0"/>
+    <cs:fontRef idx="minor">
+      <a:schemeClr val="tx1">
+        <a:lumMod val="65000"/>
+        <a:lumOff val="35000"/>
+      </a:schemeClr>
+    </cs:fontRef>
+    <cs:spPr>
+      <a:noFill/>
+      <a:ln w="9525" cap="flat" cmpd="sng" algn="ctr">
+        <a:solidFill>
+          <a:schemeClr val="tx1">
+            <a:lumMod val="15000"/>
+            <a:lumOff val="85000"/>
+          </a:schemeClr>
+        </a:solidFill>
+        <a:round/>
+      </a:ln>
+    </cs:spPr>
+    <cs:defRPr sz="900" kern="1200"/>
+  </cs:dataTable>
+  <cs:downBar>
+    <cs:lnRef idx="0"/>
+    <cs:fillRef idx="0"/>
+    <cs:effectRef idx="0"/>
+    <cs:fontRef idx="minor">
+      <a:schemeClr val="dk1"/>
+    </cs:fontRef>
+    <cs:spPr>
+      <a:solidFill>
+        <a:schemeClr val="dk1">
+          <a:lumMod val="65000"/>
+          <a:lumOff val="35000"/>
+        </a:schemeClr>
+      </a:solidFill>
+      <a:ln w="9525">
+        <a:solidFill>
+          <a:schemeClr val="tx1">
+            <a:lumMod val="65000"/>
+            <a:lumOff val="35000"/>
+          </a:schemeClr>
+        </a:solidFill>
+      </a:ln>
+    </cs:spPr>
+  </cs:downBar>
+  <cs:dropLine>
+    <cs:lnRef idx="0"/>
+    <cs:fillRef idx="0"/>
+    <cs:effectRef idx="0"/>
+    <cs:fontRef idx="minor">
+      <a:schemeClr val="tx1"/>
+    </cs:fontRef>
+    <cs:spPr>
+      <a:ln w="9525" cap="flat" cmpd="sng" algn="ctr">
+        <a:solidFill>
+          <a:schemeClr val="tx1">
+            <a:lumMod val="35000"/>
+            <a:lumOff val="65000"/>
+          </a:schemeClr>
+        </a:solidFill>
+        <a:round/>
+      </a:ln>
+    </cs:spPr>
+  </cs:dropLine>
+  <cs:errorBar>
+    <cs:lnRef idx="0"/>
+    <cs:fillRef idx="0"/>
+    <cs:effectRef idx="0"/>
+    <cs:fontRef idx="minor">
+      <a:schemeClr val="tx1"/>
+    </cs:fontRef>
+    <cs:spPr>
+      <a:ln w="9525" cap="flat" cmpd="sng" algn="ctr">
+        <a:solidFill>
+          <a:schemeClr val="tx1">
+            <a:lumMod val="65000"/>
+            <a:lumOff val="35000"/>
+          </a:schemeClr>
+        </a:solidFill>
+        <a:round/>
+      </a:ln>
+    </cs:spPr>
+  </cs:errorBar>
+  <cs:floor>
+    <cs:lnRef idx="0"/>
+    <cs:fillRef idx="0"/>
+    <cs:effectRef idx="0"/>
+    <cs:fontRef idx="minor">
+      <a:schemeClr val="tx1"/>
+    </cs:fontRef>
+    <cs:spPr>
+      <a:noFill/>
+      <a:ln>
+        <a:noFill/>
+      </a:ln>
+    </cs:spPr>
+  </cs:floor>
+  <cs:gridlineMajor>
+    <cs:lnRef idx="0"/>
+    <cs:fillRef idx="0"/>
+    <cs:effectRef idx="0"/>
+    <cs:fontRef idx="minor">
+      <a:schemeClr val="tx1"/>
+    </cs:fontRef>
+    <cs:spPr>
+      <a:ln w="9525" cap="flat" cmpd="sng" algn="ctr">
+        <a:solidFill>
+          <a:schemeClr val="tx1">
+            <a:lumMod val="15000"/>
+            <a:lumOff val="85000"/>
+          </a:schemeClr>
+        </a:solidFill>
+        <a:round/>
+      </a:ln>
+    </cs:spPr>
+  </cs:gridlineMajor>
+  <cs:gridlineMinor>
+    <cs:lnRef idx="0"/>
+    <cs:fillRef idx="0"/>
+    <cs:effectRef idx="0"/>
+    <cs:fontRef idx="minor">
+      <a:schemeClr val="tx1"/>
+    </cs:fontRef>
+    <cs:spPr>
+      <a:ln w="9525" cap="flat" cmpd="sng" algn="ctr">
+        <a:solidFill>
+          <a:schemeClr val="tx1">
+            <a:lumMod val="5000"/>
+            <a:lumOff val="95000"/>
+          </a:schemeClr>
+        </a:solidFill>
+        <a:round/>
+      </a:ln>
+    </cs:spPr>
+  </cs:gridlineMinor>
+  <cs:hiLoLine>
+    <cs:lnRef idx="0"/>
+    <cs:fillRef idx="0"/>
+    <cs:effectRef idx="0"/>
+    <cs:fontRef idx="minor">
+      <a:schemeClr val="tx1"/>
+    </cs:fontRef>
+    <cs:spPr>
+      <a:ln w="9525" cap="flat" cmpd="sng" algn="ctr">
+        <a:solidFill>
+          <a:schemeClr val="tx1">
+            <a:lumMod val="75000"/>
+            <a:lumOff val="25000"/>
+          </a:schemeClr>
+        </a:solidFill>
+        <a:round/>
+      </a:ln>
+    </cs:spPr>
+  </cs:hiLoLine>
+  <cs:leaderLine>
+    <cs:lnRef idx="0"/>
+    <cs:fillRef idx="0"/>
+    <cs:effectRef idx="0"/>
+    <cs:fontRef idx="minor">
+      <a:schemeClr val="tx1"/>
+    </cs:fontRef>
+    <cs:spPr>
+      <a:ln w="9525" cap="flat" cmpd="sng" algn="ctr">
+        <a:solidFill>
+          <a:schemeClr val="tx1">
+            <a:lumMod val="35000"/>
+            <a:lumOff val="65000"/>
+          </a:schemeClr>
+        </a:solidFill>
+        <a:round/>
+      </a:ln>
+    </cs:spPr>
+  </cs:leaderLine>
+  <cs:legend>
+    <cs:lnRef idx="0"/>
+    <cs:fillRef idx="0"/>
+    <cs:effectRef idx="0"/>
+    <cs:fontRef idx="minor">
+      <a:schemeClr val="tx1">
+        <a:lumMod val="65000"/>
+        <a:lumOff val="35000"/>
+      </a:schemeClr>
+    </cs:fontRef>
+    <cs:defRPr sz="900" kern="1200"/>
+  </cs:legend>
+  <cs:plotArea mods="allowNoFillOverride allowNoLineOverride">
+    <cs:lnRef idx="0"/>
+    <cs:fillRef idx="0"/>
+    <cs:effectRef idx="0"/>
+    <cs:fontRef idx="minor">
+      <a:schemeClr val="tx1"/>
+    </cs:fontRef>
+  </cs:plotArea>
+  <cs:plotArea3D mods="allowNoFillOverride allowNoLineOverride">
+    <cs:lnRef idx="0"/>
+    <cs:fillRef idx="0"/>
+    <cs:effectRef idx="0"/>
+    <cs:fontRef idx="minor">
+      <a:schemeClr val="tx1"/>
+    </cs:fontRef>
+  </cs:plotArea3D>
+  <cs:seriesAxis>
+    <cs:lnRef idx="0"/>
+    <cs:fillRef idx="0"/>
+    <cs:effectRef idx="0"/>
+    <cs:fontRef idx="minor">
+      <a:schemeClr val="tx1">
+        <a:lumMod val="65000"/>
+        <a:lumOff val="35000"/>
+      </a:schemeClr>
+    </cs:fontRef>
+    <cs:defRPr sz="900" kern="1200"/>
+  </cs:seriesAxis>
+  <cs:seriesLine>
+    <cs:lnRef idx="0"/>
+    <cs:fillRef idx="0"/>
+    <cs:effectRef idx="0"/>
+    <cs:fontRef idx="minor">
+      <a:schemeClr val="tx1"/>
+    </cs:fontRef>
+    <cs:spPr>
+      <a:ln w="9525" cap="flat" cmpd="sng" algn="ctr">
+        <a:solidFill>
+          <a:schemeClr val="tx1">
+            <a:lumMod val="35000"/>
+            <a:lumOff val="65000"/>
+          </a:schemeClr>
+        </a:solidFill>
+        <a:round/>
+      </a:ln>
+    </cs:spPr>
+  </cs:seriesLine>
+  <cs:title>
+    <cs:lnRef idx="0"/>
+    <cs:fillRef idx="0"/>
+    <cs:effectRef idx="0"/>
+    <cs:fontRef idx="minor">
+      <a:schemeClr val="tx1">
+        <a:lumMod val="65000"/>
+        <a:lumOff val="35000"/>
+      </a:schemeClr>
+    </cs:fontRef>
+    <cs:defRPr sz="1400" b="0" kern="1200" spc="0" baseline="0"/>
+  </cs:title>
+  <cs:trendline>
+    <cs:lnRef idx="0">
+      <cs:styleClr val="auto"/>
+    </cs:lnRef>
+    <cs:fillRef idx="0"/>
+    <cs:effectRef idx="0"/>
+    <cs:fontRef idx="minor">
+      <a:schemeClr val="tx1"/>
+    </cs:fontRef>
+    <cs:spPr>
+      <a:ln w="19050" cap="rnd">
+        <a:solidFill>
+          <a:schemeClr val="phClr"/>
+        </a:solidFill>
+        <a:prstDash val="sysDot"/>
+      </a:ln>
+    </cs:spPr>
+  </cs:trendline>
+  <cs:trendlineLabel>
+    <cs:lnRef idx="0"/>
+    <cs:fillRef idx="0"/>
+    <cs:effectRef idx="0"/>
+    <cs:fontRef idx="minor">
+      <a:schemeClr val="tx1">
+        <a:lumMod val="65000"/>
+        <a:lumOff val="35000"/>
+      </a:schemeClr>
+    </cs:fontRef>
+    <cs:defRPr sz="900" kern="1200"/>
+  </cs:trendlineLabel>
+  <cs:upBar>
+    <cs:lnRef idx="0"/>
+    <cs:fillRef idx="0"/>
+    <cs:effectRef idx="0"/>
+    <cs:fontRef idx="minor">
+      <a:schemeClr val="dk1"/>
+    </cs:fontRef>
+    <cs:spPr>
+      <a:solidFill>
+        <a:schemeClr val="lt1"/>
+      </a:solidFill>
+      <a:ln w="9525">
+        <a:solidFill>
+          <a:schemeClr val="tx1">
+            <a:lumMod val="15000"/>
+            <a:lumOff val="85000"/>
+          </a:schemeClr>
+        </a:solidFill>
+      </a:ln>
+    </cs:spPr>
+  </cs:upBar>
+  <cs:valueAxis>
+    <cs:lnRef idx="0"/>
+    <cs:fillRef idx="0"/>
+    <cs:effectRef idx="0"/>
+    <cs:fontRef idx="minor">
+      <a:schemeClr val="tx1">
+        <a:lumMod val="65000"/>
+        <a:lumOff val="35000"/>
+      </a:schemeClr>
+    </cs:fontRef>
+    <cs:defRPr sz="900" kern="1200"/>
+  </cs:valueAxis>
+  <cs:wall>
+    <cs:lnRef idx="0"/>
+    <cs:fillRef idx="0"/>
+    <cs:effectRef idx="0"/>
+    <cs:fontRef idx="minor">
+      <a:schemeClr val="tx1"/>
+    </cs:fontRef>
+    <cs:spPr>
+      <a:noFill/>
+      <a:ln>
+        <a:noFill/>
+      </a:ln>
+    </cs:spPr>
+  </cs:wall>
+</cs:chartStyle>
 </file>
 
 <file path=ppt/slideLayouts/slideLayout1.xml><?xml version="1.0" encoding="utf-8"?>
@@ -261,7 +8631,7 @@
           <a:p>
             <a:fld id="{AFC5C9AE-A6C0-4F9D-A14C-F9F7B1544907}" type="datetimeFigureOut">
               <a:rPr lang="en-US" smtClean="0"/>
-              <a:t>4/12/2015</a:t>
+              <a:t>4/13/2015</a:t>
             </a:fld>
             <a:endParaRPr lang="en-US"/>
           </a:p>
@@ -431,7 +8801,7 @@
           <a:p>
             <a:fld id="{AFC5C9AE-A6C0-4F9D-A14C-F9F7B1544907}" type="datetimeFigureOut">
               <a:rPr lang="en-US" smtClean="0"/>
-              <a:t>4/12/2015</a:t>
+              <a:t>4/13/2015</a:t>
             </a:fld>
             <a:endParaRPr lang="en-US"/>
           </a:p>
@@ -611,7 +8981,7 @@
           <a:p>
             <a:fld id="{AFC5C9AE-A6C0-4F9D-A14C-F9F7B1544907}" type="datetimeFigureOut">
               <a:rPr lang="en-US" smtClean="0"/>
-              <a:t>4/12/2015</a:t>
+              <a:t>4/13/2015</a:t>
             </a:fld>
             <a:endParaRPr lang="en-US"/>
           </a:p>
@@ -781,7 +9151,7 @@
           <a:p>
             <a:fld id="{AFC5C9AE-A6C0-4F9D-A14C-F9F7B1544907}" type="datetimeFigureOut">
               <a:rPr lang="en-US" smtClean="0"/>
-              <a:t>4/12/2015</a:t>
+              <a:t>4/13/2015</a:t>
             </a:fld>
             <a:endParaRPr lang="en-US"/>
           </a:p>
@@ -1027,7 +9397,7 @@
           <a:p>
             <a:fld id="{AFC5C9AE-A6C0-4F9D-A14C-F9F7B1544907}" type="datetimeFigureOut">
               <a:rPr lang="en-US" smtClean="0"/>
-              <a:t>4/12/2015</a:t>
+              <a:t>4/13/2015</a:t>
             </a:fld>
             <a:endParaRPr lang="en-US"/>
           </a:p>
@@ -1259,7 +9629,7 @@
           <a:p>
             <a:fld id="{AFC5C9AE-A6C0-4F9D-A14C-F9F7B1544907}" type="datetimeFigureOut">
               <a:rPr lang="en-US" smtClean="0"/>
-              <a:t>4/12/2015</a:t>
+              <a:t>4/13/2015</a:t>
             </a:fld>
             <a:endParaRPr lang="en-US"/>
           </a:p>
@@ -1626,7 +9996,7 @@
           <a:p>
             <a:fld id="{AFC5C9AE-A6C0-4F9D-A14C-F9F7B1544907}" type="datetimeFigureOut">
               <a:rPr lang="en-US" smtClean="0"/>
-              <a:t>4/12/2015</a:t>
+              <a:t>4/13/2015</a:t>
             </a:fld>
             <a:endParaRPr lang="en-US"/>
           </a:p>
@@ -1744,7 +10114,7 @@
           <a:p>
             <a:fld id="{AFC5C9AE-A6C0-4F9D-A14C-F9F7B1544907}" type="datetimeFigureOut">
               <a:rPr lang="en-US" smtClean="0"/>
-              <a:t>4/12/2015</a:t>
+              <a:t>4/13/2015</a:t>
             </a:fld>
             <a:endParaRPr lang="en-US"/>
           </a:p>
@@ -1839,7 +10209,7 @@
           <a:p>
             <a:fld id="{AFC5C9AE-A6C0-4F9D-A14C-F9F7B1544907}" type="datetimeFigureOut">
               <a:rPr lang="en-US" smtClean="0"/>
-              <a:t>4/12/2015</a:t>
+              <a:t>4/13/2015</a:t>
             </a:fld>
             <a:endParaRPr lang="en-US"/>
           </a:p>
@@ -2116,7 +10486,7 @@
           <a:p>
             <a:fld id="{AFC5C9AE-A6C0-4F9D-A14C-F9F7B1544907}" type="datetimeFigureOut">
               <a:rPr lang="en-US" smtClean="0"/>
-              <a:t>4/12/2015</a:t>
+              <a:t>4/13/2015</a:t>
             </a:fld>
             <a:endParaRPr lang="en-US"/>
           </a:p>
@@ -2369,7 +10739,7 @@
           <a:p>
             <a:fld id="{AFC5C9AE-A6C0-4F9D-A14C-F9F7B1544907}" type="datetimeFigureOut">
               <a:rPr lang="en-US" smtClean="0"/>
-              <a:t>4/12/2015</a:t>
+              <a:t>4/13/2015</a:t>
             </a:fld>
             <a:endParaRPr lang="en-US"/>
           </a:p>
@@ -2582,7 +10952,7 @@
           <a:p>
             <a:fld id="{AFC5C9AE-A6C0-4F9D-A14C-F9F7B1544907}" type="datetimeFigureOut">
               <a:rPr lang="en-US" smtClean="0"/>
-              <a:t>4/12/2015</a:t>
+              <a:t>4/13/2015</a:t>
             </a:fld>
             <a:endParaRPr lang="en-US"/>
           </a:p>
@@ -3078,6 +11448,240 @@
 </p:sld>
 </file>
 
+<file path=ppt/slides/slide10.xml><?xml version="1.0" encoding="utf-8"?>
+<p:sld xmlns:a="http://schemas.openxmlformats.org/drawingml/2006/main" xmlns:r="http://schemas.openxmlformats.org/officeDocument/2006/relationships" xmlns:p="http://schemas.openxmlformats.org/presentationml/2006/main">
+  <p:cSld>
+    <p:spTree>
+      <p:nvGrpSpPr>
+        <p:cNvPr id="1" name=""/>
+        <p:cNvGrpSpPr/>
+        <p:nvPr/>
+      </p:nvGrpSpPr>
+      <p:grpSpPr>
+        <a:xfrm>
+          <a:off x="0" y="0"/>
+          <a:ext cx="0" cy="0"/>
+          <a:chOff x="0" y="0"/>
+          <a:chExt cx="0" cy="0"/>
+        </a:xfrm>
+      </p:grpSpPr>
+      <p:graphicFrame>
+        <p:nvGraphicFramePr>
+          <p:cNvPr id="4" name="Chart 3"/>
+          <p:cNvGraphicFramePr>
+            <a:graphicFrameLocks/>
+          </p:cNvGraphicFramePr>
+          <p:nvPr>
+            <p:extLst>
+              <p:ext uri="{D42A27DB-BD31-4B8C-83A1-F6EECF244321}">
+                <p14:modId xmlns:p14="http://schemas.microsoft.com/office/powerpoint/2010/main" val="1738640796"/>
+              </p:ext>
+            </p:extLst>
+          </p:nvPr>
+        </p:nvGraphicFramePr>
+        <p:xfrm>
+          <a:off x="318073" y="300989"/>
+          <a:ext cx="11569127" cy="6250418"/>
+        </p:xfrm>
+        <a:graphic>
+          <a:graphicData uri="http://schemas.openxmlformats.org/drawingml/2006/chart">
+            <c:chart xmlns:c="http://schemas.openxmlformats.org/drawingml/2006/chart" xmlns:r="http://schemas.openxmlformats.org/officeDocument/2006/relationships" r:id="rId2"/>
+          </a:graphicData>
+        </a:graphic>
+      </p:graphicFrame>
+    </p:spTree>
+    <p:extLst>
+      <p:ext uri="{BB962C8B-B14F-4D97-AF65-F5344CB8AC3E}">
+        <p14:creationId xmlns:p14="http://schemas.microsoft.com/office/powerpoint/2010/main" val="943435217"/>
+      </p:ext>
+    </p:extLst>
+  </p:cSld>
+  <p:clrMapOvr>
+    <a:masterClrMapping/>
+  </p:clrMapOvr>
+</p:sld>
+</file>
+
+<file path=ppt/slides/slide11.xml><?xml version="1.0" encoding="utf-8"?>
+<p:sld xmlns:a="http://schemas.openxmlformats.org/drawingml/2006/main" xmlns:r="http://schemas.openxmlformats.org/officeDocument/2006/relationships" xmlns:p="http://schemas.openxmlformats.org/presentationml/2006/main">
+  <p:cSld>
+    <p:spTree>
+      <p:nvGrpSpPr>
+        <p:cNvPr id="1" name=""/>
+        <p:cNvGrpSpPr/>
+        <p:nvPr/>
+      </p:nvGrpSpPr>
+      <p:grpSpPr>
+        <a:xfrm>
+          <a:off x="0" y="0"/>
+          <a:ext cx="0" cy="0"/>
+          <a:chOff x="0" y="0"/>
+          <a:chExt cx="0" cy="0"/>
+        </a:xfrm>
+      </p:grpSpPr>
+      <p:graphicFrame>
+        <p:nvGraphicFramePr>
+          <p:cNvPr id="3" name="Chart 2"/>
+          <p:cNvGraphicFramePr>
+            <a:graphicFrameLocks/>
+          </p:cNvGraphicFramePr>
+          <p:nvPr>
+            <p:extLst>
+              <p:ext uri="{D42A27DB-BD31-4B8C-83A1-F6EECF244321}">
+                <p14:modId xmlns:p14="http://schemas.microsoft.com/office/powerpoint/2010/main" val="4045293473"/>
+              </p:ext>
+            </p:extLst>
+          </p:nvPr>
+        </p:nvGraphicFramePr>
+        <p:xfrm>
+          <a:off x="316174" y="344973"/>
+          <a:ext cx="11689361" cy="6195676"/>
+        </p:xfrm>
+        <a:graphic>
+          <a:graphicData uri="http://schemas.openxmlformats.org/drawingml/2006/chart">
+            <c:chart xmlns:c="http://schemas.openxmlformats.org/drawingml/2006/chart" xmlns:r="http://schemas.openxmlformats.org/officeDocument/2006/relationships" r:id="rId2"/>
+          </a:graphicData>
+        </a:graphic>
+      </p:graphicFrame>
+    </p:spTree>
+    <p:extLst>
+      <p:ext uri="{BB962C8B-B14F-4D97-AF65-F5344CB8AC3E}">
+        <p14:creationId xmlns:p14="http://schemas.microsoft.com/office/powerpoint/2010/main" val="51479034"/>
+      </p:ext>
+    </p:extLst>
+  </p:cSld>
+  <p:clrMapOvr>
+    <a:masterClrMapping/>
+  </p:clrMapOvr>
+</p:sld>
+</file>
+
+<file path=ppt/slides/slide12.xml><?xml version="1.0" encoding="utf-8"?>
+<p:sld xmlns:a="http://schemas.openxmlformats.org/drawingml/2006/main" xmlns:r="http://schemas.openxmlformats.org/officeDocument/2006/relationships" xmlns:p="http://schemas.openxmlformats.org/presentationml/2006/main">
+  <p:cSld>
+    <p:spTree>
+      <p:nvGrpSpPr>
+        <p:cNvPr id="1" name=""/>
+        <p:cNvGrpSpPr/>
+        <p:nvPr/>
+      </p:nvGrpSpPr>
+      <p:grpSpPr>
+        <a:xfrm>
+          <a:off x="0" y="0"/>
+          <a:ext cx="0" cy="0"/>
+          <a:chOff x="0" y="0"/>
+          <a:chExt cx="0" cy="0"/>
+        </a:xfrm>
+      </p:grpSpPr>
+      <p:graphicFrame>
+        <p:nvGraphicFramePr>
+          <p:cNvPr id="3" name="Chart 2"/>
+          <p:cNvGraphicFramePr>
+            <a:graphicFrameLocks/>
+          </p:cNvGraphicFramePr>
+          <p:nvPr>
+            <p:extLst>
+              <p:ext uri="{D42A27DB-BD31-4B8C-83A1-F6EECF244321}">
+                <p14:modId xmlns:p14="http://schemas.microsoft.com/office/powerpoint/2010/main" val="1931502396"/>
+              </p:ext>
+            </p:extLst>
+          </p:nvPr>
+        </p:nvGraphicFramePr>
+        <p:xfrm>
+          <a:off x="344077" y="339987"/>
+          <a:ext cx="5436533" cy="3467100"/>
+        </p:xfrm>
+        <a:graphic>
+          <a:graphicData uri="http://schemas.openxmlformats.org/drawingml/2006/chart">
+            <c:chart xmlns:c="http://schemas.openxmlformats.org/drawingml/2006/chart" xmlns:r="http://schemas.openxmlformats.org/officeDocument/2006/relationships" r:id="rId2"/>
+          </a:graphicData>
+        </a:graphic>
+      </p:graphicFrame>
+      <p:graphicFrame>
+        <p:nvGraphicFramePr>
+          <p:cNvPr id="6" name="Chart 5"/>
+          <p:cNvGraphicFramePr>
+            <a:graphicFrameLocks/>
+          </p:cNvGraphicFramePr>
+          <p:nvPr>
+            <p:extLst>
+              <p:ext uri="{D42A27DB-BD31-4B8C-83A1-F6EECF244321}">
+                <p14:modId xmlns:p14="http://schemas.microsoft.com/office/powerpoint/2010/main" val="4077949715"/>
+              </p:ext>
+            </p:extLst>
+          </p:nvPr>
+        </p:nvGraphicFramePr>
+        <p:xfrm>
+          <a:off x="6488655" y="669663"/>
+          <a:ext cx="4572000" cy="2743200"/>
+        </p:xfrm>
+        <a:graphic>
+          <a:graphicData uri="http://schemas.openxmlformats.org/drawingml/2006/chart">
+            <c:chart xmlns:c="http://schemas.openxmlformats.org/drawingml/2006/chart" xmlns:r="http://schemas.openxmlformats.org/officeDocument/2006/relationships" r:id="rId3"/>
+          </a:graphicData>
+        </a:graphic>
+      </p:graphicFrame>
+      <p:graphicFrame>
+        <p:nvGraphicFramePr>
+          <p:cNvPr id="8" name="Chart 7"/>
+          <p:cNvGraphicFramePr>
+            <a:graphicFrameLocks/>
+          </p:cNvGraphicFramePr>
+          <p:nvPr>
+            <p:extLst>
+              <p:ext uri="{D42A27DB-BD31-4B8C-83A1-F6EECF244321}">
+                <p14:modId xmlns:p14="http://schemas.microsoft.com/office/powerpoint/2010/main" val="1589502400"/>
+              </p:ext>
+            </p:extLst>
+          </p:nvPr>
+        </p:nvGraphicFramePr>
+        <p:xfrm>
+          <a:off x="550433" y="3810896"/>
+          <a:ext cx="4572000" cy="2743200"/>
+        </p:xfrm>
+        <a:graphic>
+          <a:graphicData uri="http://schemas.openxmlformats.org/drawingml/2006/chart">
+            <c:chart xmlns:c="http://schemas.openxmlformats.org/drawingml/2006/chart" xmlns:r="http://schemas.openxmlformats.org/officeDocument/2006/relationships" r:id="rId4"/>
+          </a:graphicData>
+        </a:graphic>
+      </p:graphicFrame>
+      <p:graphicFrame>
+        <p:nvGraphicFramePr>
+          <p:cNvPr id="9" name="Chart 8"/>
+          <p:cNvGraphicFramePr>
+            <a:graphicFrameLocks/>
+          </p:cNvGraphicFramePr>
+          <p:nvPr>
+            <p:extLst>
+              <p:ext uri="{D42A27DB-BD31-4B8C-83A1-F6EECF244321}">
+                <p14:modId xmlns:p14="http://schemas.microsoft.com/office/powerpoint/2010/main" val="2726796390"/>
+              </p:ext>
+            </p:extLst>
+          </p:nvPr>
+        </p:nvGraphicFramePr>
+        <p:xfrm>
+          <a:off x="6477896" y="3821654"/>
+          <a:ext cx="4572000" cy="2743200"/>
+        </p:xfrm>
+        <a:graphic>
+          <a:graphicData uri="http://schemas.openxmlformats.org/drawingml/2006/chart">
+            <c:chart xmlns:c="http://schemas.openxmlformats.org/drawingml/2006/chart" xmlns:r="http://schemas.openxmlformats.org/officeDocument/2006/relationships" r:id="rId5"/>
+          </a:graphicData>
+        </a:graphic>
+      </p:graphicFrame>
+    </p:spTree>
+    <p:extLst>
+      <p:ext uri="{BB962C8B-B14F-4D97-AF65-F5344CB8AC3E}">
+        <p14:creationId xmlns:p14="http://schemas.microsoft.com/office/powerpoint/2010/main" val="2112324837"/>
+      </p:ext>
+    </p:extLst>
+  </p:cSld>
+  <p:clrMapOvr>
+    <a:masterClrMapping/>
+  </p:clrMapOvr>
+</p:sld>
+</file>
+
 <file path=ppt/slides/slide2.xml><?xml version="1.0" encoding="utf-8"?>
 <p:sld xmlns:a="http://schemas.openxmlformats.org/drawingml/2006/main" xmlns:r="http://schemas.openxmlformats.org/officeDocument/2006/relationships" xmlns:p="http://schemas.openxmlformats.org/presentationml/2006/main">
   <p:cSld>
@@ -3504,11 +12108,7 @@
             </a:r>
             <a:r>
               <a:rPr lang="en-US" dirty="0" smtClean="0"/>
-              <a:t> with quantum = </a:t>
-            </a:r>
-            <a:r>
-              <a:rPr lang="en-US" dirty="0" smtClean="0"/>
-              <a:t>2</a:t>
+              <a:t> with quantum = 2</a:t>
             </a:r>
             <a:r>
               <a:rPr lang="en-US" baseline="30000" dirty="0" smtClean="0"/>
@@ -3931,6 +12531,114 @@
     <p:extLst>
       <p:ext uri="{BB962C8B-B14F-4D97-AF65-F5344CB8AC3E}">
         <p14:creationId xmlns:p14="http://schemas.microsoft.com/office/powerpoint/2010/main" val="1621644008"/>
+      </p:ext>
+    </p:extLst>
+  </p:cSld>
+  <p:clrMapOvr>
+    <a:masterClrMapping/>
+  </p:clrMapOvr>
+</p:sld>
+</file>
+
+<file path=ppt/slides/slide8.xml><?xml version="1.0" encoding="utf-8"?>
+<p:sld xmlns:a="http://schemas.openxmlformats.org/drawingml/2006/main" xmlns:r="http://schemas.openxmlformats.org/officeDocument/2006/relationships" xmlns:p="http://schemas.openxmlformats.org/presentationml/2006/main">
+  <p:cSld>
+    <p:spTree>
+      <p:nvGrpSpPr>
+        <p:cNvPr id="1" name=""/>
+        <p:cNvGrpSpPr/>
+        <p:nvPr/>
+      </p:nvGrpSpPr>
+      <p:grpSpPr>
+        <a:xfrm>
+          <a:off x="0" y="0"/>
+          <a:ext cx="0" cy="0"/>
+          <a:chOff x="0" y="0"/>
+          <a:chExt cx="0" cy="0"/>
+        </a:xfrm>
+      </p:grpSpPr>
+      <p:graphicFrame>
+        <p:nvGraphicFramePr>
+          <p:cNvPr id="3" name="Chart 2"/>
+          <p:cNvGraphicFramePr>
+            <a:graphicFrameLocks/>
+          </p:cNvGraphicFramePr>
+          <p:nvPr>
+            <p:extLst>
+              <p:ext uri="{D42A27DB-BD31-4B8C-83A1-F6EECF244321}">
+                <p14:modId xmlns:p14="http://schemas.microsoft.com/office/powerpoint/2010/main" val="1838446444"/>
+              </p:ext>
+            </p:extLst>
+          </p:nvPr>
+        </p:nvGraphicFramePr>
+        <p:xfrm>
+          <a:off x="398724" y="199214"/>
+          <a:ext cx="11219535" cy="6319919"/>
+        </p:xfrm>
+        <a:graphic>
+          <a:graphicData uri="http://schemas.openxmlformats.org/drawingml/2006/chart">
+            <c:chart xmlns:c="http://schemas.openxmlformats.org/drawingml/2006/chart" xmlns:r="http://schemas.openxmlformats.org/officeDocument/2006/relationships" r:id="rId2"/>
+          </a:graphicData>
+        </a:graphic>
+      </p:graphicFrame>
+    </p:spTree>
+    <p:extLst>
+      <p:ext uri="{BB962C8B-B14F-4D97-AF65-F5344CB8AC3E}">
+        <p14:creationId xmlns:p14="http://schemas.microsoft.com/office/powerpoint/2010/main" val="3684673926"/>
+      </p:ext>
+    </p:extLst>
+  </p:cSld>
+  <p:clrMapOvr>
+    <a:masterClrMapping/>
+  </p:clrMapOvr>
+</p:sld>
+</file>
+
+<file path=ppt/slides/slide9.xml><?xml version="1.0" encoding="utf-8"?>
+<p:sld xmlns:a="http://schemas.openxmlformats.org/drawingml/2006/main" xmlns:r="http://schemas.openxmlformats.org/officeDocument/2006/relationships" xmlns:p="http://schemas.openxmlformats.org/presentationml/2006/main">
+  <p:cSld>
+    <p:spTree>
+      <p:nvGrpSpPr>
+        <p:cNvPr id="1" name=""/>
+        <p:cNvGrpSpPr/>
+        <p:nvPr/>
+      </p:nvGrpSpPr>
+      <p:grpSpPr>
+        <a:xfrm>
+          <a:off x="0" y="0"/>
+          <a:ext cx="0" cy="0"/>
+          <a:chOff x="0" y="0"/>
+          <a:chExt cx="0" cy="0"/>
+        </a:xfrm>
+      </p:grpSpPr>
+      <p:graphicFrame>
+        <p:nvGraphicFramePr>
+          <p:cNvPr id="5" name="Chart 4"/>
+          <p:cNvGraphicFramePr>
+            <a:graphicFrameLocks/>
+          </p:cNvGraphicFramePr>
+          <p:nvPr>
+            <p:extLst>
+              <p:ext uri="{D42A27DB-BD31-4B8C-83A1-F6EECF244321}">
+                <p14:modId xmlns:p14="http://schemas.microsoft.com/office/powerpoint/2010/main" val="3283723857"/>
+              </p:ext>
+            </p:extLst>
+          </p:nvPr>
+        </p:nvGraphicFramePr>
+        <p:xfrm>
+          <a:off x="215259" y="182711"/>
+          <a:ext cx="11693456" cy="6368696"/>
+        </p:xfrm>
+        <a:graphic>
+          <a:graphicData uri="http://schemas.openxmlformats.org/drawingml/2006/chart">
+            <c:chart xmlns:c="http://schemas.openxmlformats.org/drawingml/2006/chart" xmlns:r="http://schemas.openxmlformats.org/officeDocument/2006/relationships" r:id="rId2"/>
+          </a:graphicData>
+        </a:graphic>
+      </p:graphicFrame>
+    </p:spTree>
+    <p:extLst>
+      <p:ext uri="{BB962C8B-B14F-4D97-AF65-F5344CB8AC3E}">
+        <p14:creationId xmlns:p14="http://schemas.microsoft.com/office/powerpoint/2010/main" val="298829091"/>
       </p:ext>
     </p:extLst>
   </p:cSld>

--- a/OS_presentation.pptx
+++ b/OS_presentation.pptx
@@ -12063,7 +12063,15 @@
             </a:r>
             <a:r>
               <a:rPr lang="en-US" dirty="0" smtClean="0"/>
-              <a:t> with quantum = 10 (set at beginning of sim)</a:t>
+              <a:t> </a:t>
+            </a:r>
+            <a:r>
+              <a:rPr lang="en-US" dirty="0" smtClean="0"/>
+              <a:t>with lower time quantum (set </a:t>
+            </a:r>
+            <a:r>
+              <a:rPr lang="en-US" dirty="0" smtClean="0"/>
+              <a:t>at beginning of sim)</a:t>
             </a:r>
           </a:p>
           <a:p>
@@ -12078,7 +12086,19 @@
             </a:r>
             <a:r>
               <a:rPr lang="en-US" dirty="0" smtClean="0"/>
-              <a:t> with quantum = 20 (set at beginning of sim)</a:t>
+              <a:t> </a:t>
+            </a:r>
+            <a:r>
+              <a:rPr lang="en-US" dirty="0" smtClean="0"/>
+              <a:t>with higher </a:t>
+            </a:r>
+            <a:r>
+              <a:rPr lang="en-US" smtClean="0"/>
+              <a:t>time quantum (set </a:t>
+            </a:r>
+            <a:r>
+              <a:rPr lang="en-US" dirty="0" smtClean="0"/>
+              <a:t>at beginning of sim)</a:t>
             </a:r>
           </a:p>
           <a:p>
